--- a/高伟.pptx
+++ b/高伟.pptx
@@ -5,7 +5,7 @@
     <p:sldMasterId id="2147483648" r:id="rId1"/>
   </p:sldMasterIdLst>
   <p:notesMasterIdLst>
-    <p:notesMasterId r:id="rId25"/>
+    <p:notesMasterId r:id="rId26"/>
   </p:notesMasterIdLst>
   <p:sldIdLst>
     <p:sldId id="256" r:id="rId2"/>
@@ -30,7 +30,8 @@
     <p:sldId id="261" r:id="rId21"/>
     <p:sldId id="276" r:id="rId22"/>
     <p:sldId id="277" r:id="rId23"/>
-    <p:sldId id="278" r:id="rId24"/>
+    <p:sldId id="279" r:id="rId24"/>
+    <p:sldId id="278" r:id="rId25"/>
   </p:sldIdLst>
   <p:sldSz cx="12192000" cy="6858000"/>
   <p:notesSz cx="6858000" cy="9144000"/>
@@ -11499,6 +11500,101 @@
 </file>
 
 <file path=ppt/slides/slide23.xml><?xml version="1.0" encoding="utf-8"?>
+<p:sld xmlns:a="http://schemas.openxmlformats.org/drawingml/2006/main" xmlns:r="http://schemas.openxmlformats.org/officeDocument/2006/relationships" xmlns:p="http://schemas.openxmlformats.org/presentationml/2006/main">
+  <p:cSld>
+    <p:spTree>
+      <p:nvGrpSpPr>
+        <p:cNvPr id="1" name=""/>
+        <p:cNvGrpSpPr/>
+        <p:nvPr/>
+      </p:nvGrpSpPr>
+      <p:grpSpPr>
+        <a:xfrm>
+          <a:off x="0" y="0"/>
+          <a:ext cx="0" cy="0"/>
+          <a:chOff x="0" y="0"/>
+          <a:chExt cx="0" cy="0"/>
+        </a:xfrm>
+      </p:grpSpPr>
+      <p:sp>
+        <p:nvSpPr>
+          <p:cNvPr id="2" name="标题 1">
+            <a:extLst>
+              <a:ext uri="{FF2B5EF4-FFF2-40B4-BE49-F238E27FC236}">
+                <a16:creationId xmlns:a16="http://schemas.microsoft.com/office/drawing/2014/main" id="{5853BEE6-F50D-F946-9A50-8521379769CE}"/>
+              </a:ext>
+            </a:extLst>
+          </p:cNvPr>
+          <p:cNvSpPr>
+            <a:spLocks noGrp="1"/>
+          </p:cNvSpPr>
+          <p:nvPr>
+            <p:ph type="title"/>
+          </p:nvPr>
+        </p:nvSpPr>
+        <p:spPr/>
+        <p:txBody>
+          <a:bodyPr/>
+          <a:lstStyle/>
+          <a:p>
+            <a:r>
+              <a:rPr kumimoji="1" lang="en-US" altLang="zh-CN" dirty="0"/>
+              <a:t>Test six </a:t>
+            </a:r>
+            <a:r>
+              <a:rPr kumimoji="1" lang="en-US" altLang="zh-CN" dirty="0" err="1"/>
+              <a:t>syscalls</a:t>
+            </a:r>
+            <a:endParaRPr kumimoji="1" lang="zh-CN" altLang="en-US" dirty="0"/>
+          </a:p>
+        </p:txBody>
+      </p:sp>
+      <p:pic>
+        <p:nvPicPr>
+          <p:cNvPr id="4" name="内容占位符 3">
+            <a:extLst>
+              <a:ext uri="{FF2B5EF4-FFF2-40B4-BE49-F238E27FC236}">
+                <a16:creationId xmlns:a16="http://schemas.microsoft.com/office/drawing/2014/main" id="{38839160-FE5A-6245-B35C-41BCF8B929B7}"/>
+              </a:ext>
+            </a:extLst>
+          </p:cNvPr>
+          <p:cNvPicPr>
+            <a:picLocks noGrp="1" noChangeAspect="1"/>
+          </p:cNvPicPr>
+          <p:nvPr>
+            <p:ph idx="1"/>
+          </p:nvPr>
+        </p:nvPicPr>
+        <p:blipFill>
+          <a:blip r:embed="rId2"/>
+          <a:stretch>
+            <a:fillRect/>
+          </a:stretch>
+        </p:blipFill>
+        <p:spPr>
+          <a:xfrm>
+            <a:off x="3013880" y="2133600"/>
+            <a:ext cx="8066066" cy="3778250"/>
+          </a:xfrm>
+          <a:prstGeom prst="rect">
+            <a:avLst/>
+          </a:prstGeom>
+        </p:spPr>
+      </p:pic>
+    </p:spTree>
+    <p:extLst>
+      <p:ext uri="{BB962C8B-B14F-4D97-AF65-F5344CB8AC3E}">
+        <p14:creationId xmlns:p14="http://schemas.microsoft.com/office/powerpoint/2010/main" val="1408336618"/>
+      </p:ext>
+    </p:extLst>
+  </p:cSld>
+  <p:clrMapOvr>
+    <a:masterClrMapping/>
+  </p:clrMapOvr>
+</p:sld>
+</file>
+
+<file path=ppt/slides/slide24.xml><?xml version="1.0" encoding="utf-8"?>
 <p:sld xmlns:a="http://schemas.openxmlformats.org/drawingml/2006/main" xmlns:r="http://schemas.openxmlformats.org/officeDocument/2006/relationships" xmlns:p="http://schemas.openxmlformats.org/presentationml/2006/main">
   <p:cSld>
     <p:spTree>

--- a/高伟.pptx
+++ b/高伟.pptx
@@ -5,7 +5,7 @@
     <p:sldMasterId id="2147483648" r:id="rId1"/>
   </p:sldMasterIdLst>
   <p:notesMasterIdLst>
-    <p:notesMasterId r:id="rId26"/>
+    <p:notesMasterId r:id="rId25"/>
   </p:notesMasterIdLst>
   <p:sldIdLst>
     <p:sldId id="256" r:id="rId2"/>
@@ -29,9 +29,8 @@
     <p:sldId id="260" r:id="rId20"/>
     <p:sldId id="261" r:id="rId21"/>
     <p:sldId id="276" r:id="rId22"/>
-    <p:sldId id="277" r:id="rId23"/>
-    <p:sldId id="279" r:id="rId24"/>
-    <p:sldId id="278" r:id="rId25"/>
+    <p:sldId id="279" r:id="rId23"/>
+    <p:sldId id="278" r:id="rId24"/>
   </p:sldIdLst>
   <p:sldSz cx="12192000" cy="6858000"/>
   <p:notesSz cx="6858000" cy="9144000"/>
@@ -1756,6 +1755,90 @@
           <a:p>
             <a:fld id="{E5BBBCDD-09AB-3E4F-B805-B83802AFD713}" type="slidenum">
               <a:rPr kumimoji="1" lang="zh-CN" altLang="en-US" smtClean="0"/>
+              <a:t>7</a:t>
+            </a:fld>
+            <a:endParaRPr kumimoji="1" lang="zh-CN" altLang="en-US"/>
+          </a:p>
+        </p:txBody>
+      </p:sp>
+    </p:spTree>
+    <p:extLst>
+      <p:ext uri="{BB962C8B-B14F-4D97-AF65-F5344CB8AC3E}">
+        <p14:creationId xmlns:p14="http://schemas.microsoft.com/office/powerpoint/2010/main" val="119124385"/>
+      </p:ext>
+    </p:extLst>
+  </p:cSld>
+  <p:clrMapOvr>
+    <a:masterClrMapping/>
+  </p:clrMapOvr>
+</p:notes>
+</file>
+
+<file path=ppt/notesSlides/notesSlide3.xml><?xml version="1.0" encoding="utf-8"?>
+<p:notes xmlns:a="http://schemas.openxmlformats.org/drawingml/2006/main" xmlns:r="http://schemas.openxmlformats.org/officeDocument/2006/relationships" xmlns:p="http://schemas.openxmlformats.org/presentationml/2006/main">
+  <p:cSld>
+    <p:spTree>
+      <p:nvGrpSpPr>
+        <p:cNvPr id="1" name=""/>
+        <p:cNvGrpSpPr/>
+        <p:nvPr/>
+      </p:nvGrpSpPr>
+      <p:grpSpPr>
+        <a:xfrm>
+          <a:off x="0" y="0"/>
+          <a:ext cx="0" cy="0"/>
+          <a:chOff x="0" y="0"/>
+          <a:chExt cx="0" cy="0"/>
+        </a:xfrm>
+      </p:grpSpPr>
+      <p:sp>
+        <p:nvSpPr>
+          <p:cNvPr id="2" name="幻灯片图像占位符 1"/>
+          <p:cNvSpPr>
+            <a:spLocks noGrp="1" noRot="1" noChangeAspect="1"/>
+          </p:cNvSpPr>
+          <p:nvPr>
+            <p:ph type="sldImg"/>
+          </p:nvPr>
+        </p:nvSpPr>
+        <p:spPr/>
+      </p:sp>
+      <p:sp>
+        <p:nvSpPr>
+          <p:cNvPr id="3" name="备注占位符 2"/>
+          <p:cNvSpPr>
+            <a:spLocks noGrp="1"/>
+          </p:cNvSpPr>
+          <p:nvPr>
+            <p:ph type="body" idx="1"/>
+          </p:nvPr>
+        </p:nvSpPr>
+        <p:spPr/>
+        <p:txBody>
+          <a:bodyPr/>
+          <a:lstStyle/>
+          <a:p>
+            <a:endParaRPr kumimoji="1" lang="zh-CN" altLang="en-US" dirty="0"/>
+          </a:p>
+        </p:txBody>
+      </p:sp>
+      <p:sp>
+        <p:nvSpPr>
+          <p:cNvPr id="4" name="幻灯片编号占位符 3"/>
+          <p:cNvSpPr>
+            <a:spLocks noGrp="1"/>
+          </p:cNvSpPr>
+          <p:nvPr>
+            <p:ph type="sldNum" sz="quarter" idx="10"/>
+          </p:nvPr>
+        </p:nvSpPr>
+        <p:spPr/>
+        <p:txBody>
+          <a:bodyPr/>
+          <a:lstStyle/>
+          <a:p>
+            <a:fld id="{E5BBBCDD-09AB-3E4F-B805-B83802AFD713}" type="slidenum">
+              <a:rPr kumimoji="1" lang="zh-CN" altLang="en-US" smtClean="0"/>
               <a:t>8</a:t>
             </a:fld>
             <a:endParaRPr kumimoji="1" lang="zh-CN" altLang="en-US"/>
@@ -1775,7 +1858,7 @@
 </p:notes>
 </file>
 
-<file path=ppt/notesSlides/notesSlide3.xml><?xml version="1.0" encoding="utf-8"?>
+<file path=ppt/notesSlides/notesSlide4.xml><?xml version="1.0" encoding="utf-8"?>
 <p:notes xmlns:a="http://schemas.openxmlformats.org/drawingml/2006/main" xmlns:r="http://schemas.openxmlformats.org/officeDocument/2006/relationships" xmlns:p="http://schemas.openxmlformats.org/presentationml/2006/main">
   <p:cSld>
     <p:spTree>
@@ -9422,16 +9505,39 @@
         </p:nvSpPr>
         <p:spPr/>
         <p:txBody>
-          <a:bodyPr/>
+          <a:bodyPr>
+            <a:normAutofit lnSpcReduction="10000"/>
+          </a:bodyPr>
           <a:lstStyle/>
           <a:p>
             <a:r>
               <a:rPr kumimoji="1" lang="en-US" altLang="zh-CN" dirty="0"/>
               <a:t>														</a:t>
             </a:r>
+          </a:p>
+          <a:p>
             <a:r>
               <a:rPr kumimoji="1" lang="en-US" altLang="zh-Hans" dirty="0"/>
-              <a:t>Wei Gao</a:t>
+              <a:t>												</a:t>
+            </a:r>
+            <a:r>
+              <a:rPr kumimoji="1" lang="en-US" altLang="zh-CN" dirty="0"/>
+              <a:t>2015310652</a:t>
+            </a:r>
+            <a:r>
+              <a:rPr kumimoji="1" lang="zh-Hans" altLang="en-US" dirty="0"/>
+              <a:t>  </a:t>
+            </a:r>
+            <a:r>
+              <a:rPr kumimoji="1" lang="zh-CN" altLang="en-US" dirty="0"/>
+              <a:t>高伟</a:t>
+            </a:r>
+            <a:endParaRPr kumimoji="1" lang="en-US" altLang="zh-CN" dirty="0"/>
+          </a:p>
+          <a:p>
+            <a:r>
+              <a:rPr kumimoji="1" lang="en-US" altLang="zh-Hans" dirty="0"/>
+              <a:t>												</a:t>
             </a:r>
           </a:p>
         </p:txBody>
@@ -11401,126 +11507,6 @@
           <p:cNvPr id="2" name="标题 1">
             <a:extLst>
               <a:ext uri="{FF2B5EF4-FFF2-40B4-BE49-F238E27FC236}">
-                <a16:creationId xmlns:a16="http://schemas.microsoft.com/office/drawing/2014/main" id="{518155DF-6059-E34E-BCD0-D33BB6E57358}"/>
-              </a:ext>
-            </a:extLst>
-          </p:cNvPr>
-          <p:cNvSpPr>
-            <a:spLocks noGrp="1"/>
-          </p:cNvSpPr>
-          <p:nvPr>
-            <p:ph type="title"/>
-          </p:nvPr>
-        </p:nvSpPr>
-        <p:spPr/>
-        <p:txBody>
-          <a:bodyPr/>
-          <a:lstStyle/>
-          <a:p>
-            <a:r>
-              <a:rPr kumimoji="1" lang="en-US" altLang="zh-CN" dirty="0"/>
-              <a:t>Run</a:t>
-            </a:r>
-            <a:endParaRPr kumimoji="1" lang="zh-CN" altLang="en-US" dirty="0"/>
-          </a:p>
-        </p:txBody>
-      </p:sp>
-      <p:sp>
-        <p:nvSpPr>
-          <p:cNvPr id="3" name="内容占位符 2">
-            <a:extLst>
-              <a:ext uri="{FF2B5EF4-FFF2-40B4-BE49-F238E27FC236}">
-                <a16:creationId xmlns:a16="http://schemas.microsoft.com/office/drawing/2014/main" id="{92DD24E9-91C7-FD4D-AD26-223CC5BFD628}"/>
-              </a:ext>
-            </a:extLst>
-          </p:cNvPr>
-          <p:cNvSpPr>
-            <a:spLocks noGrp="1"/>
-          </p:cNvSpPr>
-          <p:nvPr>
-            <p:ph idx="1"/>
-          </p:nvPr>
-        </p:nvSpPr>
-        <p:spPr/>
-        <p:txBody>
-          <a:bodyPr>
-            <a:normAutofit/>
-          </a:bodyPr>
-          <a:lstStyle/>
-          <a:p>
-            <a:r>
-              <a:rPr kumimoji="1" lang="en-US" altLang="zh-CN" sz="2800" dirty="0"/>
-              <a:t>Running</a:t>
-            </a:r>
-            <a:endParaRPr kumimoji="1" lang="zh-CN" altLang="en-US" sz="2800" dirty="0"/>
-          </a:p>
-        </p:txBody>
-      </p:sp>
-      <p:pic>
-        <p:nvPicPr>
-          <p:cNvPr id="5" name="图片 4">
-            <a:extLst>
-              <a:ext uri="{FF2B5EF4-FFF2-40B4-BE49-F238E27FC236}">
-                <a16:creationId xmlns:a16="http://schemas.microsoft.com/office/drawing/2014/main" id="{2DCDD1D8-0589-1849-9E23-407E7E06E92D}"/>
-              </a:ext>
-            </a:extLst>
-          </p:cNvPr>
-          <p:cNvPicPr>
-            <a:picLocks noChangeAspect="1"/>
-          </p:cNvPicPr>
-          <p:nvPr/>
-        </p:nvPicPr>
-        <p:blipFill>
-          <a:blip r:embed="rId2"/>
-          <a:stretch>
-            <a:fillRect/>
-          </a:stretch>
-        </p:blipFill>
-        <p:spPr>
-          <a:xfrm>
-            <a:off x="2743200" y="2649537"/>
-            <a:ext cx="8838970" cy="2522537"/>
-          </a:xfrm>
-          <a:prstGeom prst="rect">
-            <a:avLst/>
-          </a:prstGeom>
-        </p:spPr>
-      </p:pic>
-    </p:spTree>
-    <p:extLst>
-      <p:ext uri="{BB962C8B-B14F-4D97-AF65-F5344CB8AC3E}">
-        <p14:creationId xmlns:p14="http://schemas.microsoft.com/office/powerpoint/2010/main" val="2129166174"/>
-      </p:ext>
-    </p:extLst>
-  </p:cSld>
-  <p:clrMapOvr>
-    <a:masterClrMapping/>
-  </p:clrMapOvr>
-</p:sld>
-</file>
-
-<file path=ppt/slides/slide23.xml><?xml version="1.0" encoding="utf-8"?>
-<p:sld xmlns:a="http://schemas.openxmlformats.org/drawingml/2006/main" xmlns:r="http://schemas.openxmlformats.org/officeDocument/2006/relationships" xmlns:p="http://schemas.openxmlformats.org/presentationml/2006/main">
-  <p:cSld>
-    <p:spTree>
-      <p:nvGrpSpPr>
-        <p:cNvPr id="1" name=""/>
-        <p:cNvGrpSpPr/>
-        <p:nvPr/>
-      </p:nvGrpSpPr>
-      <p:grpSpPr>
-        <a:xfrm>
-          <a:off x="0" y="0"/>
-          <a:ext cx="0" cy="0"/>
-          <a:chOff x="0" y="0"/>
-          <a:chExt cx="0" cy="0"/>
-        </a:xfrm>
-      </p:grpSpPr>
-      <p:sp>
-        <p:nvSpPr>
-          <p:cNvPr id="2" name="标题 1">
-            <a:extLst>
-              <a:ext uri="{FF2B5EF4-FFF2-40B4-BE49-F238E27FC236}">
                 <a16:creationId xmlns:a16="http://schemas.microsoft.com/office/drawing/2014/main" id="{5853BEE6-F50D-F946-9A50-8521379769CE}"/>
               </a:ext>
             </a:extLst>
@@ -11594,7 +11580,7 @@
 </p:sld>
 </file>
 
-<file path=ppt/slides/slide24.xml><?xml version="1.0" encoding="utf-8"?>
+<file path=ppt/slides/slide23.xml><?xml version="1.0" encoding="utf-8"?>
 <p:sld xmlns:a="http://schemas.openxmlformats.org/drawingml/2006/main" xmlns:r="http://schemas.openxmlformats.org/officeDocument/2006/relationships" xmlns:p="http://schemas.openxmlformats.org/presentationml/2006/main">
   <p:cSld>
     <p:spTree>
@@ -11647,6 +11633,293 @@
               <a:t>THANKS</a:t>
             </a:r>
             <a:endParaRPr kumimoji="1" lang="zh-CN" altLang="en-US" sz="8000" dirty="0"/>
+          </a:p>
+        </p:txBody>
+      </p:sp>
+      <p:sp>
+        <p:nvSpPr>
+          <p:cNvPr id="4" name="副标题 2">
+            <a:extLst>
+              <a:ext uri="{FF2B5EF4-FFF2-40B4-BE49-F238E27FC236}">
+                <a16:creationId xmlns:a16="http://schemas.microsoft.com/office/drawing/2014/main" id="{1C21C055-1812-3949-BBFE-76BC21AD181F}"/>
+              </a:ext>
+            </a:extLst>
+          </p:cNvPr>
+          <p:cNvSpPr txBox="1">
+            <a:spLocks/>
+          </p:cNvSpPr>
+          <p:nvPr/>
+        </p:nvSpPr>
+        <p:spPr>
+          <a:xfrm>
+            <a:off x="2589213" y="4320179"/>
+            <a:ext cx="8915399" cy="1126283"/>
+          </a:xfrm>
+          <a:prstGeom prst="rect">
+            <a:avLst/>
+          </a:prstGeom>
+        </p:spPr>
+        <p:txBody>
+          <a:bodyPr vert="horz" lIns="91440" tIns="45720" rIns="91440" bIns="45720" rtlCol="0">
+            <a:normAutofit lnSpcReduction="10000"/>
+          </a:bodyPr>
+          <a:lstStyle>
+            <a:lvl1pPr marL="342900" indent="-342900" algn="l" defTabSz="457200" rtl="0" eaLnBrk="1" latinLnBrk="0" hangingPunct="1">
+              <a:spcBef>
+                <a:spcPts val="1000"/>
+              </a:spcBef>
+              <a:spcAft>
+                <a:spcPts val="0"/>
+              </a:spcAft>
+              <a:buClr>
+                <a:schemeClr val="accent1"/>
+              </a:buClr>
+              <a:buFont typeface="Wingdings 3" charset="2"/>
+              <a:buChar char=""/>
+              <a:defRPr sz="1800" kern="1200">
+                <a:solidFill>
+                  <a:schemeClr val="tx1">
+                    <a:lumMod val="75000"/>
+                    <a:lumOff val="25000"/>
+                  </a:schemeClr>
+                </a:solidFill>
+                <a:latin typeface="+mn-lt"/>
+                <a:ea typeface="+mn-ea"/>
+                <a:cs typeface="+mn-cs"/>
+              </a:defRPr>
+            </a:lvl1pPr>
+            <a:lvl2pPr marL="742950" indent="-285750" algn="l" defTabSz="457200" rtl="0" eaLnBrk="1" latinLnBrk="0" hangingPunct="1">
+              <a:spcBef>
+                <a:spcPts val="1000"/>
+              </a:spcBef>
+              <a:spcAft>
+                <a:spcPts val="0"/>
+              </a:spcAft>
+              <a:buClr>
+                <a:schemeClr val="accent1"/>
+              </a:buClr>
+              <a:buFont typeface="Wingdings 3" charset="2"/>
+              <a:buChar char=""/>
+              <a:defRPr sz="1600" kern="1200">
+                <a:solidFill>
+                  <a:schemeClr val="tx1">
+                    <a:lumMod val="75000"/>
+                    <a:lumOff val="25000"/>
+                  </a:schemeClr>
+                </a:solidFill>
+                <a:latin typeface="+mn-lt"/>
+                <a:ea typeface="+mn-ea"/>
+                <a:cs typeface="+mn-cs"/>
+              </a:defRPr>
+            </a:lvl2pPr>
+            <a:lvl3pPr marL="1143000" indent="-228600" algn="l" defTabSz="457200" rtl="0" eaLnBrk="1" latinLnBrk="0" hangingPunct="1">
+              <a:spcBef>
+                <a:spcPts val="1000"/>
+              </a:spcBef>
+              <a:spcAft>
+                <a:spcPts val="0"/>
+              </a:spcAft>
+              <a:buClr>
+                <a:schemeClr val="accent1"/>
+              </a:buClr>
+              <a:buFont typeface="Wingdings 3" charset="2"/>
+              <a:buChar char=""/>
+              <a:defRPr sz="1400" kern="1200">
+                <a:solidFill>
+                  <a:schemeClr val="tx1">
+                    <a:lumMod val="75000"/>
+                    <a:lumOff val="25000"/>
+                  </a:schemeClr>
+                </a:solidFill>
+                <a:latin typeface="+mn-lt"/>
+                <a:ea typeface="+mn-ea"/>
+                <a:cs typeface="+mn-cs"/>
+              </a:defRPr>
+            </a:lvl3pPr>
+            <a:lvl4pPr marL="1600200" indent="-228600" algn="l" defTabSz="457200" rtl="0" eaLnBrk="1" latinLnBrk="0" hangingPunct="1">
+              <a:spcBef>
+                <a:spcPts val="1000"/>
+              </a:spcBef>
+              <a:spcAft>
+                <a:spcPts val="0"/>
+              </a:spcAft>
+              <a:buClr>
+                <a:schemeClr val="accent1"/>
+              </a:buClr>
+              <a:buFont typeface="Wingdings 3" charset="2"/>
+              <a:buChar char=""/>
+              <a:defRPr sz="1200" kern="1200">
+                <a:solidFill>
+                  <a:schemeClr val="tx1">
+                    <a:lumMod val="75000"/>
+                    <a:lumOff val="25000"/>
+                  </a:schemeClr>
+                </a:solidFill>
+                <a:latin typeface="+mn-lt"/>
+                <a:ea typeface="+mn-ea"/>
+                <a:cs typeface="+mn-cs"/>
+              </a:defRPr>
+            </a:lvl4pPr>
+            <a:lvl5pPr marL="2057400" indent="-228600" algn="l" defTabSz="457200" rtl="0" eaLnBrk="1" latinLnBrk="0" hangingPunct="1">
+              <a:spcBef>
+                <a:spcPts val="1000"/>
+              </a:spcBef>
+              <a:spcAft>
+                <a:spcPts val="0"/>
+              </a:spcAft>
+              <a:buClr>
+                <a:schemeClr val="accent1"/>
+              </a:buClr>
+              <a:buFont typeface="Wingdings 3" charset="2"/>
+              <a:buChar char=""/>
+              <a:defRPr sz="1200" kern="1200">
+                <a:solidFill>
+                  <a:schemeClr val="tx1">
+                    <a:lumMod val="75000"/>
+                    <a:lumOff val="25000"/>
+                  </a:schemeClr>
+                </a:solidFill>
+                <a:latin typeface="+mn-lt"/>
+                <a:ea typeface="+mn-ea"/>
+                <a:cs typeface="+mn-cs"/>
+              </a:defRPr>
+            </a:lvl5pPr>
+            <a:lvl6pPr marL="2514600" indent="-228600" algn="l" defTabSz="457200" rtl="0" eaLnBrk="1" latinLnBrk="0" hangingPunct="1">
+              <a:spcBef>
+                <a:spcPts val="1000"/>
+              </a:spcBef>
+              <a:spcAft>
+                <a:spcPts val="0"/>
+              </a:spcAft>
+              <a:buClr>
+                <a:schemeClr val="accent1"/>
+              </a:buClr>
+              <a:buFont typeface="Wingdings 3" charset="2"/>
+              <a:buChar char=""/>
+              <a:defRPr sz="1200" kern="1200">
+                <a:solidFill>
+                  <a:schemeClr val="tx1">
+                    <a:lumMod val="75000"/>
+                    <a:lumOff val="25000"/>
+                  </a:schemeClr>
+                </a:solidFill>
+                <a:latin typeface="+mn-lt"/>
+                <a:ea typeface="+mn-ea"/>
+                <a:cs typeface="+mn-cs"/>
+              </a:defRPr>
+            </a:lvl6pPr>
+            <a:lvl7pPr marL="2971800" indent="-228600" algn="l" defTabSz="457200" rtl="0" eaLnBrk="1" latinLnBrk="0" hangingPunct="1">
+              <a:spcBef>
+                <a:spcPts val="1000"/>
+              </a:spcBef>
+              <a:spcAft>
+                <a:spcPts val="0"/>
+              </a:spcAft>
+              <a:buClr>
+                <a:schemeClr val="accent1"/>
+              </a:buClr>
+              <a:buFont typeface="Wingdings 3" charset="2"/>
+              <a:buChar char=""/>
+              <a:defRPr sz="1200" kern="1200">
+                <a:solidFill>
+                  <a:schemeClr val="tx1">
+                    <a:lumMod val="75000"/>
+                    <a:lumOff val="25000"/>
+                  </a:schemeClr>
+                </a:solidFill>
+                <a:latin typeface="+mn-lt"/>
+                <a:ea typeface="+mn-ea"/>
+                <a:cs typeface="+mn-cs"/>
+              </a:defRPr>
+            </a:lvl7pPr>
+            <a:lvl8pPr marL="3429000" indent="-228600" algn="l" defTabSz="457200" rtl="0" eaLnBrk="1" latinLnBrk="0" hangingPunct="1">
+              <a:spcBef>
+                <a:spcPts val="1000"/>
+              </a:spcBef>
+              <a:spcAft>
+                <a:spcPts val="0"/>
+              </a:spcAft>
+              <a:buClr>
+                <a:schemeClr val="accent1"/>
+              </a:buClr>
+              <a:buFont typeface="Wingdings 3" charset="2"/>
+              <a:buChar char=""/>
+              <a:defRPr sz="1200" kern="1200">
+                <a:solidFill>
+                  <a:schemeClr val="tx1">
+                    <a:lumMod val="75000"/>
+                    <a:lumOff val="25000"/>
+                  </a:schemeClr>
+                </a:solidFill>
+                <a:latin typeface="+mn-lt"/>
+                <a:ea typeface="+mn-ea"/>
+                <a:cs typeface="+mn-cs"/>
+              </a:defRPr>
+            </a:lvl8pPr>
+            <a:lvl9pPr marL="3886200" indent="-228600" algn="l" defTabSz="457200" rtl="0" eaLnBrk="1" latinLnBrk="0" hangingPunct="1">
+              <a:spcBef>
+                <a:spcPts val="1000"/>
+              </a:spcBef>
+              <a:spcAft>
+                <a:spcPts val="0"/>
+              </a:spcAft>
+              <a:buClr>
+                <a:schemeClr val="accent1"/>
+              </a:buClr>
+              <a:buFont typeface="Wingdings 3" charset="2"/>
+              <a:buChar char=""/>
+              <a:defRPr sz="1200" kern="1200">
+                <a:solidFill>
+                  <a:schemeClr val="tx1">
+                    <a:lumMod val="75000"/>
+                    <a:lumOff val="25000"/>
+                  </a:schemeClr>
+                </a:solidFill>
+                <a:latin typeface="+mn-lt"/>
+                <a:ea typeface="+mn-ea"/>
+                <a:cs typeface="+mn-cs"/>
+              </a:defRPr>
+            </a:lvl9pPr>
+          </a:lstStyle>
+          <a:p>
+            <a:pPr marL="0" indent="0">
+              <a:buNone/>
+            </a:pPr>
+            <a:r>
+              <a:rPr kumimoji="1" lang="en-US" altLang="zh-CN" dirty="0"/>
+              <a:t>														</a:t>
+            </a:r>
+          </a:p>
+          <a:p>
+            <a:pPr marL="0" indent="0">
+              <a:buNone/>
+            </a:pPr>
+            <a:r>
+              <a:rPr kumimoji="1" lang="en-US" altLang="zh-Hans" dirty="0"/>
+              <a:t>												</a:t>
+            </a:r>
+            <a:r>
+              <a:rPr kumimoji="1" lang="en-US" altLang="zh-CN" dirty="0"/>
+              <a:t>2015310652</a:t>
+            </a:r>
+            <a:r>
+              <a:rPr kumimoji="1" lang="zh-Hans" altLang="en-US" dirty="0"/>
+              <a:t>  </a:t>
+            </a:r>
+            <a:r>
+              <a:rPr kumimoji="1" lang="zh-CN" altLang="en-US" dirty="0"/>
+              <a:t>高伟</a:t>
+            </a:r>
+            <a:endParaRPr kumimoji="1" lang="en-US" altLang="zh-CN" dirty="0"/>
+          </a:p>
+          <a:p>
+            <a:pPr marL="0" indent="0">
+              <a:buNone/>
+            </a:pPr>
+            <a:r>
+              <a:rPr kumimoji="1" lang="en-US" altLang="zh-Hans" dirty="0"/>
+              <a:t>											</a:t>
+            </a:r>
           </a:p>
         </p:txBody>
       </p:sp>
@@ -11919,7 +12192,7 @@
             </a:pPr>
             <a:r>
               <a:rPr lang="zh-CN" altLang="en-US" sz="1800" dirty="0"/>
-              <a:t>研究方向涉及操作系统、网络安 全、分布式和并行系统、编程语言系统等。 </a:t>
+              <a:t>研究方向涉及操作系统、网络安全、分布式和并行系统、编程语言系统等。 </a:t>
             </a:r>
           </a:p>
           <a:p>
@@ -12314,7 +12587,12 @@
             <p:ph idx="1"/>
           </p:nvPr>
         </p:nvSpPr>
-        <p:spPr/>
+        <p:spPr>
+          <a:xfrm>
+            <a:off x="1131887" y="2333625"/>
+            <a:ext cx="8915400" cy="3777622"/>
+          </a:xfrm>
+        </p:spPr>
         <p:txBody>
           <a:bodyPr/>
           <a:lstStyle/>
@@ -12333,10 +12611,18 @@
             </a:r>
           </a:p>
           <a:p>
+            <a:pPr lvl="1"/>
+            <a:r>
+              <a:rPr lang="en-US" altLang="zh-CN" sz="2200" dirty="0"/>
+              <a:t>memory</a:t>
+            </a:r>
+          </a:p>
+          <a:p>
             <a:r>
               <a:rPr lang="en-US" altLang="zh-CN" sz="2400" dirty="0"/>
               <a:t>GPU Shadow Page Tables </a:t>
             </a:r>
+            <a:endParaRPr lang="en-US" altLang="zh-CN" sz="2200" dirty="0"/>
           </a:p>
           <a:p>
             <a:r>
@@ -12347,8 +12633,32 @@
           <a:p>
             <a:r>
               <a:rPr lang="en-US" altLang="zh-CN" sz="2400" dirty="0"/>
-              <a:t>GPU Shadow Channel </a:t>
-            </a:r>
+              <a:t>GPU Fair-Share Scheduler</a:t>
+            </a:r>
+          </a:p>
+          <a:p>
+            <a:pPr lvl="1"/>
+            <a:r>
+              <a:rPr lang="en-US" altLang="zh-CN" dirty="0"/>
+              <a:t>non-preemp</a:t>
+            </a:r>
+            <a:r>
+              <a:rPr lang="en-US" altLang="zh-Hans" dirty="0"/>
+              <a:t>ti</a:t>
+            </a:r>
+            <a:r>
+              <a:rPr lang="en-US" altLang="zh-CN" dirty="0"/>
+              <a:t>ve </a:t>
+            </a:r>
+            <a:endParaRPr lang="en-US" altLang="zh-CN" sz="2400" dirty="0"/>
+          </a:p>
+          <a:p>
+            <a:pPr lvl="1"/>
+            <a:endParaRPr lang="en-US" altLang="zh-CN" sz="2200" dirty="0"/>
+          </a:p>
+          <a:p>
+            <a:pPr lvl="1"/>
+            <a:endParaRPr lang="en-US" altLang="zh-CN" sz="2200" dirty="0"/>
           </a:p>
           <a:p>
             <a:endParaRPr kumimoji="1" lang="zh-CN" altLang="en-US" dirty="0"/>
@@ -12370,14 +12680,14 @@
           <p:nvPr/>
         </p:nvPicPr>
         <p:blipFill>
-          <a:blip r:embed="rId2"/>
+          <a:blip r:embed="rId3"/>
           <a:stretch>
             <a:fillRect/>
           </a:stretch>
         </p:blipFill>
         <p:spPr>
           <a:xfrm>
-            <a:off x="6438900" y="1264555"/>
+            <a:off x="5895978" y="1590047"/>
             <a:ext cx="5753100" cy="4521200"/>
           </a:xfrm>
           <a:prstGeom prst="rect">
@@ -12395,89 +12705,6 @@
   <p:clrMapOvr>
     <a:masterClrMapping/>
   </p:clrMapOvr>
-  <p:timing>
-    <p:tnLst>
-      <p:par>
-        <p:cTn id="1" dur="indefinite" restart="never" nodeType="tmRoot">
-          <p:childTnLst>
-            <p:seq concurrent="1" nextAc="seek">
-              <p:cTn id="2" dur="indefinite" nodeType="mainSeq">
-                <p:childTnLst>
-                  <p:par>
-                    <p:cTn id="3" fill="hold">
-                      <p:stCondLst>
-                        <p:cond delay="indefinite"/>
-                      </p:stCondLst>
-                      <p:childTnLst>
-                        <p:par>
-                          <p:cTn id="4" fill="hold">
-                            <p:stCondLst>
-                              <p:cond delay="0"/>
-                            </p:stCondLst>
-                            <p:childTnLst>
-                              <p:par>
-                                <p:cTn id="5" presetID="3" presetClass="entr" presetSubtype="10" fill="hold" nodeType="clickEffect">
-                                  <p:stCondLst>
-                                    <p:cond delay="0"/>
-                                  </p:stCondLst>
-                                  <p:childTnLst>
-                                    <p:set>
-                                      <p:cBhvr>
-                                        <p:cTn id="6" dur="1" fill="hold">
-                                          <p:stCondLst>
-                                            <p:cond delay="0"/>
-                                          </p:stCondLst>
-                                        </p:cTn>
-                                        <p:tgtEl>
-                                          <p:spTgt spid="4"/>
-                                        </p:tgtEl>
-                                        <p:attrNameLst>
-                                          <p:attrName>style.visibility</p:attrName>
-                                        </p:attrNameLst>
-                                      </p:cBhvr>
-                                      <p:to>
-                                        <p:strVal val="visible"/>
-                                      </p:to>
-                                    </p:set>
-                                    <p:animEffect transition="in" filter="blinds(horizontal)">
-                                      <p:cBhvr>
-                                        <p:cTn id="7" dur="500"/>
-                                        <p:tgtEl>
-                                          <p:spTgt spid="4"/>
-                                        </p:tgtEl>
-                                      </p:cBhvr>
-                                    </p:animEffect>
-                                  </p:childTnLst>
-                                </p:cTn>
-                              </p:par>
-                            </p:childTnLst>
-                          </p:cTn>
-                        </p:par>
-                      </p:childTnLst>
-                    </p:cTn>
-                  </p:par>
-                </p:childTnLst>
-              </p:cTn>
-              <p:prevCondLst>
-                <p:cond evt="onPrev" delay="0">
-                  <p:tgtEl>
-                    <p:sldTgt/>
-                  </p:tgtEl>
-                </p:cond>
-              </p:prevCondLst>
-              <p:nextCondLst>
-                <p:cond evt="onNext" delay="0">
-                  <p:tgtEl>
-                    <p:sldTgt/>
-                  </p:tgtEl>
-                </p:cond>
-              </p:nextCondLst>
-            </p:seq>
-          </p:childTnLst>
-        </p:cTn>
-      </p:par>
-    </p:tnLst>
-  </p:timing>
 </p:sld>
 </file>
 
@@ -12635,7 +12862,7 @@
             </a:r>
             <a:r>
               <a:rPr lang="zh-CN" altLang="en-US" sz="2000" dirty="0"/>
-              <a:t>尚不适合 部署使用，而且横向扩展性能也较差 </a:t>
+              <a:t>尚不适合部署使用，而且横向扩展性能也较差 </a:t>
             </a:r>
           </a:p>
           <a:p>

--- a/高伟.pptx
+++ b/高伟.pptx
@@ -219,7 +219,7 @@
           <a:p>
             <a:fld id="{2EE3B64C-537B-6741-A0B8-568F7DA4F0FA}" type="datetimeFigureOut">
               <a:rPr kumimoji="1" lang="zh-CN" altLang="en-US" smtClean="0"/>
-              <a:t>2018/6/5</a:t>
+              <a:t>2018/6/6</a:t>
             </a:fld>
             <a:endParaRPr kumimoji="1" lang="zh-CN" altLang="en-US"/>
           </a:p>
@@ -2134,7 +2134,7 @@
             <a:fld id="{B61BEF0D-F0BB-DE4B-95CE-6DB70DBA9567}" type="datetimeFigureOut">
               <a:rPr lang="en-US" dirty="0"/>
               <a:pPr/>
-              <a:t>6/5/18</a:t>
+              <a:t>6/6/18</a:t>
             </a:fld>
             <a:endParaRPr lang="en-US" dirty="0"/>
           </a:p>
@@ -2469,7 +2469,7 @@
             <a:fld id="{B61BEF0D-F0BB-DE4B-95CE-6DB70DBA9567}" type="datetimeFigureOut">
               <a:rPr lang="en-US" dirty="0"/>
               <a:pPr/>
-              <a:t>6/5/18</a:t>
+              <a:t>6/6/18</a:t>
             </a:fld>
             <a:endParaRPr lang="en-US" dirty="0"/>
           </a:p>
@@ -2867,7 +2867,7 @@
             <a:fld id="{B61BEF0D-F0BB-DE4B-95CE-6DB70DBA9567}" type="datetimeFigureOut">
               <a:rPr lang="en-US" dirty="0"/>
               <a:pPr/>
-              <a:t>6/5/18</a:t>
+              <a:t>6/6/18</a:t>
             </a:fld>
             <a:endParaRPr lang="en-US" dirty="0"/>
           </a:p>
@@ -3200,7 +3200,7 @@
             <a:fld id="{B61BEF0D-F0BB-DE4B-95CE-6DB70DBA9567}" type="datetimeFigureOut">
               <a:rPr lang="en-US" dirty="0"/>
               <a:pPr/>
-              <a:t>6/5/18</a:t>
+              <a:t>6/6/18</a:t>
             </a:fld>
             <a:endParaRPr lang="en-US" dirty="0"/>
           </a:p>
@@ -3517,7 +3517,7 @@
             <a:fld id="{B61BEF0D-F0BB-DE4B-95CE-6DB70DBA9567}" type="datetimeFigureOut">
               <a:rPr lang="en-US" dirty="0"/>
               <a:pPr/>
-              <a:t>6/5/18</a:t>
+              <a:t>6/6/18</a:t>
             </a:fld>
             <a:endParaRPr lang="en-US" dirty="0"/>
           </a:p>
@@ -3910,7 +3910,7 @@
             <a:fld id="{B61BEF0D-F0BB-DE4B-95CE-6DB70DBA9567}" type="datetimeFigureOut">
               <a:rPr lang="en-US" dirty="0"/>
               <a:pPr/>
-              <a:t>6/5/18</a:t>
+              <a:t>6/6/18</a:t>
             </a:fld>
             <a:endParaRPr lang="en-US" dirty="0"/>
           </a:p>
@@ -4164,7 +4164,7 @@
             <a:fld id="{B61BEF0D-F0BB-DE4B-95CE-6DB70DBA9567}" type="datetimeFigureOut">
               <a:rPr lang="en-US" dirty="0"/>
               <a:pPr/>
-              <a:t>6/5/18</a:t>
+              <a:t>6/6/18</a:t>
             </a:fld>
             <a:endParaRPr lang="en-US" dirty="0"/>
           </a:p>
@@ -4423,7 +4423,7 @@
             <a:fld id="{B61BEF0D-F0BB-DE4B-95CE-6DB70DBA9567}" type="datetimeFigureOut">
               <a:rPr lang="en-US" dirty="0"/>
               <a:pPr/>
-              <a:t>6/5/18</a:t>
+              <a:t>6/6/18</a:t>
             </a:fld>
             <a:endParaRPr lang="en-US" dirty="0"/>
           </a:p>
@@ -4682,7 +4682,7 @@
             <a:fld id="{B61BEF0D-F0BB-DE4B-95CE-6DB70DBA9567}" type="datetimeFigureOut">
               <a:rPr lang="en-US" dirty="0"/>
               <a:pPr/>
-              <a:t>6/5/18</a:t>
+              <a:t>6/6/18</a:t>
             </a:fld>
             <a:endParaRPr lang="en-US" dirty="0"/>
           </a:p>
@@ -5008,7 +5008,7 @@
             <a:fld id="{B61BEF0D-F0BB-DE4B-95CE-6DB70DBA9567}" type="datetimeFigureOut">
               <a:rPr lang="en-US" dirty="0"/>
               <a:pPr/>
-              <a:t>6/5/18</a:t>
+              <a:t>6/6/18</a:t>
             </a:fld>
             <a:endParaRPr lang="en-US" dirty="0"/>
           </a:p>
@@ -5328,7 +5328,7 @@
             <a:fld id="{B61BEF0D-F0BB-DE4B-95CE-6DB70DBA9567}" type="datetimeFigureOut">
               <a:rPr lang="en-US" dirty="0"/>
               <a:pPr/>
-              <a:t>6/5/18</a:t>
+              <a:t>6/6/18</a:t>
             </a:fld>
             <a:endParaRPr lang="en-US" dirty="0"/>
           </a:p>
@@ -5782,7 +5782,7 @@
             <a:fld id="{B61BEF0D-F0BB-DE4B-95CE-6DB70DBA9567}" type="datetimeFigureOut">
               <a:rPr lang="en-US" dirty="0"/>
               <a:pPr/>
-              <a:t>6/5/18</a:t>
+              <a:t>6/6/18</a:t>
             </a:fld>
             <a:endParaRPr lang="en-US" dirty="0"/>
           </a:p>
@@ -5984,7 +5984,7 @@
             <a:fld id="{B61BEF0D-F0BB-DE4B-95CE-6DB70DBA9567}" type="datetimeFigureOut">
               <a:rPr lang="en-US" dirty="0"/>
               <a:pPr/>
-              <a:t>6/5/18</a:t>
+              <a:t>6/6/18</a:t>
             </a:fld>
             <a:endParaRPr lang="en-US" dirty="0"/>
           </a:p>
@@ -6158,7 +6158,7 @@
             <a:fld id="{B61BEF0D-F0BB-DE4B-95CE-6DB70DBA9567}" type="datetimeFigureOut">
               <a:rPr lang="en-US" dirty="0"/>
               <a:pPr/>
-              <a:t>6/5/18</a:t>
+              <a:t>6/6/18</a:t>
             </a:fld>
             <a:endParaRPr lang="en-US" dirty="0"/>
           </a:p>
@@ -6488,7 +6488,7 @@
             <a:fld id="{B61BEF0D-F0BB-DE4B-95CE-6DB70DBA9567}" type="datetimeFigureOut">
               <a:rPr lang="en-US" dirty="0"/>
               <a:pPr/>
-              <a:t>6/5/18</a:t>
+              <a:t>6/6/18</a:t>
             </a:fld>
             <a:endParaRPr lang="en-US" dirty="0"/>
           </a:p>
@@ -6830,7 +6830,7 @@
             <a:fld id="{B61BEF0D-F0BB-DE4B-95CE-6DB70DBA9567}" type="datetimeFigureOut">
               <a:rPr lang="en-US" dirty="0"/>
               <a:pPr/>
-              <a:t>6/5/18</a:t>
+              <a:t>6/6/18</a:t>
             </a:fld>
             <a:endParaRPr lang="en-US" dirty="0"/>
           </a:p>
@@ -8944,7 +8944,7 @@
             <a:fld id="{B61BEF0D-F0BB-DE4B-95CE-6DB70DBA9567}" type="datetimeFigureOut">
               <a:rPr lang="en-US" dirty="0"/>
               <a:pPr/>
-              <a:t>6/5/18</a:t>
+              <a:t>6/6/18</a:t>
             </a:fld>
             <a:endParaRPr lang="en-US" dirty="0"/>
           </a:p>
@@ -11535,32 +11535,52 @@
           </a:p>
         </p:txBody>
       </p:sp>
-      <p:pic>
-        <p:nvPicPr>
-          <p:cNvPr id="4" name="内容占位符 3">
+      <p:sp>
+        <p:nvSpPr>
+          <p:cNvPr id="5" name="内容占位符 4">
             <a:extLst>
               <a:ext uri="{FF2B5EF4-FFF2-40B4-BE49-F238E27FC236}">
-                <a16:creationId xmlns:a16="http://schemas.microsoft.com/office/drawing/2014/main" id="{38839160-FE5A-6245-B35C-41BCF8B929B7}"/>
+                <a16:creationId xmlns:a16="http://schemas.microsoft.com/office/drawing/2014/main" id="{49E452CC-AFB9-E442-B3AC-EBFE4DD546F2}"/>
               </a:ext>
             </a:extLst>
           </p:cNvPr>
-          <p:cNvPicPr>
-            <a:picLocks noGrp="1" noChangeAspect="1"/>
-          </p:cNvPicPr>
+          <p:cNvSpPr>
+            <a:spLocks noGrp="1"/>
+          </p:cNvSpPr>
           <p:nvPr>
             <p:ph idx="1"/>
           </p:nvPr>
+        </p:nvSpPr>
+        <p:spPr/>
+        <p:txBody>
+          <a:bodyPr/>
+          <a:lstStyle/>
+          <a:p>
+            <a:endParaRPr lang="zh-CN" altLang="en-US"/>
+          </a:p>
+        </p:txBody>
+      </p:sp>
+      <p:pic>
+        <p:nvPicPr>
+          <p:cNvPr id="6" name="图片 5">
+            <a:extLst>
+              <a:ext uri="{FF2B5EF4-FFF2-40B4-BE49-F238E27FC236}">
+                <a16:creationId xmlns:a16="http://schemas.microsoft.com/office/drawing/2014/main" id="{EC59BEF2-6E9E-A945-9767-B32B2B55AC65}"/>
+              </a:ext>
+            </a:extLst>
+          </p:cNvPr>
+          <p:cNvPicPr/>
+          <p:nvPr/>
         </p:nvPicPr>
-        <p:blipFill>
+        <p:blipFill rotWithShape="1">
           <a:blip r:embed="rId2"/>
-          <a:stretch>
-            <a:fillRect/>
-          </a:stretch>
+          <a:srcRect b="47238"/>
+          <a:stretch/>
         </p:blipFill>
         <p:spPr>
           <a:xfrm>
-            <a:off x="3013880" y="2133600"/>
-            <a:ext cx="8066066" cy="3778250"/>
+            <a:off x="1417636" y="1516698"/>
+            <a:ext cx="10086975" cy="4869815"/>
           </a:xfrm>
           <a:prstGeom prst="rect">
             <a:avLst/>

--- a/高伟.pptx
+++ b/高伟.pptx
@@ -5,7 +5,7 @@
     <p:sldMasterId id="2147483648" r:id="rId1"/>
   </p:sldMasterIdLst>
   <p:notesMasterIdLst>
-    <p:notesMasterId r:id="rId25"/>
+    <p:notesMasterId r:id="rId32"/>
   </p:notesMasterIdLst>
   <p:sldIdLst>
     <p:sldId id="256" r:id="rId2"/>
@@ -13,24 +13,31 @@
     <p:sldId id="267" r:id="rId4"/>
     <p:sldId id="262" r:id="rId5"/>
     <p:sldId id="269" r:id="rId6"/>
-    <p:sldId id="263" r:id="rId7"/>
-    <p:sldId id="264" r:id="rId8"/>
-    <p:sldId id="265" r:id="rId9"/>
-    <p:sldId id="266" r:id="rId10"/>
-    <p:sldId id="268" r:id="rId11"/>
-    <p:sldId id="270" r:id="rId12"/>
-    <p:sldId id="271" r:id="rId13"/>
-    <p:sldId id="272" r:id="rId14"/>
-    <p:sldId id="273" r:id="rId15"/>
-    <p:sldId id="274" r:id="rId16"/>
-    <p:sldId id="275" r:id="rId17"/>
-    <p:sldId id="258" r:id="rId18"/>
-    <p:sldId id="259" r:id="rId19"/>
-    <p:sldId id="260" r:id="rId20"/>
-    <p:sldId id="261" r:id="rId21"/>
-    <p:sldId id="276" r:id="rId22"/>
-    <p:sldId id="279" r:id="rId23"/>
-    <p:sldId id="278" r:id="rId24"/>
+    <p:sldId id="280" r:id="rId7"/>
+    <p:sldId id="263" r:id="rId8"/>
+    <p:sldId id="282" r:id="rId9"/>
+    <p:sldId id="281" r:id="rId10"/>
+    <p:sldId id="283" r:id="rId11"/>
+    <p:sldId id="284" r:id="rId12"/>
+    <p:sldId id="285" r:id="rId13"/>
+    <p:sldId id="286" r:id="rId14"/>
+    <p:sldId id="265" r:id="rId15"/>
+    <p:sldId id="266" r:id="rId16"/>
+    <p:sldId id="268" r:id="rId17"/>
+    <p:sldId id="270" r:id="rId18"/>
+    <p:sldId id="271" r:id="rId19"/>
+    <p:sldId id="272" r:id="rId20"/>
+    <p:sldId id="273" r:id="rId21"/>
+    <p:sldId id="274" r:id="rId22"/>
+    <p:sldId id="275" r:id="rId23"/>
+    <p:sldId id="258" r:id="rId24"/>
+    <p:sldId id="287" r:id="rId25"/>
+    <p:sldId id="261" r:id="rId26"/>
+    <p:sldId id="279" r:id="rId27"/>
+    <p:sldId id="288" r:id="rId28"/>
+    <p:sldId id="259" r:id="rId29"/>
+    <p:sldId id="260" r:id="rId30"/>
+    <p:sldId id="278" r:id="rId31"/>
   </p:sldIdLst>
   <p:sldSz cx="12192000" cy="6858000"/>
   <p:notesSz cx="6858000" cy="9144000"/>
@@ -219,7 +226,7 @@
           <a:p>
             <a:fld id="{2EE3B64C-537B-6741-A0B8-568F7DA4F0FA}" type="datetimeFigureOut">
               <a:rPr kumimoji="1" lang="zh-CN" altLang="en-US" smtClean="0"/>
-              <a:t>2018/6/6</a:t>
+              <a:t>2018/6/11</a:t>
             </a:fld>
             <a:endParaRPr kumimoji="1" lang="zh-CN" altLang="en-US"/>
           </a:p>
@@ -614,1126 +621,6 @@
           <a:bodyPr/>
           <a:lstStyle/>
           <a:p>
-            <a:pPr marL="0" marR="0" lvl="0" indent="0" algn="l" defTabSz="914400" rtl="0" eaLnBrk="1" fontAlgn="auto" latinLnBrk="0" hangingPunct="1">
-              <a:lnSpc>
-                <a:spcPct val="100000"/>
-              </a:lnSpc>
-              <a:spcBef>
-                <a:spcPts val="0"/>
-              </a:spcBef>
-              <a:spcAft>
-                <a:spcPts val="0"/>
-              </a:spcAft>
-              <a:buClrTx/>
-              <a:buSzTx/>
-              <a:buFontTx/>
-              <a:buNone/>
-              <a:tabLst/>
-              <a:defRPr/>
-            </a:pPr>
-            <a:r>
-              <a:rPr lang="en-US" altLang="zh-CN" sz="1200" kern="1200" dirty="0">
-                <a:solidFill>
-                  <a:schemeClr val="tx1"/>
-                </a:solidFill>
-                <a:effectLst/>
-                <a:latin typeface="+mn-lt"/>
-                <a:ea typeface="+mn-ea"/>
-                <a:cs typeface="+mn-cs"/>
-              </a:rPr>
-              <a:t>Resource </a:t>
-            </a:r>
-            <a:r>
-              <a:rPr lang="en-US" altLang="zh-CN" sz="1200" kern="1200" dirty="0" err="1">
-                <a:solidFill>
-                  <a:schemeClr val="tx1"/>
-                </a:solidFill>
-                <a:effectLst/>
-                <a:latin typeface="+mn-lt"/>
-                <a:ea typeface="+mn-ea"/>
-                <a:cs typeface="+mn-cs"/>
-              </a:rPr>
-              <a:t>Patitioning</a:t>
-            </a:r>
-            <a:r>
-              <a:rPr lang="en-US" altLang="zh-CN" sz="1200" kern="1200" dirty="0">
-                <a:solidFill>
-                  <a:schemeClr val="tx1"/>
-                </a:solidFill>
-                <a:effectLst/>
-                <a:latin typeface="+mn-lt"/>
-                <a:ea typeface="+mn-ea"/>
-                <a:cs typeface="+mn-cs"/>
-              </a:rPr>
-              <a:t> </a:t>
-            </a:r>
-            <a:r>
-              <a:rPr lang="zh-CN" altLang="en-US" sz="1200" kern="1200" dirty="0">
-                <a:solidFill>
-                  <a:schemeClr val="tx1"/>
-                </a:solidFill>
-                <a:effectLst/>
-                <a:latin typeface="+mn-lt"/>
-                <a:ea typeface="+mn-ea"/>
-                <a:cs typeface="+mn-cs"/>
-              </a:rPr>
-              <a:t>将物理内存和 </a:t>
-            </a:r>
-            <a:r>
-              <a:rPr lang="en-US" altLang="zh-CN" sz="1200" kern="1200" dirty="0">
-                <a:solidFill>
-                  <a:schemeClr val="tx1"/>
-                </a:solidFill>
-                <a:effectLst/>
-                <a:latin typeface="+mn-lt"/>
-                <a:ea typeface="+mn-ea"/>
-                <a:cs typeface="+mn-cs"/>
-              </a:rPr>
-              <a:t>MMIO </a:t>
-            </a:r>
-            <a:r>
-              <a:rPr lang="zh-CN" altLang="en-US" sz="1200" kern="1200" dirty="0">
-                <a:solidFill>
-                  <a:schemeClr val="tx1"/>
-                </a:solidFill>
-                <a:effectLst/>
-                <a:latin typeface="+mn-lt"/>
-                <a:ea typeface="+mn-ea"/>
-                <a:cs typeface="+mn-cs"/>
-              </a:rPr>
-              <a:t>空间通过 </a:t>
-            </a:r>
-            <a:r>
-              <a:rPr lang="en-US" altLang="zh-CN" sz="1200" kern="1200" dirty="0" err="1">
-                <a:solidFill>
-                  <a:schemeClr val="tx1"/>
-                </a:solidFill>
-                <a:effectLst/>
-                <a:latin typeface="+mn-lt"/>
-                <a:ea typeface="+mn-ea"/>
-                <a:cs typeface="+mn-cs"/>
-              </a:rPr>
-              <a:t>PCIe</a:t>
-            </a:r>
-            <a:r>
-              <a:rPr lang="en-US" altLang="zh-CN" sz="1200" kern="1200" dirty="0">
-                <a:solidFill>
-                  <a:schemeClr val="tx1"/>
-                </a:solidFill>
-                <a:effectLst/>
-                <a:latin typeface="+mn-lt"/>
-                <a:ea typeface="+mn-ea"/>
-                <a:cs typeface="+mn-cs"/>
-              </a:rPr>
-              <a:t> BARs </a:t>
-            </a:r>
-            <a:r>
-              <a:rPr lang="zh-CN" altLang="en-US" sz="1200" kern="1200" dirty="0">
-                <a:solidFill>
-                  <a:schemeClr val="tx1"/>
-                </a:solidFill>
-                <a:effectLst/>
-                <a:latin typeface="+mn-lt"/>
-                <a:ea typeface="+mn-ea"/>
-                <a:cs typeface="+mn-cs"/>
-              </a:rPr>
-              <a:t>划分成多个连续的 地址空间部分，每个部分分配一个单独的 </a:t>
-            </a:r>
-            <a:r>
-              <a:rPr lang="en-US" altLang="zh-CN" sz="1200" kern="1200" dirty="0">
-                <a:solidFill>
-                  <a:schemeClr val="tx1"/>
-                </a:solidFill>
-                <a:effectLst/>
-                <a:latin typeface="+mn-lt"/>
-                <a:ea typeface="+mn-ea"/>
-                <a:cs typeface="+mn-cs"/>
-              </a:rPr>
-              <a:t>VM</a:t>
-            </a:r>
-            <a:r>
-              <a:rPr lang="zh-CN" altLang="en-US" sz="1200" kern="1200" dirty="0">
-                <a:solidFill>
-                  <a:schemeClr val="tx1"/>
-                </a:solidFill>
-                <a:effectLst/>
-                <a:latin typeface="+mn-lt"/>
-                <a:ea typeface="+mn-ea"/>
-                <a:cs typeface="+mn-cs"/>
-              </a:rPr>
-              <a:t>。 </a:t>
-            </a:r>
-            <a:endParaRPr lang="en-US" altLang="zh-CN" dirty="0"/>
-          </a:p>
-          <a:p>
-            <a:pPr marL="0" marR="0" lvl="0" indent="0" algn="l" defTabSz="914400" rtl="0" eaLnBrk="1" fontAlgn="auto" latinLnBrk="0" hangingPunct="1">
-              <a:lnSpc>
-                <a:spcPct val="100000"/>
-              </a:lnSpc>
-              <a:spcBef>
-                <a:spcPts val="0"/>
-              </a:spcBef>
-              <a:spcAft>
-                <a:spcPts val="0"/>
-              </a:spcAft>
-              <a:buClrTx/>
-              <a:buSzTx/>
-              <a:buFontTx/>
-              <a:buNone/>
-              <a:tabLst/>
-              <a:defRPr/>
-            </a:pPr>
-            <a:r>
-              <a:rPr lang="en-US" altLang="zh-CN" sz="1200" kern="1200" dirty="0">
-                <a:solidFill>
-                  <a:schemeClr val="tx1"/>
-                </a:solidFill>
-                <a:effectLst/>
-                <a:latin typeface="+mn-lt"/>
-                <a:ea typeface="+mn-ea"/>
-                <a:cs typeface="+mn-cs"/>
-              </a:rPr>
-              <a:t>GPU Shadow Page Tables </a:t>
-            </a:r>
-            <a:r>
-              <a:rPr lang="zh-CN" altLang="en-US" sz="1200" kern="1200" dirty="0">
-                <a:solidFill>
-                  <a:schemeClr val="tx1"/>
-                </a:solidFill>
-                <a:effectLst/>
-                <a:latin typeface="+mn-lt"/>
-                <a:ea typeface="+mn-ea"/>
-                <a:cs typeface="+mn-cs"/>
-              </a:rPr>
-              <a:t>负责将 </a:t>
-            </a:r>
-            <a:r>
-              <a:rPr lang="en-US" altLang="zh-CN" sz="1200" kern="1200" dirty="0">
-                <a:solidFill>
-                  <a:schemeClr val="tx1"/>
-                </a:solidFill>
-                <a:effectLst/>
-                <a:latin typeface="+mn-lt"/>
-                <a:ea typeface="+mn-ea"/>
-                <a:cs typeface="+mn-cs"/>
-              </a:rPr>
-              <a:t>VM </a:t>
-            </a:r>
-            <a:r>
-              <a:rPr lang="zh-CN" altLang="en-US" sz="1200" kern="1200" dirty="0">
-                <a:solidFill>
-                  <a:schemeClr val="tx1"/>
-                </a:solidFill>
-                <a:effectLst/>
-                <a:latin typeface="+mn-lt"/>
-                <a:ea typeface="+mn-ea"/>
-                <a:cs typeface="+mn-cs"/>
-              </a:rPr>
-              <a:t>的 </a:t>
-            </a:r>
-            <a:r>
-              <a:rPr lang="en-US" altLang="zh-CN" sz="1200" kern="1200" dirty="0">
-                <a:solidFill>
-                  <a:schemeClr val="tx1"/>
-                </a:solidFill>
-                <a:effectLst/>
-                <a:latin typeface="+mn-lt"/>
-                <a:ea typeface="+mn-ea"/>
-                <a:cs typeface="+mn-cs"/>
-              </a:rPr>
-              <a:t>GPU </a:t>
-            </a:r>
-            <a:r>
-              <a:rPr lang="zh-CN" altLang="en-US" sz="1200" kern="1200" dirty="0">
-                <a:solidFill>
-                  <a:schemeClr val="tx1"/>
-                </a:solidFill>
-                <a:effectLst/>
-                <a:latin typeface="+mn-lt"/>
-                <a:ea typeface="+mn-ea"/>
-                <a:cs typeface="+mn-cs"/>
-              </a:rPr>
-              <a:t>虚拟地址转换为 </a:t>
-            </a:r>
-            <a:r>
-              <a:rPr lang="en-US" altLang="zh-CN" sz="1200" kern="1200" dirty="0">
-                <a:solidFill>
-                  <a:schemeClr val="tx1"/>
-                </a:solidFill>
-                <a:effectLst/>
-                <a:latin typeface="+mn-lt"/>
-                <a:ea typeface="+mn-ea"/>
-                <a:cs typeface="+mn-cs"/>
-              </a:rPr>
-              <a:t>GPU </a:t>
-            </a:r>
-            <a:r>
-              <a:rPr lang="zh-CN" altLang="en-US" sz="1200" kern="1200" dirty="0">
-                <a:solidFill>
-                  <a:schemeClr val="tx1"/>
-                </a:solidFill>
-                <a:effectLst/>
-                <a:latin typeface="+mn-lt"/>
-                <a:ea typeface="+mn-ea"/>
-                <a:cs typeface="+mn-cs"/>
-              </a:rPr>
-              <a:t>或者主机的物 理地址。设备驱动在每次一个页被更新的时候需要刷新 </a:t>
-            </a:r>
-            <a:r>
-              <a:rPr lang="en-US" altLang="zh-CN" sz="1200" kern="1200" dirty="0">
-                <a:solidFill>
-                  <a:schemeClr val="tx1"/>
-                </a:solidFill>
-                <a:effectLst/>
-                <a:latin typeface="+mn-lt"/>
-                <a:ea typeface="+mn-ea"/>
-                <a:cs typeface="+mn-cs"/>
-              </a:rPr>
-              <a:t>TLB</a:t>
-            </a:r>
-            <a:r>
-              <a:rPr lang="zh-CN" altLang="en-US" sz="1200" kern="1200" dirty="0">
-                <a:solidFill>
-                  <a:schemeClr val="tx1"/>
-                </a:solidFill>
-                <a:effectLst/>
-                <a:latin typeface="+mn-lt"/>
-                <a:ea typeface="+mn-ea"/>
-                <a:cs typeface="+mn-cs"/>
-              </a:rPr>
-              <a:t>。而 </a:t>
-            </a:r>
-            <a:r>
-              <a:rPr lang="en-US" altLang="zh-CN" sz="1200" kern="1200" dirty="0" err="1">
-                <a:solidFill>
-                  <a:schemeClr val="tx1"/>
-                </a:solidFill>
-                <a:effectLst/>
-                <a:latin typeface="+mn-lt"/>
-                <a:ea typeface="+mn-ea"/>
-                <a:cs typeface="+mn-cs"/>
-              </a:rPr>
-              <a:t>GPUvm</a:t>
-            </a:r>
-            <a:r>
-              <a:rPr lang="en-US" altLang="zh-CN" sz="1200" kern="1200" dirty="0">
-                <a:solidFill>
-                  <a:schemeClr val="tx1"/>
-                </a:solidFill>
-                <a:effectLst/>
-                <a:latin typeface="+mn-lt"/>
-                <a:ea typeface="+mn-ea"/>
-                <a:cs typeface="+mn-cs"/>
-              </a:rPr>
-              <a:t> </a:t>
-            </a:r>
-            <a:r>
-              <a:rPr lang="zh-CN" altLang="en-US" sz="1200" kern="1200" dirty="0">
-                <a:solidFill>
-                  <a:schemeClr val="tx1"/>
-                </a:solidFill>
-                <a:effectLst/>
-                <a:latin typeface="+mn-lt"/>
-                <a:ea typeface="+mn-ea"/>
-                <a:cs typeface="+mn-cs"/>
-              </a:rPr>
-              <a:t>可以拦截 </a:t>
-            </a:r>
-            <a:r>
-              <a:rPr lang="en-US" altLang="zh-CN" sz="1200" kern="1200" dirty="0">
-                <a:solidFill>
-                  <a:schemeClr val="tx1"/>
-                </a:solidFill>
-                <a:effectLst/>
-                <a:latin typeface="+mn-lt"/>
-                <a:ea typeface="+mn-ea"/>
-                <a:cs typeface="+mn-cs"/>
-              </a:rPr>
-              <a:t>TLB </a:t>
-            </a:r>
-            <a:r>
-              <a:rPr lang="zh-CN" altLang="en-US" sz="1200" kern="1200" dirty="0">
-                <a:solidFill>
-                  <a:schemeClr val="tx1"/>
-                </a:solidFill>
-                <a:effectLst/>
-                <a:latin typeface="+mn-lt"/>
-                <a:ea typeface="+mn-ea"/>
-                <a:cs typeface="+mn-cs"/>
-              </a:rPr>
-              <a:t>刷新请求，从而更新相关的 </a:t>
-            </a:r>
-            <a:r>
-              <a:rPr lang="en-US" altLang="zh-CN" sz="1200" kern="1200" dirty="0">
-                <a:solidFill>
-                  <a:schemeClr val="tx1"/>
-                </a:solidFill>
-                <a:effectLst/>
-                <a:latin typeface="+mn-lt"/>
-                <a:ea typeface="+mn-ea"/>
-                <a:cs typeface="+mn-cs"/>
-              </a:rPr>
-              <a:t>GPU Shadow page table </a:t>
-            </a:r>
-            <a:r>
-              <a:rPr lang="zh-CN" altLang="en-US" sz="1200" kern="1200" dirty="0">
-                <a:solidFill>
-                  <a:schemeClr val="tx1"/>
-                </a:solidFill>
-                <a:effectLst/>
-                <a:latin typeface="+mn-lt"/>
-                <a:ea typeface="+mn-ea"/>
-                <a:cs typeface="+mn-cs"/>
-              </a:rPr>
-              <a:t>条目 </a:t>
-            </a:r>
-            <a:endParaRPr lang="zh-CN" altLang="en-US" dirty="0"/>
-          </a:p>
-          <a:p>
-            <a:pPr marL="0" marR="0" lvl="0" indent="0" algn="l" defTabSz="914400" rtl="0" eaLnBrk="1" fontAlgn="auto" latinLnBrk="0" hangingPunct="1">
-              <a:lnSpc>
-                <a:spcPct val="100000"/>
-              </a:lnSpc>
-              <a:spcBef>
-                <a:spcPts val="0"/>
-              </a:spcBef>
-              <a:spcAft>
-                <a:spcPts val="0"/>
-              </a:spcAft>
-              <a:buClrTx/>
-              <a:buSzTx/>
-              <a:buFontTx/>
-              <a:buNone/>
-              <a:tabLst/>
-              <a:defRPr/>
-            </a:pPr>
-            <a:r>
-              <a:rPr lang="en-US" altLang="zh-CN" sz="1200" kern="1200" dirty="0">
-                <a:solidFill>
-                  <a:schemeClr val="tx1"/>
-                </a:solidFill>
-                <a:effectLst/>
-                <a:latin typeface="+mn-lt"/>
-                <a:ea typeface="+mn-ea"/>
-                <a:cs typeface="+mn-cs"/>
-              </a:rPr>
-              <a:t>GPU Shadow Channel </a:t>
-            </a:r>
-            <a:r>
-              <a:rPr lang="zh-CN" altLang="en-US" sz="1200" kern="1200" dirty="0">
-                <a:solidFill>
-                  <a:schemeClr val="tx1"/>
-                </a:solidFill>
-                <a:effectLst/>
-                <a:latin typeface="+mn-lt"/>
-                <a:ea typeface="+mn-ea"/>
-                <a:cs typeface="+mn-cs"/>
-              </a:rPr>
-              <a:t>用于隔离从 </a:t>
-            </a:r>
-            <a:r>
-              <a:rPr lang="en-US" altLang="zh-CN" sz="1200" kern="1200" dirty="0">
-                <a:solidFill>
-                  <a:schemeClr val="tx1"/>
-                </a:solidFill>
-                <a:effectLst/>
-                <a:latin typeface="+mn-lt"/>
-                <a:ea typeface="+mn-ea"/>
-                <a:cs typeface="+mn-cs"/>
-              </a:rPr>
-              <a:t>VM </a:t>
-            </a:r>
-            <a:r>
-              <a:rPr lang="zh-CN" altLang="en-US" sz="1200" kern="1200" dirty="0">
-                <a:solidFill>
-                  <a:schemeClr val="tx1"/>
-                </a:solidFill>
-                <a:effectLst/>
-                <a:latin typeface="+mn-lt"/>
-                <a:ea typeface="+mn-ea"/>
-                <a:cs typeface="+mn-cs"/>
-              </a:rPr>
-              <a:t>发出的 </a:t>
-            </a:r>
-            <a:r>
-              <a:rPr lang="en-US" altLang="zh-CN" sz="1200" kern="1200" dirty="0">
-                <a:solidFill>
-                  <a:schemeClr val="tx1"/>
-                </a:solidFill>
-                <a:effectLst/>
-                <a:latin typeface="+mn-lt"/>
-                <a:ea typeface="+mn-ea"/>
-                <a:cs typeface="+mn-cs"/>
-              </a:rPr>
-              <a:t>GPU </a:t>
-            </a:r>
-            <a:r>
-              <a:rPr lang="zh-CN" altLang="en-US" sz="1200" kern="1200" dirty="0">
-                <a:solidFill>
-                  <a:schemeClr val="tx1"/>
-                </a:solidFill>
-                <a:effectLst/>
-                <a:latin typeface="+mn-lt"/>
-                <a:ea typeface="+mn-ea"/>
-                <a:cs typeface="+mn-cs"/>
-              </a:rPr>
-              <a:t>访问。</a:t>
-            </a:r>
-            <a:r>
-              <a:rPr lang="en-US" altLang="zh-CN" sz="1200" kern="1200" dirty="0">
-                <a:solidFill>
-                  <a:schemeClr val="tx1"/>
-                </a:solidFill>
-                <a:effectLst/>
-                <a:latin typeface="+mn-lt"/>
-                <a:ea typeface="+mn-ea"/>
-                <a:cs typeface="+mn-cs"/>
-              </a:rPr>
-              <a:t>GPU channels </a:t>
-            </a:r>
-            <a:r>
-              <a:rPr lang="zh-CN" altLang="en-US" sz="1200" kern="1200" dirty="0">
-                <a:solidFill>
-                  <a:schemeClr val="tx1"/>
-                </a:solidFill>
-                <a:effectLst/>
-                <a:latin typeface="+mn-lt"/>
-                <a:ea typeface="+mn-ea"/>
-                <a:cs typeface="+mn-cs"/>
-              </a:rPr>
-              <a:t>的物理索 引对 </a:t>
-            </a:r>
-            <a:r>
-              <a:rPr lang="en-US" altLang="zh-CN" sz="1200" kern="1200" dirty="0">
-                <a:solidFill>
-                  <a:schemeClr val="tx1"/>
-                </a:solidFill>
-                <a:effectLst/>
-                <a:latin typeface="+mn-lt"/>
-                <a:ea typeface="+mn-ea"/>
-                <a:cs typeface="+mn-cs"/>
-              </a:rPr>
-              <a:t>VM </a:t>
-            </a:r>
-            <a:r>
-              <a:rPr lang="zh-CN" altLang="en-US" sz="1200" kern="1200" dirty="0">
-                <a:solidFill>
-                  <a:schemeClr val="tx1"/>
-                </a:solidFill>
-                <a:effectLst/>
-                <a:latin typeface="+mn-lt"/>
-                <a:ea typeface="+mn-ea"/>
-                <a:cs typeface="+mn-cs"/>
-              </a:rPr>
-              <a:t>不可见，但是每个 </a:t>
-            </a:r>
-            <a:r>
-              <a:rPr lang="en-US" altLang="zh-CN" sz="1200" kern="1200" dirty="0">
-                <a:solidFill>
-                  <a:schemeClr val="tx1"/>
-                </a:solidFill>
-                <a:effectLst/>
-                <a:latin typeface="+mn-lt"/>
-                <a:ea typeface="+mn-ea"/>
-                <a:cs typeface="+mn-cs"/>
-              </a:rPr>
-              <a:t>VM </a:t>
-            </a:r>
-            <a:r>
-              <a:rPr lang="zh-CN" altLang="en-US" sz="1200" kern="1200" dirty="0">
-                <a:solidFill>
-                  <a:schemeClr val="tx1"/>
-                </a:solidFill>
-                <a:effectLst/>
-                <a:latin typeface="+mn-lt"/>
-                <a:ea typeface="+mn-ea"/>
-                <a:cs typeface="+mn-cs"/>
-              </a:rPr>
-              <a:t>可以拥有自己的 </a:t>
-            </a:r>
-            <a:r>
-              <a:rPr lang="en-US" altLang="zh-CN" sz="1200" kern="1200" dirty="0">
-                <a:solidFill>
-                  <a:schemeClr val="tx1"/>
-                </a:solidFill>
-                <a:effectLst/>
-                <a:latin typeface="+mn-lt"/>
-                <a:ea typeface="+mn-ea"/>
-                <a:cs typeface="+mn-cs"/>
-              </a:rPr>
-              <a:t>channel </a:t>
-            </a:r>
-            <a:r>
-              <a:rPr lang="zh-CN" altLang="en-US" sz="1200" kern="1200" dirty="0">
-                <a:solidFill>
-                  <a:schemeClr val="tx1"/>
-                </a:solidFill>
-                <a:effectLst/>
-                <a:latin typeface="+mn-lt"/>
-                <a:ea typeface="+mn-ea"/>
-                <a:cs typeface="+mn-cs"/>
-              </a:rPr>
-              <a:t>虚拟索引，</a:t>
-            </a:r>
-            <a:r>
-              <a:rPr lang="en-US" altLang="zh-CN" sz="1200" kern="1200" dirty="0" err="1">
-                <a:solidFill>
-                  <a:schemeClr val="tx1"/>
-                </a:solidFill>
-                <a:effectLst/>
-                <a:latin typeface="+mn-lt"/>
-                <a:ea typeface="+mn-ea"/>
-                <a:cs typeface="+mn-cs"/>
-              </a:rPr>
-              <a:t>GPUvm</a:t>
-            </a:r>
-            <a:r>
-              <a:rPr lang="en-US" altLang="zh-CN" sz="1200" kern="1200" dirty="0">
-                <a:solidFill>
-                  <a:schemeClr val="tx1"/>
-                </a:solidFill>
-                <a:effectLst/>
-                <a:latin typeface="+mn-lt"/>
-                <a:ea typeface="+mn-ea"/>
-                <a:cs typeface="+mn-cs"/>
-              </a:rPr>
-              <a:t> </a:t>
-            </a:r>
-            <a:r>
-              <a:rPr lang="zh-CN" altLang="en-US" sz="1200" kern="1200" dirty="0">
-                <a:solidFill>
-                  <a:schemeClr val="tx1"/>
-                </a:solidFill>
-                <a:effectLst/>
-                <a:latin typeface="+mn-lt"/>
-                <a:ea typeface="+mn-ea"/>
-                <a:cs typeface="+mn-cs"/>
-              </a:rPr>
-              <a:t>维护虚 </a:t>
-            </a:r>
-            <a:endParaRPr lang="zh-CN" altLang="en-US" dirty="0"/>
-          </a:p>
-          <a:p>
-            <a:pPr marL="0" marR="0" lvl="0" indent="0" algn="l" defTabSz="914400" rtl="0" eaLnBrk="1" fontAlgn="auto" latinLnBrk="0" hangingPunct="1">
-              <a:lnSpc>
-                <a:spcPct val="100000"/>
-              </a:lnSpc>
-              <a:spcBef>
-                <a:spcPts val="0"/>
-              </a:spcBef>
-              <a:spcAft>
-                <a:spcPts val="0"/>
-              </a:spcAft>
-              <a:buClrTx/>
-              <a:buSzTx/>
-              <a:buFontTx/>
-              <a:buNone/>
-              <a:tabLst/>
-              <a:defRPr/>
-            </a:pPr>
-            <a:r>
-              <a:rPr lang="zh-CN" altLang="en-US" sz="1200" kern="1200" dirty="0">
-                <a:solidFill>
-                  <a:schemeClr val="tx1"/>
-                </a:solidFill>
-                <a:effectLst/>
-                <a:latin typeface="+mn-lt"/>
-                <a:ea typeface="+mn-ea"/>
-                <a:cs typeface="+mn-cs"/>
-              </a:rPr>
-              <a:t>拟索引到物理索引的映射。</a:t>
-            </a:r>
-            <a:r>
-              <a:rPr lang="en-US" altLang="zh-CN" sz="1200" kern="1200" dirty="0" err="1">
-                <a:solidFill>
-                  <a:schemeClr val="tx1"/>
-                </a:solidFill>
-                <a:effectLst/>
-                <a:latin typeface="+mn-lt"/>
-                <a:ea typeface="+mn-ea"/>
-                <a:cs typeface="+mn-cs"/>
-              </a:rPr>
-              <a:t>GPUvm</a:t>
-            </a:r>
-            <a:r>
-              <a:rPr lang="en-US" altLang="zh-CN" sz="1200" kern="1200" dirty="0">
-                <a:solidFill>
-                  <a:schemeClr val="tx1"/>
-                </a:solidFill>
-                <a:effectLst/>
-                <a:latin typeface="+mn-lt"/>
-                <a:ea typeface="+mn-ea"/>
-                <a:cs typeface="+mn-cs"/>
-              </a:rPr>
-              <a:t> </a:t>
-            </a:r>
-            <a:r>
-              <a:rPr lang="zh-CN" altLang="en-US" sz="1200" kern="1200" dirty="0">
-                <a:solidFill>
-                  <a:schemeClr val="tx1"/>
-                </a:solidFill>
-                <a:effectLst/>
-                <a:latin typeface="+mn-lt"/>
-                <a:ea typeface="+mn-ea"/>
-                <a:cs typeface="+mn-cs"/>
-              </a:rPr>
-              <a:t>管理所有的 </a:t>
-            </a:r>
-            <a:r>
-              <a:rPr lang="en-US" altLang="zh-CN" sz="1200" kern="1200" dirty="0">
-                <a:solidFill>
-                  <a:schemeClr val="tx1"/>
-                </a:solidFill>
-                <a:effectLst/>
-                <a:latin typeface="+mn-lt"/>
-                <a:ea typeface="+mn-ea"/>
-                <a:cs typeface="+mn-cs"/>
-              </a:rPr>
-              <a:t>VM </a:t>
-            </a:r>
-            <a:r>
-              <a:rPr lang="zh-CN" altLang="en-US" sz="1200" kern="1200" dirty="0">
-                <a:solidFill>
-                  <a:schemeClr val="tx1"/>
-                </a:solidFill>
-                <a:effectLst/>
-                <a:latin typeface="+mn-lt"/>
-                <a:ea typeface="+mn-ea"/>
-                <a:cs typeface="+mn-cs"/>
-              </a:rPr>
-              <a:t>使用的 </a:t>
-            </a:r>
-            <a:r>
-              <a:rPr lang="en-US" altLang="zh-CN" sz="1200" kern="1200" dirty="0">
-                <a:solidFill>
-                  <a:schemeClr val="tx1"/>
-                </a:solidFill>
-                <a:effectLst/>
-                <a:latin typeface="+mn-lt"/>
-                <a:ea typeface="+mn-ea"/>
-                <a:cs typeface="+mn-cs"/>
-              </a:rPr>
-              <a:t>channels</a:t>
-            </a:r>
-            <a:r>
-              <a:rPr lang="zh-CN" altLang="en-US" sz="1200" kern="1200" dirty="0">
-                <a:solidFill>
-                  <a:schemeClr val="tx1"/>
-                </a:solidFill>
-                <a:effectLst/>
-                <a:latin typeface="+mn-lt"/>
-                <a:ea typeface="+mn-ea"/>
-                <a:cs typeface="+mn-cs"/>
-              </a:rPr>
-              <a:t>，由于每个 </a:t>
-            </a:r>
-            <a:r>
-              <a:rPr lang="en-US" altLang="zh-CN" sz="1200" kern="1200" dirty="0">
-                <a:solidFill>
-                  <a:schemeClr val="tx1"/>
-                </a:solidFill>
-                <a:effectLst/>
-                <a:latin typeface="+mn-lt"/>
-                <a:ea typeface="+mn-ea"/>
-                <a:cs typeface="+mn-cs"/>
-              </a:rPr>
-              <a:t>VM </a:t>
-            </a:r>
-            <a:r>
-              <a:rPr lang="zh-CN" altLang="en-US" sz="1200" kern="1200" dirty="0">
-                <a:solidFill>
-                  <a:schemeClr val="tx1"/>
-                </a:solidFill>
-                <a:effectLst/>
-                <a:latin typeface="+mn-lt"/>
-                <a:ea typeface="+mn-ea"/>
-                <a:cs typeface="+mn-cs"/>
-              </a:rPr>
-              <a:t>的 </a:t>
-            </a:r>
-            <a:r>
-              <a:rPr lang="en-US" altLang="zh-CN" sz="1200" kern="1200" dirty="0">
-                <a:solidFill>
-                  <a:schemeClr val="tx1"/>
-                </a:solidFill>
-                <a:effectLst/>
-                <a:latin typeface="+mn-lt"/>
-                <a:ea typeface="+mn-ea"/>
-                <a:cs typeface="+mn-cs"/>
-              </a:rPr>
-              <a:t>channel </a:t>
-            </a:r>
-            <a:r>
-              <a:rPr lang="zh-CN" altLang="en-US" sz="1200" kern="1200" dirty="0">
-                <a:solidFill>
-                  <a:schemeClr val="tx1"/>
-                </a:solidFill>
-                <a:effectLst/>
-                <a:latin typeface="+mn-lt"/>
-                <a:ea typeface="+mn-ea"/>
-                <a:cs typeface="+mn-cs"/>
-              </a:rPr>
-              <a:t>使用请求都可以被 </a:t>
-            </a:r>
-            <a:r>
-              <a:rPr lang="en-US" altLang="zh-CN" sz="1200" kern="1200" dirty="0" err="1">
-                <a:solidFill>
-                  <a:schemeClr val="tx1"/>
-                </a:solidFill>
-                <a:effectLst/>
-                <a:latin typeface="+mn-lt"/>
-                <a:ea typeface="+mn-ea"/>
-                <a:cs typeface="+mn-cs"/>
-              </a:rPr>
-              <a:t>GPUvm</a:t>
-            </a:r>
-            <a:r>
-              <a:rPr lang="en-US" altLang="zh-CN" sz="1200" kern="1200" dirty="0">
-                <a:solidFill>
-                  <a:schemeClr val="tx1"/>
-                </a:solidFill>
-                <a:effectLst/>
-                <a:latin typeface="+mn-lt"/>
-                <a:ea typeface="+mn-ea"/>
-                <a:cs typeface="+mn-cs"/>
-              </a:rPr>
-              <a:t> </a:t>
-            </a:r>
-            <a:r>
-              <a:rPr lang="zh-CN" altLang="en-US" sz="1200" kern="1200" dirty="0">
-                <a:solidFill>
-                  <a:schemeClr val="tx1"/>
-                </a:solidFill>
-                <a:effectLst/>
-                <a:latin typeface="+mn-lt"/>
-                <a:ea typeface="+mn-ea"/>
-                <a:cs typeface="+mn-cs"/>
-              </a:rPr>
-              <a:t>拦截，所以 </a:t>
-            </a:r>
-            <a:r>
-              <a:rPr lang="en-US" altLang="zh-CN" sz="1200" kern="1200" dirty="0" err="1">
-                <a:solidFill>
-                  <a:schemeClr val="tx1"/>
-                </a:solidFill>
-                <a:effectLst/>
-                <a:latin typeface="+mn-lt"/>
-                <a:ea typeface="+mn-ea"/>
-                <a:cs typeface="+mn-cs"/>
-              </a:rPr>
-              <a:t>GPUvm</a:t>
-            </a:r>
-            <a:r>
-              <a:rPr lang="en-US" altLang="zh-CN" sz="1200" kern="1200" dirty="0">
-                <a:solidFill>
-                  <a:schemeClr val="tx1"/>
-                </a:solidFill>
-                <a:effectLst/>
-                <a:latin typeface="+mn-lt"/>
-                <a:ea typeface="+mn-ea"/>
-                <a:cs typeface="+mn-cs"/>
-              </a:rPr>
-              <a:t> </a:t>
-            </a:r>
-            <a:r>
-              <a:rPr lang="zh-CN" altLang="en-US" sz="1200" kern="1200" dirty="0">
-                <a:solidFill>
-                  <a:schemeClr val="tx1"/>
-                </a:solidFill>
-                <a:effectLst/>
-                <a:latin typeface="+mn-lt"/>
-                <a:ea typeface="+mn-ea"/>
-                <a:cs typeface="+mn-cs"/>
-              </a:rPr>
-              <a:t>可以在完成虚实转换之 后，使用物理索引激活相应的 </a:t>
-            </a:r>
-            <a:r>
-              <a:rPr lang="en-US" altLang="zh-CN" sz="1200" kern="1200" dirty="0">
-                <a:solidFill>
-                  <a:schemeClr val="tx1"/>
-                </a:solidFill>
-                <a:effectLst/>
-                <a:latin typeface="+mn-lt"/>
-                <a:ea typeface="+mn-ea"/>
-                <a:cs typeface="+mn-cs"/>
-              </a:rPr>
-              <a:t>channels</a:t>
-            </a:r>
-            <a:r>
-              <a:rPr lang="zh-CN" altLang="en-US" sz="1200" kern="1200" dirty="0">
-                <a:solidFill>
-                  <a:schemeClr val="tx1"/>
-                </a:solidFill>
-                <a:effectLst/>
-                <a:latin typeface="+mn-lt"/>
-                <a:ea typeface="+mn-ea"/>
-                <a:cs typeface="+mn-cs"/>
-              </a:rPr>
-              <a:t>。 </a:t>
-            </a:r>
-            <a:endParaRPr lang="en-US" altLang="zh-CN" dirty="0"/>
-          </a:p>
-          <a:p>
-            <a:pPr marL="0" marR="0" lvl="0" indent="0" algn="l" defTabSz="914400" rtl="0" eaLnBrk="1" fontAlgn="auto" latinLnBrk="0" hangingPunct="1">
-              <a:lnSpc>
-                <a:spcPct val="100000"/>
-              </a:lnSpc>
-              <a:spcBef>
-                <a:spcPts val="0"/>
-              </a:spcBef>
-              <a:spcAft>
-                <a:spcPts val="0"/>
-              </a:spcAft>
-              <a:buClrTx/>
-              <a:buSzTx/>
-              <a:buFontTx/>
-              <a:buNone/>
-              <a:tabLst/>
-              <a:defRPr/>
-            </a:pPr>
-            <a:r>
-              <a:rPr lang="zh-CN" altLang="en-US" sz="1200" kern="1200" dirty="0">
-                <a:solidFill>
-                  <a:schemeClr val="tx1"/>
-                </a:solidFill>
-                <a:effectLst/>
-                <a:latin typeface="+mn-lt"/>
-                <a:ea typeface="+mn-ea"/>
-                <a:cs typeface="+mn-cs"/>
-              </a:rPr>
-              <a:t>拟索引到物理索引的映射。</a:t>
-            </a:r>
-            <a:r>
-              <a:rPr lang="en-US" altLang="zh-CN" sz="1200" kern="1200" dirty="0" err="1">
-                <a:solidFill>
-                  <a:schemeClr val="tx1"/>
-                </a:solidFill>
-                <a:effectLst/>
-                <a:latin typeface="+mn-lt"/>
-                <a:ea typeface="+mn-ea"/>
-                <a:cs typeface="+mn-cs"/>
-              </a:rPr>
-              <a:t>GPUvm</a:t>
-            </a:r>
-            <a:r>
-              <a:rPr lang="en-US" altLang="zh-CN" sz="1200" kern="1200" dirty="0">
-                <a:solidFill>
-                  <a:schemeClr val="tx1"/>
-                </a:solidFill>
-                <a:effectLst/>
-                <a:latin typeface="+mn-lt"/>
-                <a:ea typeface="+mn-ea"/>
-                <a:cs typeface="+mn-cs"/>
-              </a:rPr>
-              <a:t> </a:t>
-            </a:r>
-            <a:r>
-              <a:rPr lang="zh-CN" altLang="en-US" sz="1200" kern="1200" dirty="0">
-                <a:solidFill>
-                  <a:schemeClr val="tx1"/>
-                </a:solidFill>
-                <a:effectLst/>
-                <a:latin typeface="+mn-lt"/>
-                <a:ea typeface="+mn-ea"/>
-                <a:cs typeface="+mn-cs"/>
-              </a:rPr>
-              <a:t>管理所有的 </a:t>
-            </a:r>
-            <a:r>
-              <a:rPr lang="en-US" altLang="zh-CN" sz="1200" kern="1200" dirty="0">
-                <a:solidFill>
-                  <a:schemeClr val="tx1"/>
-                </a:solidFill>
-                <a:effectLst/>
-                <a:latin typeface="+mn-lt"/>
-                <a:ea typeface="+mn-ea"/>
-                <a:cs typeface="+mn-cs"/>
-              </a:rPr>
-              <a:t>VM </a:t>
-            </a:r>
-            <a:r>
-              <a:rPr lang="zh-CN" altLang="en-US" sz="1200" kern="1200" dirty="0">
-                <a:solidFill>
-                  <a:schemeClr val="tx1"/>
-                </a:solidFill>
-                <a:effectLst/>
-                <a:latin typeface="+mn-lt"/>
-                <a:ea typeface="+mn-ea"/>
-                <a:cs typeface="+mn-cs"/>
-              </a:rPr>
-              <a:t>使用的 </a:t>
-            </a:r>
-            <a:r>
-              <a:rPr lang="en-US" altLang="zh-CN" sz="1200" kern="1200" dirty="0">
-                <a:solidFill>
-                  <a:schemeClr val="tx1"/>
-                </a:solidFill>
-                <a:effectLst/>
-                <a:latin typeface="+mn-lt"/>
-                <a:ea typeface="+mn-ea"/>
-                <a:cs typeface="+mn-cs"/>
-              </a:rPr>
-              <a:t>channels</a:t>
-            </a:r>
-            <a:r>
-              <a:rPr lang="zh-CN" altLang="en-US" sz="1200" kern="1200" dirty="0">
-                <a:solidFill>
-                  <a:schemeClr val="tx1"/>
-                </a:solidFill>
-                <a:effectLst/>
-                <a:latin typeface="+mn-lt"/>
-                <a:ea typeface="+mn-ea"/>
-                <a:cs typeface="+mn-cs"/>
-              </a:rPr>
-              <a:t>，由于每个 </a:t>
-            </a:r>
-            <a:r>
-              <a:rPr lang="en-US" altLang="zh-CN" sz="1200" kern="1200" dirty="0">
-                <a:solidFill>
-                  <a:schemeClr val="tx1"/>
-                </a:solidFill>
-                <a:effectLst/>
-                <a:latin typeface="+mn-lt"/>
-                <a:ea typeface="+mn-ea"/>
-                <a:cs typeface="+mn-cs"/>
-              </a:rPr>
-              <a:t>VM </a:t>
-            </a:r>
-            <a:r>
-              <a:rPr lang="zh-CN" altLang="en-US" sz="1200" kern="1200" dirty="0">
-                <a:solidFill>
-                  <a:schemeClr val="tx1"/>
-                </a:solidFill>
-                <a:effectLst/>
-                <a:latin typeface="+mn-lt"/>
-                <a:ea typeface="+mn-ea"/>
-                <a:cs typeface="+mn-cs"/>
-              </a:rPr>
-              <a:t>的 </a:t>
-            </a:r>
-            <a:r>
-              <a:rPr lang="en-US" altLang="zh-CN" sz="1200" kern="1200" dirty="0">
-                <a:solidFill>
-                  <a:schemeClr val="tx1"/>
-                </a:solidFill>
-                <a:effectLst/>
-                <a:latin typeface="+mn-lt"/>
-                <a:ea typeface="+mn-ea"/>
-                <a:cs typeface="+mn-cs"/>
-              </a:rPr>
-              <a:t>channel </a:t>
-            </a:r>
-            <a:r>
-              <a:rPr lang="zh-CN" altLang="en-US" sz="1200" kern="1200" dirty="0">
-                <a:solidFill>
-                  <a:schemeClr val="tx1"/>
-                </a:solidFill>
-                <a:effectLst/>
-                <a:latin typeface="+mn-lt"/>
-                <a:ea typeface="+mn-ea"/>
-                <a:cs typeface="+mn-cs"/>
-              </a:rPr>
-              <a:t>使用请求都可以被 </a:t>
-            </a:r>
-            <a:r>
-              <a:rPr lang="en-US" altLang="zh-CN" sz="1200" kern="1200" dirty="0" err="1">
-                <a:solidFill>
-                  <a:schemeClr val="tx1"/>
-                </a:solidFill>
-                <a:effectLst/>
-                <a:latin typeface="+mn-lt"/>
-                <a:ea typeface="+mn-ea"/>
-                <a:cs typeface="+mn-cs"/>
-              </a:rPr>
-              <a:t>GPUvm</a:t>
-            </a:r>
-            <a:r>
-              <a:rPr lang="en-US" altLang="zh-CN" sz="1200" kern="1200" dirty="0">
-                <a:solidFill>
-                  <a:schemeClr val="tx1"/>
-                </a:solidFill>
-                <a:effectLst/>
-                <a:latin typeface="+mn-lt"/>
-                <a:ea typeface="+mn-ea"/>
-                <a:cs typeface="+mn-cs"/>
-              </a:rPr>
-              <a:t> </a:t>
-            </a:r>
-            <a:r>
-              <a:rPr lang="zh-CN" altLang="en-US" sz="1200" kern="1200" dirty="0">
-                <a:solidFill>
-                  <a:schemeClr val="tx1"/>
-                </a:solidFill>
-                <a:effectLst/>
-                <a:latin typeface="+mn-lt"/>
-                <a:ea typeface="+mn-ea"/>
-                <a:cs typeface="+mn-cs"/>
-              </a:rPr>
-              <a:t>拦截，所以 </a:t>
-            </a:r>
-            <a:r>
-              <a:rPr lang="en-US" altLang="zh-CN" sz="1200" kern="1200" dirty="0" err="1">
-                <a:solidFill>
-                  <a:schemeClr val="tx1"/>
-                </a:solidFill>
-                <a:effectLst/>
-                <a:latin typeface="+mn-lt"/>
-                <a:ea typeface="+mn-ea"/>
-                <a:cs typeface="+mn-cs"/>
-              </a:rPr>
-              <a:t>GPUvm</a:t>
-            </a:r>
-            <a:r>
-              <a:rPr lang="en-US" altLang="zh-CN" sz="1200" kern="1200" dirty="0">
-                <a:solidFill>
-                  <a:schemeClr val="tx1"/>
-                </a:solidFill>
-                <a:effectLst/>
-                <a:latin typeface="+mn-lt"/>
-                <a:ea typeface="+mn-ea"/>
-                <a:cs typeface="+mn-cs"/>
-              </a:rPr>
-              <a:t> </a:t>
-            </a:r>
-            <a:r>
-              <a:rPr lang="zh-CN" altLang="en-US" sz="1200" kern="1200" dirty="0">
-                <a:solidFill>
-                  <a:schemeClr val="tx1"/>
-                </a:solidFill>
-                <a:effectLst/>
-                <a:latin typeface="+mn-lt"/>
-                <a:ea typeface="+mn-ea"/>
-                <a:cs typeface="+mn-cs"/>
-              </a:rPr>
-              <a:t>可以在完成虚实转换之 后，使用物理索引激活相应的 </a:t>
-            </a:r>
-            <a:r>
-              <a:rPr lang="en-US" altLang="zh-CN" sz="1200" kern="1200" dirty="0">
-                <a:solidFill>
-                  <a:schemeClr val="tx1"/>
-                </a:solidFill>
-                <a:effectLst/>
-                <a:latin typeface="+mn-lt"/>
-                <a:ea typeface="+mn-ea"/>
-                <a:cs typeface="+mn-cs"/>
-              </a:rPr>
-              <a:t>channels</a:t>
-            </a:r>
-            <a:r>
-              <a:rPr lang="zh-CN" altLang="en-US" sz="1200" kern="1200" dirty="0">
-                <a:solidFill>
-                  <a:schemeClr val="tx1"/>
-                </a:solidFill>
-                <a:effectLst/>
-                <a:latin typeface="+mn-lt"/>
-                <a:ea typeface="+mn-ea"/>
-                <a:cs typeface="+mn-cs"/>
-              </a:rPr>
-              <a:t>。 </a:t>
-            </a:r>
-            <a:endParaRPr lang="en-US" altLang="zh-CN" dirty="0"/>
-          </a:p>
-          <a:p>
             <a:endParaRPr kumimoji="1" lang="zh-CN" altLang="en-US" dirty="0"/>
           </a:p>
         </p:txBody>
@@ -1755,7 +642,7 @@
           <a:p>
             <a:fld id="{E5BBBCDD-09AB-3E4F-B805-B83802AFD713}" type="slidenum">
               <a:rPr kumimoji="1" lang="zh-CN" altLang="en-US" smtClean="0"/>
-              <a:t>7</a:t>
+              <a:t>6</a:t>
             </a:fld>
             <a:endParaRPr kumimoji="1" lang="zh-CN" altLang="en-US"/>
           </a:p>
@@ -1764,7 +651,7 @@
     </p:spTree>
     <p:extLst>
       <p:ext uri="{BB962C8B-B14F-4D97-AF65-F5344CB8AC3E}">
-        <p14:creationId xmlns:p14="http://schemas.microsoft.com/office/powerpoint/2010/main" val="119124385"/>
+        <p14:creationId xmlns:p14="http://schemas.microsoft.com/office/powerpoint/2010/main" val="467259608"/>
       </p:ext>
     </p:extLst>
   </p:cSld>
@@ -1839,7 +726,7 @@
           <a:p>
             <a:fld id="{E5BBBCDD-09AB-3E4F-B805-B83802AFD713}" type="slidenum">
               <a:rPr kumimoji="1" lang="zh-CN" altLang="en-US" smtClean="0"/>
-              <a:t>8</a:t>
+              <a:t>7</a:t>
             </a:fld>
             <a:endParaRPr kumimoji="1" lang="zh-CN" altLang="en-US"/>
           </a:p>
@@ -1848,7 +735,7 @@
     </p:spTree>
     <p:extLst>
       <p:ext uri="{BB962C8B-B14F-4D97-AF65-F5344CB8AC3E}">
-        <p14:creationId xmlns:p14="http://schemas.microsoft.com/office/powerpoint/2010/main" val="2289929666"/>
+        <p14:creationId xmlns:p14="http://schemas.microsoft.com/office/powerpoint/2010/main" val="4152796701"/>
       </p:ext>
     </p:extLst>
   </p:cSld>
@@ -1902,6 +789,258 @@
           <a:bodyPr/>
           <a:lstStyle/>
           <a:p>
+            <a:endParaRPr kumimoji="1" lang="zh-CN" altLang="en-US" dirty="0"/>
+          </a:p>
+        </p:txBody>
+      </p:sp>
+      <p:sp>
+        <p:nvSpPr>
+          <p:cNvPr id="4" name="幻灯片编号占位符 3"/>
+          <p:cNvSpPr>
+            <a:spLocks noGrp="1"/>
+          </p:cNvSpPr>
+          <p:nvPr>
+            <p:ph type="sldNum" sz="quarter" idx="10"/>
+          </p:nvPr>
+        </p:nvSpPr>
+        <p:spPr/>
+        <p:txBody>
+          <a:bodyPr/>
+          <a:lstStyle/>
+          <a:p>
+            <a:fld id="{E5BBBCDD-09AB-3E4F-B805-B83802AFD713}" type="slidenum">
+              <a:rPr kumimoji="1" lang="zh-CN" altLang="en-US" smtClean="0"/>
+              <a:t>14</a:t>
+            </a:fld>
+            <a:endParaRPr kumimoji="1" lang="zh-CN" altLang="en-US"/>
+          </a:p>
+        </p:txBody>
+      </p:sp>
+    </p:spTree>
+    <p:extLst>
+      <p:ext uri="{BB962C8B-B14F-4D97-AF65-F5344CB8AC3E}">
+        <p14:creationId xmlns:p14="http://schemas.microsoft.com/office/powerpoint/2010/main" val="2289929666"/>
+      </p:ext>
+    </p:extLst>
+  </p:cSld>
+  <p:clrMapOvr>
+    <a:masterClrMapping/>
+  </p:clrMapOvr>
+</p:notes>
+</file>
+
+<file path=ppt/notesSlides/notesSlide5.xml><?xml version="1.0" encoding="utf-8"?>
+<p:notes xmlns:a="http://schemas.openxmlformats.org/drawingml/2006/main" xmlns:r="http://schemas.openxmlformats.org/officeDocument/2006/relationships" xmlns:p="http://schemas.openxmlformats.org/presentationml/2006/main">
+  <p:cSld>
+    <p:spTree>
+      <p:nvGrpSpPr>
+        <p:cNvPr id="1" name=""/>
+        <p:cNvGrpSpPr/>
+        <p:nvPr/>
+      </p:nvGrpSpPr>
+      <p:grpSpPr>
+        <a:xfrm>
+          <a:off x="0" y="0"/>
+          <a:ext cx="0" cy="0"/>
+          <a:chOff x="0" y="0"/>
+          <a:chExt cx="0" cy="0"/>
+        </a:xfrm>
+      </p:grpSpPr>
+      <p:sp>
+        <p:nvSpPr>
+          <p:cNvPr id="2" name="幻灯片图像占位符 1"/>
+          <p:cNvSpPr>
+            <a:spLocks noGrp="1" noRot="1" noChangeAspect="1"/>
+          </p:cNvSpPr>
+          <p:nvPr>
+            <p:ph type="sldImg"/>
+          </p:nvPr>
+        </p:nvSpPr>
+        <p:spPr/>
+      </p:sp>
+      <p:sp>
+        <p:nvSpPr>
+          <p:cNvPr id="3" name="备注占位符 2"/>
+          <p:cNvSpPr>
+            <a:spLocks noGrp="1"/>
+          </p:cNvSpPr>
+          <p:nvPr>
+            <p:ph type="body" idx="1"/>
+          </p:nvPr>
+        </p:nvSpPr>
+        <p:spPr/>
+        <p:txBody>
+          <a:bodyPr/>
+          <a:lstStyle/>
+          <a:p>
+            <a:endParaRPr kumimoji="1" lang="zh-CN" altLang="en-US" dirty="0"/>
+          </a:p>
+        </p:txBody>
+      </p:sp>
+      <p:sp>
+        <p:nvSpPr>
+          <p:cNvPr id="4" name="幻灯片编号占位符 3"/>
+          <p:cNvSpPr>
+            <a:spLocks noGrp="1"/>
+          </p:cNvSpPr>
+          <p:nvPr>
+            <p:ph type="sldNum" sz="quarter" idx="10"/>
+          </p:nvPr>
+        </p:nvSpPr>
+        <p:spPr/>
+        <p:txBody>
+          <a:bodyPr/>
+          <a:lstStyle/>
+          <a:p>
+            <a:fld id="{E5BBBCDD-09AB-3E4F-B805-B83802AFD713}" type="slidenum">
+              <a:rPr kumimoji="1" lang="zh-CN" altLang="en-US" smtClean="0"/>
+              <a:t>18</a:t>
+            </a:fld>
+            <a:endParaRPr kumimoji="1" lang="zh-CN" altLang="en-US"/>
+          </a:p>
+        </p:txBody>
+      </p:sp>
+    </p:spTree>
+    <p:extLst>
+      <p:ext uri="{BB962C8B-B14F-4D97-AF65-F5344CB8AC3E}">
+        <p14:creationId xmlns:p14="http://schemas.microsoft.com/office/powerpoint/2010/main" val="2031319088"/>
+      </p:ext>
+    </p:extLst>
+  </p:cSld>
+  <p:clrMapOvr>
+    <a:masterClrMapping/>
+  </p:clrMapOvr>
+</p:notes>
+</file>
+
+<file path=ppt/notesSlides/notesSlide6.xml><?xml version="1.0" encoding="utf-8"?>
+<p:notes xmlns:a="http://schemas.openxmlformats.org/drawingml/2006/main" xmlns:r="http://schemas.openxmlformats.org/officeDocument/2006/relationships" xmlns:p="http://schemas.openxmlformats.org/presentationml/2006/main">
+  <p:cSld>
+    <p:spTree>
+      <p:nvGrpSpPr>
+        <p:cNvPr id="1" name=""/>
+        <p:cNvGrpSpPr/>
+        <p:nvPr/>
+      </p:nvGrpSpPr>
+      <p:grpSpPr>
+        <a:xfrm>
+          <a:off x="0" y="0"/>
+          <a:ext cx="0" cy="0"/>
+          <a:chOff x="0" y="0"/>
+          <a:chExt cx="0" cy="0"/>
+        </a:xfrm>
+      </p:grpSpPr>
+      <p:sp>
+        <p:nvSpPr>
+          <p:cNvPr id="2" name="幻灯片图像占位符 1"/>
+          <p:cNvSpPr>
+            <a:spLocks noGrp="1" noRot="1" noChangeAspect="1"/>
+          </p:cNvSpPr>
+          <p:nvPr>
+            <p:ph type="sldImg"/>
+          </p:nvPr>
+        </p:nvSpPr>
+        <p:spPr/>
+      </p:sp>
+      <p:sp>
+        <p:nvSpPr>
+          <p:cNvPr id="3" name="备注占位符 2"/>
+          <p:cNvSpPr>
+            <a:spLocks noGrp="1"/>
+          </p:cNvSpPr>
+          <p:nvPr>
+            <p:ph type="body" idx="1"/>
+          </p:nvPr>
+        </p:nvSpPr>
+        <p:spPr/>
+        <p:txBody>
+          <a:bodyPr/>
+          <a:lstStyle/>
+          <a:p>
+            <a:endParaRPr kumimoji="1" lang="zh-CN" altLang="en-US" dirty="0"/>
+          </a:p>
+        </p:txBody>
+      </p:sp>
+      <p:sp>
+        <p:nvSpPr>
+          <p:cNvPr id="4" name="幻灯片编号占位符 3"/>
+          <p:cNvSpPr>
+            <a:spLocks noGrp="1"/>
+          </p:cNvSpPr>
+          <p:nvPr>
+            <p:ph type="sldNum" sz="quarter" idx="10"/>
+          </p:nvPr>
+        </p:nvSpPr>
+        <p:spPr/>
+        <p:txBody>
+          <a:bodyPr/>
+          <a:lstStyle/>
+          <a:p>
+            <a:fld id="{E5BBBCDD-09AB-3E4F-B805-B83802AFD713}" type="slidenum">
+              <a:rPr kumimoji="1" lang="zh-CN" altLang="en-US" smtClean="0"/>
+              <a:t>20</a:t>
+            </a:fld>
+            <a:endParaRPr kumimoji="1" lang="zh-CN" altLang="en-US"/>
+          </a:p>
+        </p:txBody>
+      </p:sp>
+    </p:spTree>
+    <p:extLst>
+      <p:ext uri="{BB962C8B-B14F-4D97-AF65-F5344CB8AC3E}">
+        <p14:creationId xmlns:p14="http://schemas.microsoft.com/office/powerpoint/2010/main" val="1861667648"/>
+      </p:ext>
+    </p:extLst>
+  </p:cSld>
+  <p:clrMapOvr>
+    <a:masterClrMapping/>
+  </p:clrMapOvr>
+</p:notes>
+</file>
+
+<file path=ppt/notesSlides/notesSlide7.xml><?xml version="1.0" encoding="utf-8"?>
+<p:notes xmlns:a="http://schemas.openxmlformats.org/drawingml/2006/main" xmlns:r="http://schemas.openxmlformats.org/officeDocument/2006/relationships" xmlns:p="http://schemas.openxmlformats.org/presentationml/2006/main">
+  <p:cSld>
+    <p:spTree>
+      <p:nvGrpSpPr>
+        <p:cNvPr id="1" name=""/>
+        <p:cNvGrpSpPr/>
+        <p:nvPr/>
+      </p:nvGrpSpPr>
+      <p:grpSpPr>
+        <a:xfrm>
+          <a:off x="0" y="0"/>
+          <a:ext cx="0" cy="0"/>
+          <a:chOff x="0" y="0"/>
+          <a:chExt cx="0" cy="0"/>
+        </a:xfrm>
+      </p:grpSpPr>
+      <p:sp>
+        <p:nvSpPr>
+          <p:cNvPr id="2" name="幻灯片图像占位符 1"/>
+          <p:cNvSpPr>
+            <a:spLocks noGrp="1" noRot="1" noChangeAspect="1"/>
+          </p:cNvSpPr>
+          <p:nvPr>
+            <p:ph type="sldImg"/>
+          </p:nvPr>
+        </p:nvSpPr>
+        <p:spPr/>
+      </p:sp>
+      <p:sp>
+        <p:nvSpPr>
+          <p:cNvPr id="3" name="备注占位符 2"/>
+          <p:cNvSpPr>
+            <a:spLocks noGrp="1"/>
+          </p:cNvSpPr>
+          <p:nvPr>
+            <p:ph type="body" idx="1"/>
+          </p:nvPr>
+        </p:nvSpPr>
+        <p:spPr/>
+        <p:txBody>
+          <a:bodyPr/>
+          <a:lstStyle/>
+          <a:p>
             <a:r>
               <a:rPr kumimoji="1" lang="zh-CN" altLang="en-US" dirty="0"/>
               <a:t>核跳变</a:t>
@@ -1926,7 +1065,7 @@
           <a:p>
             <a:fld id="{E5BBBCDD-09AB-3E4F-B805-B83802AFD713}" type="slidenum">
               <a:rPr kumimoji="1" lang="zh-CN" altLang="en-US" smtClean="0"/>
-              <a:t>15</a:t>
+              <a:t>21</a:t>
             </a:fld>
             <a:endParaRPr kumimoji="1" lang="zh-CN" altLang="en-US"/>
           </a:p>
@@ -2134,7 +1273,7 @@
             <a:fld id="{B61BEF0D-F0BB-DE4B-95CE-6DB70DBA9567}" type="datetimeFigureOut">
               <a:rPr lang="en-US" dirty="0"/>
               <a:pPr/>
-              <a:t>6/6/18</a:t>
+              <a:t>6/11/18</a:t>
             </a:fld>
             <a:endParaRPr lang="en-US" dirty="0"/>
           </a:p>
@@ -2469,7 +1608,7 @@
             <a:fld id="{B61BEF0D-F0BB-DE4B-95CE-6DB70DBA9567}" type="datetimeFigureOut">
               <a:rPr lang="en-US" dirty="0"/>
               <a:pPr/>
-              <a:t>6/6/18</a:t>
+              <a:t>6/11/18</a:t>
             </a:fld>
             <a:endParaRPr lang="en-US" dirty="0"/>
           </a:p>
@@ -2867,7 +2006,7 @@
             <a:fld id="{B61BEF0D-F0BB-DE4B-95CE-6DB70DBA9567}" type="datetimeFigureOut">
               <a:rPr lang="en-US" dirty="0"/>
               <a:pPr/>
-              <a:t>6/6/18</a:t>
+              <a:t>6/11/18</a:t>
             </a:fld>
             <a:endParaRPr lang="en-US" dirty="0"/>
           </a:p>
@@ -3200,7 +2339,7 @@
             <a:fld id="{B61BEF0D-F0BB-DE4B-95CE-6DB70DBA9567}" type="datetimeFigureOut">
               <a:rPr lang="en-US" dirty="0"/>
               <a:pPr/>
-              <a:t>6/6/18</a:t>
+              <a:t>6/11/18</a:t>
             </a:fld>
             <a:endParaRPr lang="en-US" dirty="0"/>
           </a:p>
@@ -3517,7 +2656,7 @@
             <a:fld id="{B61BEF0D-F0BB-DE4B-95CE-6DB70DBA9567}" type="datetimeFigureOut">
               <a:rPr lang="en-US" dirty="0"/>
               <a:pPr/>
-              <a:t>6/6/18</a:t>
+              <a:t>6/11/18</a:t>
             </a:fld>
             <a:endParaRPr lang="en-US" dirty="0"/>
           </a:p>
@@ -3910,7 +3049,7 @@
             <a:fld id="{B61BEF0D-F0BB-DE4B-95CE-6DB70DBA9567}" type="datetimeFigureOut">
               <a:rPr lang="en-US" dirty="0"/>
               <a:pPr/>
-              <a:t>6/6/18</a:t>
+              <a:t>6/11/18</a:t>
             </a:fld>
             <a:endParaRPr lang="en-US" dirty="0"/>
           </a:p>
@@ -4164,7 +3303,7 @@
             <a:fld id="{B61BEF0D-F0BB-DE4B-95CE-6DB70DBA9567}" type="datetimeFigureOut">
               <a:rPr lang="en-US" dirty="0"/>
               <a:pPr/>
-              <a:t>6/6/18</a:t>
+              <a:t>6/11/18</a:t>
             </a:fld>
             <a:endParaRPr lang="en-US" dirty="0"/>
           </a:p>
@@ -4423,7 +3562,7 @@
             <a:fld id="{B61BEF0D-F0BB-DE4B-95CE-6DB70DBA9567}" type="datetimeFigureOut">
               <a:rPr lang="en-US" dirty="0"/>
               <a:pPr/>
-              <a:t>6/6/18</a:t>
+              <a:t>6/11/18</a:t>
             </a:fld>
             <a:endParaRPr lang="en-US" dirty="0"/>
           </a:p>
@@ -4682,7 +3821,7 @@
             <a:fld id="{B61BEF0D-F0BB-DE4B-95CE-6DB70DBA9567}" type="datetimeFigureOut">
               <a:rPr lang="en-US" dirty="0"/>
               <a:pPr/>
-              <a:t>6/6/18</a:t>
+              <a:t>6/11/18</a:t>
             </a:fld>
             <a:endParaRPr lang="en-US" dirty="0"/>
           </a:p>
@@ -5008,7 +4147,7 @@
             <a:fld id="{B61BEF0D-F0BB-DE4B-95CE-6DB70DBA9567}" type="datetimeFigureOut">
               <a:rPr lang="en-US" dirty="0"/>
               <a:pPr/>
-              <a:t>6/6/18</a:t>
+              <a:t>6/11/18</a:t>
             </a:fld>
             <a:endParaRPr lang="en-US" dirty="0"/>
           </a:p>
@@ -5328,7 +4467,7 @@
             <a:fld id="{B61BEF0D-F0BB-DE4B-95CE-6DB70DBA9567}" type="datetimeFigureOut">
               <a:rPr lang="en-US" dirty="0"/>
               <a:pPr/>
-              <a:t>6/6/18</a:t>
+              <a:t>6/11/18</a:t>
             </a:fld>
             <a:endParaRPr lang="en-US" dirty="0"/>
           </a:p>
@@ -5782,7 +4921,7 @@
             <a:fld id="{B61BEF0D-F0BB-DE4B-95CE-6DB70DBA9567}" type="datetimeFigureOut">
               <a:rPr lang="en-US" dirty="0"/>
               <a:pPr/>
-              <a:t>6/6/18</a:t>
+              <a:t>6/11/18</a:t>
             </a:fld>
             <a:endParaRPr lang="en-US" dirty="0"/>
           </a:p>
@@ -5984,7 +5123,7 @@
             <a:fld id="{B61BEF0D-F0BB-DE4B-95CE-6DB70DBA9567}" type="datetimeFigureOut">
               <a:rPr lang="en-US" dirty="0"/>
               <a:pPr/>
-              <a:t>6/6/18</a:t>
+              <a:t>6/11/18</a:t>
             </a:fld>
             <a:endParaRPr lang="en-US" dirty="0"/>
           </a:p>
@@ -6158,7 +5297,7 @@
             <a:fld id="{B61BEF0D-F0BB-DE4B-95CE-6DB70DBA9567}" type="datetimeFigureOut">
               <a:rPr lang="en-US" dirty="0"/>
               <a:pPr/>
-              <a:t>6/6/18</a:t>
+              <a:t>6/11/18</a:t>
             </a:fld>
             <a:endParaRPr lang="en-US" dirty="0"/>
           </a:p>
@@ -6488,7 +5627,7 @@
             <a:fld id="{B61BEF0D-F0BB-DE4B-95CE-6DB70DBA9567}" type="datetimeFigureOut">
               <a:rPr lang="en-US" dirty="0"/>
               <a:pPr/>
-              <a:t>6/6/18</a:t>
+              <a:t>6/11/18</a:t>
             </a:fld>
             <a:endParaRPr lang="en-US" dirty="0"/>
           </a:p>
@@ -6830,7 +5969,7 @@
             <a:fld id="{B61BEF0D-F0BB-DE4B-95CE-6DB70DBA9567}" type="datetimeFigureOut">
               <a:rPr lang="en-US" dirty="0"/>
               <a:pPr/>
-              <a:t>6/6/18</a:t>
+              <a:t>6/11/18</a:t>
             </a:fld>
             <a:endParaRPr lang="en-US" dirty="0"/>
           </a:p>
@@ -8944,7 +8083,7 @@
             <a:fld id="{B61BEF0D-F0BB-DE4B-95CE-6DB70DBA9567}" type="datetimeFigureOut">
               <a:rPr lang="en-US" dirty="0"/>
               <a:pPr/>
-              <a:t>6/6/18</a:t>
+              <a:t>6/11/18</a:t>
             </a:fld>
             <a:endParaRPr lang="en-US" dirty="0"/>
           </a:p>
@@ -9505,9 +8644,7 @@
         </p:nvSpPr>
         <p:spPr/>
         <p:txBody>
-          <a:bodyPr>
-            <a:normAutofit lnSpcReduction="10000"/>
-          </a:bodyPr>
+          <a:bodyPr/>
           <a:lstStyle/>
           <a:p>
             <a:r>
@@ -9518,26 +8655,7 @@
           <a:p>
             <a:r>
               <a:rPr kumimoji="1" lang="en-US" altLang="zh-Hans" dirty="0"/>
-              <a:t>												</a:t>
-            </a:r>
-            <a:r>
-              <a:rPr kumimoji="1" lang="en-US" altLang="zh-CN" dirty="0"/>
-              <a:t>2015310652</a:t>
-            </a:r>
-            <a:r>
-              <a:rPr kumimoji="1" lang="zh-Hans" altLang="en-US" dirty="0"/>
-              <a:t>  </a:t>
-            </a:r>
-            <a:r>
-              <a:rPr kumimoji="1" lang="zh-CN" altLang="en-US" dirty="0"/>
-              <a:t>高伟</a:t>
-            </a:r>
-            <a:endParaRPr kumimoji="1" lang="en-US" altLang="zh-CN" dirty="0"/>
-          </a:p>
-          <a:p>
-            <a:r>
-              <a:rPr kumimoji="1" lang="en-US" altLang="zh-Hans" dirty="0"/>
-              <a:t>												</a:t>
+              <a:t>															Wei Gao</a:t>
             </a:r>
           </a:p>
         </p:txBody>
@@ -9577,7 +8695,7 @@
           <p:cNvPr id="2" name="标题 1">
             <a:extLst>
               <a:ext uri="{FF2B5EF4-FFF2-40B4-BE49-F238E27FC236}">
-                <a16:creationId xmlns:a16="http://schemas.microsoft.com/office/drawing/2014/main" id="{63BC0356-FCFD-6C40-9522-665CA15015A4}"/>
+                <a16:creationId xmlns:a16="http://schemas.microsoft.com/office/drawing/2014/main" id="{C4FDD78C-2BBE-DB4A-9A50-9E3C76B69223}"/>
               </a:ext>
             </a:extLst>
           </p:cNvPr>
@@ -9594,9 +8712,10 @@
           <a:lstStyle/>
           <a:p>
             <a:r>
-              <a:rPr kumimoji="1" lang="zh-CN" altLang="en-US" dirty="0"/>
-              <a:t>背景</a:t>
-            </a:r>
+              <a:rPr kumimoji="1" lang="en-US" altLang="zh-CN" dirty="0" err="1"/>
+              <a:t>GPUvm</a:t>
+            </a:r>
+            <a:endParaRPr kumimoji="1" lang="zh-CN" altLang="en-US" dirty="0"/>
           </a:p>
         </p:txBody>
       </p:sp>
@@ -9605,7 +8724,7 @@
           <p:cNvPr id="3" name="内容占位符 2">
             <a:extLst>
               <a:ext uri="{FF2B5EF4-FFF2-40B4-BE49-F238E27FC236}">
-                <a16:creationId xmlns:a16="http://schemas.microsoft.com/office/drawing/2014/main" id="{6E777180-43D7-2043-90F4-E694874598D9}"/>
+                <a16:creationId xmlns:a16="http://schemas.microsoft.com/office/drawing/2014/main" id="{658753C8-F7E2-8040-BA8B-3C1907E86B2E}"/>
               </a:ext>
             </a:extLst>
           </p:cNvPr>
@@ -9618,61 +8737,80 @@
         </p:nvSpPr>
         <p:spPr/>
         <p:txBody>
-          <a:bodyPr/>
-          <a:lstStyle/>
-          <a:p>
-            <a:r>
-              <a:rPr lang="zh-CN" altLang="en-US" sz="2400" dirty="0"/>
-              <a:t>主流的 </a:t>
-            </a:r>
-            <a:r>
-              <a:rPr lang="en-US" altLang="zh-CN" sz="2400" dirty="0"/>
-              <a:t>Profiler </a:t>
-            </a:r>
-            <a:r>
-              <a:rPr lang="zh-CN" altLang="en-US" sz="2400" dirty="0"/>
-              <a:t>工具主要统计各行代码的 </a:t>
-            </a:r>
-            <a:r>
-              <a:rPr lang="en-US" altLang="zh-CN" sz="2400" dirty="0"/>
-              <a:t>cache miss </a:t>
-            </a:r>
-            <a:r>
-              <a:rPr lang="zh-CN" altLang="en-US" sz="2400" dirty="0"/>
-              <a:t>频率</a:t>
-            </a:r>
-            <a:endParaRPr lang="en-US" altLang="zh-CN" sz="2400" dirty="0"/>
-          </a:p>
-          <a:p>
-            <a:endParaRPr lang="en-US" altLang="zh-CN" sz="2400" dirty="0"/>
-          </a:p>
-          <a:p>
-            <a:r>
-              <a:rPr lang="zh-CN" altLang="en-US" sz="2400" dirty="0"/>
-              <a:t> </a:t>
-            </a:r>
-            <a:r>
-              <a:rPr lang="en-US" altLang="zh-CN" sz="2400" dirty="0"/>
-              <a:t>cache miss </a:t>
-            </a:r>
-            <a:r>
-              <a:rPr lang="zh-CN" altLang="en-US" sz="2400" dirty="0"/>
-              <a:t>散布</a:t>
-            </a:r>
-            <a:endParaRPr lang="en-US" altLang="zh-CN" sz="2400" dirty="0"/>
-          </a:p>
-          <a:p>
-            <a:endParaRPr kumimoji="1" lang="en-US" altLang="zh-CN" sz="2400" dirty="0"/>
-          </a:p>
-          <a:p>
-            <a:endParaRPr kumimoji="1" lang="zh-CN" altLang="en-US" dirty="0"/>
+          <a:bodyPr>
+            <a:normAutofit/>
+          </a:bodyPr>
+          <a:lstStyle/>
+          <a:p>
+            <a:r>
+              <a:rPr kumimoji="1" lang="en-US" altLang="zh-CN" sz="2800" dirty="0"/>
+              <a:t>GPU shadow </a:t>
+            </a:r>
+            <a:r>
+              <a:rPr kumimoji="1" lang="en-US" altLang="zh-CN" sz="2800" dirty="0" err="1"/>
+              <a:t>pagetable</a:t>
+            </a:r>
+            <a:endParaRPr kumimoji="1" lang="en-US" altLang="zh-CN" sz="2800" dirty="0"/>
+          </a:p>
+          <a:p>
+            <a:pPr lvl="1"/>
+            <a:r>
+              <a:rPr kumimoji="1" lang="en-US" altLang="zh-CN" sz="2400" dirty="0"/>
+              <a:t>Isolate GPU memory </a:t>
+            </a:r>
+          </a:p>
+          <a:p>
+            <a:r>
+              <a:rPr kumimoji="1" lang="en-US" altLang="zh-CN" sz="2800" dirty="0"/>
+              <a:t>GPU shadow channel</a:t>
+            </a:r>
+          </a:p>
+          <a:p>
+            <a:pPr lvl="1"/>
+            <a:r>
+              <a:rPr kumimoji="1" lang="en-US" altLang="zh-CN" sz="2400" dirty="0"/>
+              <a:t>Isolate GPU channels</a:t>
+            </a:r>
+          </a:p>
+          <a:p>
+            <a:r>
+              <a:rPr kumimoji="1" lang="en-US" altLang="zh-CN" sz="2800" dirty="0"/>
+              <a:t>CPU fair-share scheduler</a:t>
+            </a:r>
+          </a:p>
+          <a:p>
+            <a:pPr lvl="1"/>
+            <a:r>
+              <a:rPr kumimoji="1" lang="en-US" altLang="zh-CN" sz="2400" dirty="0"/>
+              <a:t>Isolate GPU </a:t>
+            </a:r>
+            <a:r>
+              <a:rPr kumimoji="1" lang="en-US" altLang="zh-CN" sz="2400" dirty="0" err="1"/>
+              <a:t>Bme</a:t>
+            </a:r>
+            <a:r>
+              <a:rPr kumimoji="1" lang="en-US" altLang="zh-CN" sz="2400" dirty="0"/>
+              <a:t> using GPU </a:t>
+            </a:r>
+            <a:r>
+              <a:rPr kumimoji="1" lang="en-US" altLang="zh-CN" sz="2400" dirty="0" err="1"/>
+              <a:t>compuBng</a:t>
+            </a:r>
+            <a:r>
+              <a:rPr kumimoji="1" lang="en-US" altLang="zh-CN" sz="2400" dirty="0"/>
+              <a:t> cores </a:t>
+            </a:r>
+          </a:p>
+          <a:p>
+            <a:pPr lvl="1"/>
+            <a:endParaRPr kumimoji="1" lang="zh-CN" altLang="en-US" sz="2200" dirty="0"/>
           </a:p>
         </p:txBody>
       </p:sp>
     </p:spTree>
     <p:extLst>
       <p:ext uri="{BB962C8B-B14F-4D97-AF65-F5344CB8AC3E}">
-        <p14:creationId xmlns:p14="http://schemas.microsoft.com/office/powerpoint/2010/main" val="3474100074"/>
+        <p14:creationId xmlns:p14="http://schemas.microsoft.com/office/powerpoint/2010/main" val="2253260441"/>
       </p:ext>
     </p:extLst>
   </p:cSld>
@@ -9704,7 +8842,7 @@
           <p:cNvPr id="2" name="标题 1">
             <a:extLst>
               <a:ext uri="{FF2B5EF4-FFF2-40B4-BE49-F238E27FC236}">
-                <a16:creationId xmlns:a16="http://schemas.microsoft.com/office/drawing/2014/main" id="{410C541A-5AFE-DB4C-99CE-78889148FA3E}"/>
+                <a16:creationId xmlns:a16="http://schemas.microsoft.com/office/drawing/2014/main" id="{1B956A0F-BEC2-4046-8D7D-D10334107630}"/>
               </a:ext>
             </a:extLst>
           </p:cNvPr>
@@ -9721,9 +8859,12 @@
           <a:lstStyle/>
           <a:p>
             <a:r>
-              <a:rPr kumimoji="1" lang="en-US" altLang="zh-Hans" dirty="0" err="1"/>
-              <a:t>DProf</a:t>
-            </a:r>
+              <a:rPr lang="en-US" altLang="zh-CN" dirty="0"/>
+              <a:t>GPU Shadow Page Table </a:t>
+            </a:r>
+            <a:br>
+              <a:rPr lang="en-US" altLang="zh-CN" dirty="0"/>
+            </a:br>
             <a:endParaRPr kumimoji="1" lang="zh-CN" altLang="en-US" dirty="0"/>
           </a:p>
         </p:txBody>
@@ -9733,7 +8874,7 @@
           <p:cNvPr id="3" name="内容占位符 2">
             <a:extLst>
               <a:ext uri="{FF2B5EF4-FFF2-40B4-BE49-F238E27FC236}">
-                <a16:creationId xmlns:a16="http://schemas.microsoft.com/office/drawing/2014/main" id="{E42E62F1-578D-9642-B60D-E8D82E999C53}"/>
+                <a16:creationId xmlns:a16="http://schemas.microsoft.com/office/drawing/2014/main" id="{C5C8D915-804D-9846-BE66-BE9E33CC3002}"/>
               </a:ext>
             </a:extLst>
           </p:cNvPr>
@@ -9749,72 +8890,44 @@
           <a:bodyPr/>
           <a:lstStyle/>
           <a:p>
-            <a:r>
-              <a:rPr lang="zh-CN" altLang="en-US" sz="2000" dirty="0"/>
-              <a:t>帮助编程人员发现、理解并消除 </a:t>
-            </a:r>
-            <a:r>
-              <a:rPr lang="en-US" altLang="zh-CN" sz="2000" dirty="0"/>
-              <a:t>cache miss</a:t>
-            </a:r>
-            <a:r>
-              <a:rPr lang="zh-CN" altLang="en-US" sz="2000" dirty="0"/>
-              <a:t>。</a:t>
-            </a:r>
-            <a:endParaRPr lang="en-US" altLang="zh-CN" sz="2000" dirty="0"/>
-          </a:p>
-          <a:p>
-            <a:endParaRPr lang="en-US" altLang="zh-CN" sz="2000" dirty="0"/>
-          </a:p>
-          <a:p>
-            <a:r>
-              <a:rPr lang="en-US" altLang="zh-CN" sz="2000" dirty="0" err="1"/>
-              <a:t>DProf</a:t>
-            </a:r>
-            <a:r>
-              <a:rPr lang="en-US" altLang="zh-CN" sz="2000" dirty="0"/>
-              <a:t> </a:t>
-            </a:r>
-            <a:r>
-              <a:rPr lang="zh-CN" altLang="en-US" sz="2000" dirty="0"/>
-              <a:t>通过性能检测硬件获取 </a:t>
-            </a:r>
-            <a:r>
-              <a:rPr lang="en-US" altLang="zh-CN" sz="2000" dirty="0"/>
-              <a:t>cache miss </a:t>
-            </a:r>
-            <a:r>
-              <a:rPr lang="zh-CN" altLang="en-US" sz="2000" dirty="0"/>
-              <a:t>的信息，并进一步分析缺失的原因。</a:t>
-            </a:r>
-            <a:endParaRPr lang="en-US" altLang="zh-CN" sz="2000" dirty="0"/>
-          </a:p>
-          <a:p>
-            <a:endParaRPr lang="en-US" altLang="zh-CN" sz="2000" dirty="0"/>
-          </a:p>
-          <a:p>
-            <a:r>
-              <a:rPr lang="en-US" altLang="zh-CN" sz="2000" dirty="0" err="1"/>
-              <a:t>DProf</a:t>
-            </a:r>
-            <a:r>
-              <a:rPr lang="en-US" altLang="zh-CN" sz="2000" dirty="0"/>
-              <a:t> </a:t>
-            </a:r>
-            <a:r>
-              <a:rPr lang="zh-CN" altLang="en-US" sz="2000" dirty="0"/>
-              <a:t>列出造成缺失的具体数据及其类型，而不是代码，帮助编程人员消除缺失 </a:t>
-            </a:r>
-          </a:p>
-          <a:p>
             <a:endParaRPr kumimoji="1" lang="zh-CN" altLang="en-US" dirty="0"/>
           </a:p>
         </p:txBody>
       </p:sp>
+      <p:pic>
+        <p:nvPicPr>
+          <p:cNvPr id="4" name="图片 3">
+            <a:extLst>
+              <a:ext uri="{FF2B5EF4-FFF2-40B4-BE49-F238E27FC236}">
+                <a16:creationId xmlns:a16="http://schemas.microsoft.com/office/drawing/2014/main" id="{3275B1F1-4182-DE43-9A52-B073AC86033B}"/>
+              </a:ext>
+            </a:extLst>
+          </p:cNvPr>
+          <p:cNvPicPr>
+            <a:picLocks noChangeAspect="1"/>
+          </p:cNvPicPr>
+          <p:nvPr/>
+        </p:nvPicPr>
+        <p:blipFill>
+          <a:blip r:embed="rId2"/>
+          <a:stretch>
+            <a:fillRect/>
+          </a:stretch>
+        </p:blipFill>
+        <p:spPr>
+          <a:xfrm>
+            <a:off x="2122487" y="2133600"/>
+            <a:ext cx="8927117" cy="3777622"/>
+          </a:xfrm>
+          <a:prstGeom prst="rect">
+            <a:avLst/>
+          </a:prstGeom>
+        </p:spPr>
+      </p:pic>
     </p:spTree>
     <p:extLst>
       <p:ext uri="{BB962C8B-B14F-4D97-AF65-F5344CB8AC3E}">
-        <p14:creationId xmlns:p14="http://schemas.microsoft.com/office/powerpoint/2010/main" val="967432835"/>
+        <p14:creationId xmlns:p14="http://schemas.microsoft.com/office/powerpoint/2010/main" val="2583871795"/>
       </p:ext>
     </p:extLst>
   </p:cSld>
@@ -9846,6 +8959,792 @@
           <p:cNvPr id="2" name="标题 1">
             <a:extLst>
               <a:ext uri="{FF2B5EF4-FFF2-40B4-BE49-F238E27FC236}">
+                <a16:creationId xmlns:a16="http://schemas.microsoft.com/office/drawing/2014/main" id="{1B956A0F-BEC2-4046-8D7D-D10334107630}"/>
+              </a:ext>
+            </a:extLst>
+          </p:cNvPr>
+          <p:cNvSpPr>
+            <a:spLocks noGrp="1"/>
+          </p:cNvSpPr>
+          <p:nvPr>
+            <p:ph type="title"/>
+          </p:nvPr>
+        </p:nvSpPr>
+        <p:spPr/>
+        <p:txBody>
+          <a:bodyPr/>
+          <a:lstStyle/>
+          <a:p>
+            <a:r>
+              <a:rPr lang="en-US" altLang="zh-CN" dirty="0"/>
+              <a:t>GPU Shadow Channel</a:t>
+            </a:r>
+            <a:br>
+              <a:rPr lang="en-US" altLang="zh-CN" dirty="0"/>
+            </a:br>
+            <a:endParaRPr kumimoji="1" lang="zh-CN" altLang="en-US" dirty="0"/>
+          </a:p>
+        </p:txBody>
+      </p:sp>
+      <p:sp>
+        <p:nvSpPr>
+          <p:cNvPr id="3" name="内容占位符 2">
+            <a:extLst>
+              <a:ext uri="{FF2B5EF4-FFF2-40B4-BE49-F238E27FC236}">
+                <a16:creationId xmlns:a16="http://schemas.microsoft.com/office/drawing/2014/main" id="{C5C8D915-804D-9846-BE66-BE9E33CC3002}"/>
+              </a:ext>
+            </a:extLst>
+          </p:cNvPr>
+          <p:cNvSpPr>
+            <a:spLocks noGrp="1"/>
+          </p:cNvSpPr>
+          <p:nvPr>
+            <p:ph idx="1"/>
+          </p:nvPr>
+        </p:nvSpPr>
+        <p:spPr/>
+        <p:txBody>
+          <a:bodyPr/>
+          <a:lstStyle/>
+          <a:p>
+            <a:endParaRPr kumimoji="1" lang="zh-CN" altLang="en-US" dirty="0"/>
+          </a:p>
+        </p:txBody>
+      </p:sp>
+      <p:pic>
+        <p:nvPicPr>
+          <p:cNvPr id="6" name="图片 5">
+            <a:extLst>
+              <a:ext uri="{FF2B5EF4-FFF2-40B4-BE49-F238E27FC236}">
+                <a16:creationId xmlns:a16="http://schemas.microsoft.com/office/drawing/2014/main" id="{B5935D10-DD59-224C-AFF5-C3944C2CE5EB}"/>
+              </a:ext>
+            </a:extLst>
+          </p:cNvPr>
+          <p:cNvPicPr>
+            <a:picLocks noChangeAspect="1"/>
+          </p:cNvPicPr>
+          <p:nvPr/>
+        </p:nvPicPr>
+        <p:blipFill>
+          <a:blip r:embed="rId2"/>
+          <a:stretch>
+            <a:fillRect/>
+          </a:stretch>
+        </p:blipFill>
+        <p:spPr>
+          <a:xfrm>
+            <a:off x="2589212" y="1896666"/>
+            <a:ext cx="8355013" cy="4251489"/>
+          </a:xfrm>
+          <a:prstGeom prst="rect">
+            <a:avLst/>
+          </a:prstGeom>
+        </p:spPr>
+      </p:pic>
+    </p:spTree>
+    <p:extLst>
+      <p:ext uri="{BB962C8B-B14F-4D97-AF65-F5344CB8AC3E}">
+        <p14:creationId xmlns:p14="http://schemas.microsoft.com/office/powerpoint/2010/main" val="2365263377"/>
+      </p:ext>
+    </p:extLst>
+  </p:cSld>
+  <p:clrMapOvr>
+    <a:masterClrMapping/>
+  </p:clrMapOvr>
+</p:sld>
+</file>
+
+<file path=ppt/slides/slide13.xml><?xml version="1.0" encoding="utf-8"?>
+<p:sld xmlns:a="http://schemas.openxmlformats.org/drawingml/2006/main" xmlns:r="http://schemas.openxmlformats.org/officeDocument/2006/relationships" xmlns:p="http://schemas.openxmlformats.org/presentationml/2006/main">
+  <p:cSld>
+    <p:spTree>
+      <p:nvGrpSpPr>
+        <p:cNvPr id="1" name=""/>
+        <p:cNvGrpSpPr/>
+        <p:nvPr/>
+      </p:nvGrpSpPr>
+      <p:grpSpPr>
+        <a:xfrm>
+          <a:off x="0" y="0"/>
+          <a:ext cx="0" cy="0"/>
+          <a:chOff x="0" y="0"/>
+          <a:chExt cx="0" cy="0"/>
+        </a:xfrm>
+      </p:grpSpPr>
+      <p:sp>
+        <p:nvSpPr>
+          <p:cNvPr id="2" name="标题 1">
+            <a:extLst>
+              <a:ext uri="{FF2B5EF4-FFF2-40B4-BE49-F238E27FC236}">
+                <a16:creationId xmlns:a16="http://schemas.microsoft.com/office/drawing/2014/main" id="{9FD8E3A6-CF6E-5D43-95EE-8948C97D1771}"/>
+              </a:ext>
+            </a:extLst>
+          </p:cNvPr>
+          <p:cNvSpPr>
+            <a:spLocks noGrp="1"/>
+          </p:cNvSpPr>
+          <p:nvPr>
+            <p:ph type="title"/>
+          </p:nvPr>
+        </p:nvSpPr>
+        <p:spPr/>
+        <p:txBody>
+          <a:bodyPr/>
+          <a:lstStyle/>
+          <a:p>
+            <a:r>
+              <a:rPr kumimoji="1" lang="en-US" altLang="zh-CN" dirty="0"/>
+              <a:t>GPU Fair-Share Scheduler</a:t>
+            </a:r>
+            <a:endParaRPr kumimoji="1" lang="zh-CN" altLang="en-US" dirty="0"/>
+          </a:p>
+        </p:txBody>
+      </p:sp>
+      <p:sp>
+        <p:nvSpPr>
+          <p:cNvPr id="3" name="内容占位符 2">
+            <a:extLst>
+              <a:ext uri="{FF2B5EF4-FFF2-40B4-BE49-F238E27FC236}">
+                <a16:creationId xmlns:a16="http://schemas.microsoft.com/office/drawing/2014/main" id="{369A23DD-E00F-6841-94C2-C8C8DDBF8A7B}"/>
+              </a:ext>
+            </a:extLst>
+          </p:cNvPr>
+          <p:cNvSpPr>
+            <a:spLocks noGrp="1"/>
+          </p:cNvSpPr>
+          <p:nvPr>
+            <p:ph idx="1"/>
+          </p:nvPr>
+        </p:nvSpPr>
+        <p:spPr/>
+        <p:txBody>
+          <a:bodyPr/>
+          <a:lstStyle/>
+          <a:p>
+            <a:endParaRPr kumimoji="1" lang="zh-CN" altLang="en-US"/>
+          </a:p>
+        </p:txBody>
+      </p:sp>
+      <p:pic>
+        <p:nvPicPr>
+          <p:cNvPr id="4" name="图片 3">
+            <a:extLst>
+              <a:ext uri="{FF2B5EF4-FFF2-40B4-BE49-F238E27FC236}">
+                <a16:creationId xmlns:a16="http://schemas.microsoft.com/office/drawing/2014/main" id="{1A2EEED1-31BF-A544-93D7-6A41E9D05F37}"/>
+              </a:ext>
+            </a:extLst>
+          </p:cNvPr>
+          <p:cNvPicPr>
+            <a:picLocks noChangeAspect="1"/>
+          </p:cNvPicPr>
+          <p:nvPr/>
+        </p:nvPicPr>
+        <p:blipFill>
+          <a:blip r:embed="rId2"/>
+          <a:stretch>
+            <a:fillRect/>
+          </a:stretch>
+        </p:blipFill>
+        <p:spPr>
+          <a:xfrm>
+            <a:off x="2470151" y="1905000"/>
+            <a:ext cx="9173516" cy="4006222"/>
+          </a:xfrm>
+          <a:prstGeom prst="rect">
+            <a:avLst/>
+          </a:prstGeom>
+        </p:spPr>
+      </p:pic>
+    </p:spTree>
+    <p:extLst>
+      <p:ext uri="{BB962C8B-B14F-4D97-AF65-F5344CB8AC3E}">
+        <p14:creationId xmlns:p14="http://schemas.microsoft.com/office/powerpoint/2010/main" val="3562494925"/>
+      </p:ext>
+    </p:extLst>
+  </p:cSld>
+  <p:clrMapOvr>
+    <a:masterClrMapping/>
+  </p:clrMapOvr>
+</p:sld>
+</file>
+
+<file path=ppt/slides/slide14.xml><?xml version="1.0" encoding="utf-8"?>
+<p:sld xmlns:a="http://schemas.openxmlformats.org/drawingml/2006/main" xmlns:r="http://schemas.openxmlformats.org/officeDocument/2006/relationships" xmlns:p="http://schemas.openxmlformats.org/presentationml/2006/main">
+  <p:cSld>
+    <p:spTree>
+      <p:nvGrpSpPr>
+        <p:cNvPr id="1" name=""/>
+        <p:cNvGrpSpPr/>
+        <p:nvPr/>
+      </p:nvGrpSpPr>
+      <p:grpSpPr>
+        <a:xfrm>
+          <a:off x="0" y="0"/>
+          <a:ext cx="0" cy="0"/>
+          <a:chOff x="0" y="0"/>
+          <a:chExt cx="0" cy="0"/>
+        </a:xfrm>
+      </p:grpSpPr>
+      <p:sp>
+        <p:nvSpPr>
+          <p:cNvPr id="2" name="标题 1">
+            <a:extLst>
+              <a:ext uri="{FF2B5EF4-FFF2-40B4-BE49-F238E27FC236}">
+                <a16:creationId xmlns:a16="http://schemas.microsoft.com/office/drawing/2014/main" id="{700290D1-9583-8848-8996-818D7BCA2F85}"/>
+              </a:ext>
+            </a:extLst>
+          </p:cNvPr>
+          <p:cNvSpPr>
+            <a:spLocks noGrp="1"/>
+          </p:cNvSpPr>
+          <p:nvPr>
+            <p:ph type="title"/>
+          </p:nvPr>
+        </p:nvSpPr>
+        <p:spPr/>
+        <p:txBody>
+          <a:bodyPr/>
+          <a:lstStyle/>
+          <a:p>
+            <a:r>
+              <a:rPr kumimoji="1" lang="en-US" altLang="zh-CN" dirty="0"/>
+              <a:t>Limitation</a:t>
+            </a:r>
+            <a:endParaRPr kumimoji="1" lang="zh-CN" altLang="en-US" dirty="0"/>
+          </a:p>
+        </p:txBody>
+      </p:sp>
+      <p:sp>
+        <p:nvSpPr>
+          <p:cNvPr id="3" name="内容占位符 2">
+            <a:extLst>
+              <a:ext uri="{FF2B5EF4-FFF2-40B4-BE49-F238E27FC236}">
+                <a16:creationId xmlns:a16="http://schemas.microsoft.com/office/drawing/2014/main" id="{D25EF003-68BE-2245-9273-10F1DD30783E}"/>
+              </a:ext>
+            </a:extLst>
+          </p:cNvPr>
+          <p:cNvSpPr>
+            <a:spLocks noGrp="1"/>
+          </p:cNvSpPr>
+          <p:nvPr>
+            <p:ph idx="1"/>
+          </p:nvPr>
+        </p:nvSpPr>
+        <p:spPr/>
+        <p:txBody>
+          <a:bodyPr>
+            <a:normAutofit/>
+          </a:bodyPr>
+          <a:lstStyle/>
+          <a:p>
+            <a:pPr>
+              <a:lnSpc>
+                <a:spcPct val="150000"/>
+              </a:lnSpc>
+            </a:pPr>
+            <a:r>
+              <a:rPr kumimoji="1" lang="en-US" altLang="zh-CN" sz="2800" dirty="0"/>
+              <a:t>Full-virtualization </a:t>
+            </a:r>
+          </a:p>
+          <a:p>
+            <a:pPr lvl="1">
+              <a:lnSpc>
+                <a:spcPct val="150000"/>
+              </a:lnSpc>
+            </a:pPr>
+            <a:r>
+              <a:rPr kumimoji="1" lang="en-US" altLang="zh-CN" sz="2000" dirty="0"/>
+              <a:t>40X slower</a:t>
+            </a:r>
+          </a:p>
+          <a:p>
+            <a:pPr>
+              <a:lnSpc>
+                <a:spcPct val="150000"/>
+              </a:lnSpc>
+            </a:pPr>
+            <a:r>
+              <a:rPr kumimoji="1" lang="en-US" altLang="zh-CN" sz="2400" dirty="0"/>
+              <a:t>Para-virtualization</a:t>
+            </a:r>
+          </a:p>
+          <a:p>
+            <a:pPr lvl="1">
+              <a:lnSpc>
+                <a:spcPct val="150000"/>
+              </a:lnSpc>
+            </a:pPr>
+            <a:r>
+              <a:rPr kumimoji="1" lang="en-US" altLang="zh-CN" sz="2000" dirty="0"/>
+              <a:t>2~3X slower</a:t>
+            </a:r>
+          </a:p>
+          <a:p>
+            <a:pPr>
+              <a:lnSpc>
+                <a:spcPct val="150000"/>
+              </a:lnSpc>
+            </a:pPr>
+            <a:r>
+              <a:rPr kumimoji="1" lang="en-US" altLang="zh-CN" sz="2400" dirty="0"/>
+              <a:t>Scale performance</a:t>
+            </a:r>
+          </a:p>
+          <a:p>
+            <a:pPr lvl="1">
+              <a:lnSpc>
+                <a:spcPct val="150000"/>
+              </a:lnSpc>
+            </a:pPr>
+            <a:r>
+              <a:rPr kumimoji="1" lang="en-US" altLang="zh-CN" sz="2000" dirty="0"/>
+              <a:t>Large overhead in 4- and 8- VM case</a:t>
+            </a:r>
+            <a:endParaRPr kumimoji="1" lang="zh-CN" altLang="en-US" sz="2000" dirty="0"/>
+          </a:p>
+        </p:txBody>
+      </p:sp>
+    </p:spTree>
+    <p:extLst>
+      <p:ext uri="{BB962C8B-B14F-4D97-AF65-F5344CB8AC3E}">
+        <p14:creationId xmlns:p14="http://schemas.microsoft.com/office/powerpoint/2010/main" val="1195723907"/>
+      </p:ext>
+    </p:extLst>
+  </p:cSld>
+  <p:clrMapOvr>
+    <a:masterClrMapping/>
+  </p:clrMapOvr>
+</p:sld>
+</file>
+
+<file path=ppt/slides/slide15.xml><?xml version="1.0" encoding="utf-8"?>
+<p:sld xmlns:a="http://schemas.openxmlformats.org/drawingml/2006/main" xmlns:r="http://schemas.openxmlformats.org/officeDocument/2006/relationships" xmlns:p="http://schemas.openxmlformats.org/presentationml/2006/main">
+  <p:cSld>
+    <p:spTree>
+      <p:nvGrpSpPr>
+        <p:cNvPr id="1" name=""/>
+        <p:cNvGrpSpPr/>
+        <p:nvPr/>
+      </p:nvGrpSpPr>
+      <p:grpSpPr>
+        <a:xfrm>
+          <a:off x="0" y="0"/>
+          <a:ext cx="0" cy="0"/>
+          <a:chOff x="0" y="0"/>
+          <a:chExt cx="0" cy="0"/>
+        </a:xfrm>
+      </p:grpSpPr>
+      <p:sp>
+        <p:nvSpPr>
+          <p:cNvPr id="2" name="标题 1">
+            <a:extLst>
+              <a:ext uri="{FF2B5EF4-FFF2-40B4-BE49-F238E27FC236}">
+                <a16:creationId xmlns:a16="http://schemas.microsoft.com/office/drawing/2014/main" id="{157F6333-FDDA-1041-864D-00951AEE2A8D}"/>
+              </a:ext>
+            </a:extLst>
+          </p:cNvPr>
+          <p:cNvSpPr>
+            <a:spLocks noGrp="1"/>
+          </p:cNvSpPr>
+          <p:nvPr>
+            <p:ph type="title"/>
+          </p:nvPr>
+        </p:nvSpPr>
+        <p:spPr/>
+        <p:txBody>
+          <a:bodyPr>
+            <a:normAutofit fontScale="90000"/>
+          </a:bodyPr>
+          <a:lstStyle/>
+          <a:p>
+            <a:r>
+              <a:rPr lang="en-US" altLang="zh-CN" dirty="0"/>
+              <a:t>Locating Cache Performance Bottlenecks Using Data Profiling (</a:t>
+            </a:r>
+            <a:r>
+              <a:rPr lang="en-US" altLang="zh-CN" dirty="0" err="1"/>
+              <a:t>EuroSys</a:t>
+            </a:r>
+            <a:r>
+              <a:rPr lang="en-US" altLang="zh-CN" dirty="0"/>
+              <a:t> 2010)</a:t>
+            </a:r>
+            <a:br>
+              <a:rPr lang="en-US" altLang="zh-CN" dirty="0"/>
+            </a:br>
+            <a:endParaRPr kumimoji="1" lang="zh-CN" altLang="en-US" dirty="0"/>
+          </a:p>
+        </p:txBody>
+      </p:sp>
+      <p:sp>
+        <p:nvSpPr>
+          <p:cNvPr id="3" name="内容占位符 2">
+            <a:extLst>
+              <a:ext uri="{FF2B5EF4-FFF2-40B4-BE49-F238E27FC236}">
+                <a16:creationId xmlns:a16="http://schemas.microsoft.com/office/drawing/2014/main" id="{59A53ADA-A82E-C844-8E5D-D74933CA2EF1}"/>
+              </a:ext>
+            </a:extLst>
+          </p:cNvPr>
+          <p:cNvSpPr>
+            <a:spLocks noGrp="1"/>
+          </p:cNvSpPr>
+          <p:nvPr>
+            <p:ph idx="1"/>
+          </p:nvPr>
+        </p:nvSpPr>
+        <p:spPr/>
+        <p:txBody>
+          <a:bodyPr>
+            <a:normAutofit/>
+          </a:bodyPr>
+          <a:lstStyle/>
+          <a:p>
+            <a:r>
+              <a:rPr lang="en-US" altLang="zh-CN" sz="2400" dirty="0"/>
+              <a:t>Aleksey </a:t>
+            </a:r>
+            <a:r>
+              <a:rPr lang="en-US" altLang="zh-CN" sz="2400" dirty="0" err="1"/>
+              <a:t>Pesterev</a:t>
+            </a:r>
+            <a:r>
+              <a:rPr lang="en-US" altLang="zh-CN" sz="2400" dirty="0"/>
+              <a:t> , </a:t>
+            </a:r>
+            <a:r>
+              <a:rPr lang="en-US" altLang="zh-CN" sz="2400" dirty="0" err="1"/>
+              <a:t>Nickolai</a:t>
+            </a:r>
+            <a:r>
+              <a:rPr lang="en-US" altLang="zh-CN" sz="2400" dirty="0"/>
+              <a:t> </a:t>
+            </a:r>
+            <a:r>
+              <a:rPr lang="en-US" altLang="zh-CN" sz="2400" dirty="0" err="1"/>
+              <a:t>Zeldovich</a:t>
+            </a:r>
+            <a:r>
+              <a:rPr lang="en-US" altLang="zh-CN" sz="2400" dirty="0"/>
+              <a:t> , Robert T. Morris </a:t>
+            </a:r>
+          </a:p>
+          <a:p>
+            <a:r>
+              <a:rPr lang="en-US" altLang="zh-CN" sz="2400" dirty="0"/>
+              <a:t>MIT Parallel &amp; Distributed Operating Systems Group</a:t>
+            </a:r>
+          </a:p>
+          <a:p>
+            <a:r>
+              <a:rPr lang="en-US" altLang="zh-CN" sz="2400" dirty="0" err="1"/>
+              <a:t>Nickolai</a:t>
+            </a:r>
+            <a:r>
+              <a:rPr lang="en-US" altLang="zh-CN" sz="2400" dirty="0"/>
+              <a:t> </a:t>
+            </a:r>
+            <a:r>
+              <a:rPr lang="en-US" altLang="zh-CN" sz="2400" dirty="0" err="1"/>
+              <a:t>Zeldovich</a:t>
+            </a:r>
+            <a:r>
+              <a:rPr lang="en-US" altLang="zh-CN" sz="2400" dirty="0"/>
+              <a:t> </a:t>
+            </a:r>
+          </a:p>
+          <a:p>
+            <a:pPr lvl="1"/>
+            <a:r>
+              <a:rPr lang="en-US" altLang="zh-CN" sz="2200" dirty="0"/>
+              <a:t>building practical secure systems</a:t>
+            </a:r>
+          </a:p>
+          <a:p>
+            <a:r>
+              <a:rPr lang="en-US" altLang="zh-CN" sz="2400" dirty="0"/>
+              <a:t>Robert T. Morris </a:t>
+            </a:r>
+            <a:endParaRPr lang="zh-CN" altLang="en-US" sz="2400" dirty="0"/>
+          </a:p>
+          <a:p>
+            <a:pPr lvl="1"/>
+            <a:r>
+              <a:rPr lang="en-US" altLang="zh-CN" sz="2200" dirty="0"/>
+              <a:t>Linux kernel scalability on multicore machines</a:t>
+            </a:r>
+            <a:endParaRPr lang="zh-CN" altLang="en-US" sz="2200" dirty="0"/>
+          </a:p>
+        </p:txBody>
+      </p:sp>
+    </p:spTree>
+    <p:extLst>
+      <p:ext uri="{BB962C8B-B14F-4D97-AF65-F5344CB8AC3E}">
+        <p14:creationId xmlns:p14="http://schemas.microsoft.com/office/powerpoint/2010/main" val="4241339407"/>
+      </p:ext>
+    </p:extLst>
+  </p:cSld>
+  <p:clrMapOvr>
+    <a:masterClrMapping/>
+  </p:clrMapOvr>
+</p:sld>
+</file>
+
+<file path=ppt/slides/slide16.xml><?xml version="1.0" encoding="utf-8"?>
+<p:sld xmlns:a="http://schemas.openxmlformats.org/drawingml/2006/main" xmlns:r="http://schemas.openxmlformats.org/officeDocument/2006/relationships" xmlns:p="http://schemas.openxmlformats.org/presentationml/2006/main">
+  <p:cSld>
+    <p:spTree>
+      <p:nvGrpSpPr>
+        <p:cNvPr id="1" name=""/>
+        <p:cNvGrpSpPr/>
+        <p:nvPr/>
+      </p:nvGrpSpPr>
+      <p:grpSpPr>
+        <a:xfrm>
+          <a:off x="0" y="0"/>
+          <a:ext cx="0" cy="0"/>
+          <a:chOff x="0" y="0"/>
+          <a:chExt cx="0" cy="0"/>
+        </a:xfrm>
+      </p:grpSpPr>
+      <p:sp>
+        <p:nvSpPr>
+          <p:cNvPr id="2" name="标题 1">
+            <a:extLst>
+              <a:ext uri="{FF2B5EF4-FFF2-40B4-BE49-F238E27FC236}">
+                <a16:creationId xmlns:a16="http://schemas.microsoft.com/office/drawing/2014/main" id="{63BC0356-FCFD-6C40-9522-665CA15015A4}"/>
+              </a:ext>
+            </a:extLst>
+          </p:cNvPr>
+          <p:cNvSpPr>
+            <a:spLocks noGrp="1"/>
+          </p:cNvSpPr>
+          <p:nvPr>
+            <p:ph type="title"/>
+          </p:nvPr>
+        </p:nvSpPr>
+        <p:spPr/>
+        <p:txBody>
+          <a:bodyPr/>
+          <a:lstStyle/>
+          <a:p>
+            <a:r>
+              <a:rPr kumimoji="1" lang="en-US" altLang="zh-CN" dirty="0"/>
+              <a:t>Background</a:t>
+            </a:r>
+            <a:endParaRPr kumimoji="1" lang="zh-CN" altLang="en-US" dirty="0"/>
+          </a:p>
+        </p:txBody>
+      </p:sp>
+      <p:sp>
+        <p:nvSpPr>
+          <p:cNvPr id="3" name="内容占位符 2">
+            <a:extLst>
+              <a:ext uri="{FF2B5EF4-FFF2-40B4-BE49-F238E27FC236}">
+                <a16:creationId xmlns:a16="http://schemas.microsoft.com/office/drawing/2014/main" id="{6E777180-43D7-2043-90F4-E694874598D9}"/>
+              </a:ext>
+            </a:extLst>
+          </p:cNvPr>
+          <p:cNvSpPr>
+            <a:spLocks noGrp="1"/>
+          </p:cNvSpPr>
+          <p:nvPr>
+            <p:ph idx="1"/>
+          </p:nvPr>
+        </p:nvSpPr>
+        <p:spPr/>
+        <p:txBody>
+          <a:bodyPr/>
+          <a:lstStyle/>
+          <a:p>
+            <a:r>
+              <a:rPr lang="en-US" altLang="zh-CN" sz="2800" dirty="0"/>
+              <a:t>Typical profilers attribute costs to specific code locations </a:t>
+            </a:r>
+          </a:p>
+          <a:p>
+            <a:endParaRPr lang="en-US" altLang="zh-CN" sz="2800" dirty="0"/>
+          </a:p>
+          <a:p>
+            <a:r>
+              <a:rPr lang="zh-CN" altLang="en-US" sz="2800" dirty="0"/>
+              <a:t> </a:t>
+            </a:r>
+            <a:r>
+              <a:rPr lang="en-US" altLang="zh-CN" sz="2800" dirty="0"/>
+              <a:t>cache miss spread over instructions easily appear insignificant</a:t>
+            </a:r>
+          </a:p>
+          <a:p>
+            <a:endParaRPr kumimoji="1" lang="en-US" altLang="zh-CN" sz="2400" dirty="0"/>
+          </a:p>
+          <a:p>
+            <a:endParaRPr kumimoji="1" lang="zh-CN" altLang="en-US" dirty="0"/>
+          </a:p>
+        </p:txBody>
+      </p:sp>
+    </p:spTree>
+    <p:extLst>
+      <p:ext uri="{BB962C8B-B14F-4D97-AF65-F5344CB8AC3E}">
+        <p14:creationId xmlns:p14="http://schemas.microsoft.com/office/powerpoint/2010/main" val="3474100074"/>
+      </p:ext>
+    </p:extLst>
+  </p:cSld>
+  <p:clrMapOvr>
+    <a:masterClrMapping/>
+  </p:clrMapOvr>
+</p:sld>
+</file>
+
+<file path=ppt/slides/slide17.xml><?xml version="1.0" encoding="utf-8"?>
+<p:sld xmlns:a="http://schemas.openxmlformats.org/drawingml/2006/main" xmlns:r="http://schemas.openxmlformats.org/officeDocument/2006/relationships" xmlns:p="http://schemas.openxmlformats.org/presentationml/2006/main">
+  <p:cSld>
+    <p:spTree>
+      <p:nvGrpSpPr>
+        <p:cNvPr id="1" name=""/>
+        <p:cNvGrpSpPr/>
+        <p:nvPr/>
+      </p:nvGrpSpPr>
+      <p:grpSpPr>
+        <a:xfrm>
+          <a:off x="0" y="0"/>
+          <a:ext cx="0" cy="0"/>
+          <a:chOff x="0" y="0"/>
+          <a:chExt cx="0" cy="0"/>
+        </a:xfrm>
+      </p:grpSpPr>
+      <p:sp>
+        <p:nvSpPr>
+          <p:cNvPr id="2" name="标题 1">
+            <a:extLst>
+              <a:ext uri="{FF2B5EF4-FFF2-40B4-BE49-F238E27FC236}">
+                <a16:creationId xmlns:a16="http://schemas.microsoft.com/office/drawing/2014/main" id="{410C541A-5AFE-DB4C-99CE-78889148FA3E}"/>
+              </a:ext>
+            </a:extLst>
+          </p:cNvPr>
+          <p:cNvSpPr>
+            <a:spLocks noGrp="1"/>
+          </p:cNvSpPr>
+          <p:nvPr>
+            <p:ph type="title"/>
+          </p:nvPr>
+        </p:nvSpPr>
+        <p:spPr/>
+        <p:txBody>
+          <a:bodyPr/>
+          <a:lstStyle/>
+          <a:p>
+            <a:r>
+              <a:rPr kumimoji="1" lang="en-US" altLang="zh-Hans" dirty="0" err="1"/>
+              <a:t>DProf</a:t>
+            </a:r>
+            <a:endParaRPr kumimoji="1" lang="zh-CN" altLang="en-US" dirty="0"/>
+          </a:p>
+        </p:txBody>
+      </p:sp>
+      <p:sp>
+        <p:nvSpPr>
+          <p:cNvPr id="3" name="内容占位符 2">
+            <a:extLst>
+              <a:ext uri="{FF2B5EF4-FFF2-40B4-BE49-F238E27FC236}">
+                <a16:creationId xmlns:a16="http://schemas.microsoft.com/office/drawing/2014/main" id="{E42E62F1-578D-9642-B60D-E8D82E999C53}"/>
+              </a:ext>
+            </a:extLst>
+          </p:cNvPr>
+          <p:cNvSpPr>
+            <a:spLocks noGrp="1"/>
+          </p:cNvSpPr>
+          <p:nvPr>
+            <p:ph idx="1"/>
+          </p:nvPr>
+        </p:nvSpPr>
+        <p:spPr/>
+        <p:txBody>
+          <a:bodyPr/>
+          <a:lstStyle/>
+          <a:p>
+            <a:r>
+              <a:rPr lang="en-US" altLang="zh-Hans" sz="2400" dirty="0"/>
+              <a:t>Understand cache miss costs by attributing misses to data types</a:t>
+            </a:r>
+            <a:endParaRPr lang="en-US" altLang="zh-CN" sz="2400" dirty="0"/>
+          </a:p>
+          <a:p>
+            <a:endParaRPr lang="en-US" altLang="zh-CN" sz="2400" dirty="0"/>
+          </a:p>
+          <a:p>
+            <a:r>
+              <a:rPr lang="en-US" altLang="zh-CN" sz="2400" dirty="0"/>
+              <a:t>Views of cache miss data, including a </a:t>
+            </a:r>
+            <a:r>
+              <a:rPr lang="en-US" altLang="zh-CN" sz="2400" dirty="0">
+                <a:solidFill>
+                  <a:srgbClr val="FF0000"/>
+                </a:solidFill>
+              </a:rPr>
+              <a:t>D</a:t>
+            </a:r>
+            <a:r>
+              <a:rPr lang="en-US" altLang="zh-CN" sz="2400" dirty="0"/>
+              <a:t>ata </a:t>
+            </a:r>
+            <a:r>
+              <a:rPr lang="en-US" altLang="zh-CN" sz="2400" dirty="0">
+                <a:solidFill>
+                  <a:srgbClr val="FF0000"/>
+                </a:solidFill>
+              </a:rPr>
+              <a:t>Prof</a:t>
+            </a:r>
+            <a:r>
+              <a:rPr lang="en-US" altLang="zh-CN" sz="2400" dirty="0"/>
+              <a:t>ile</a:t>
+            </a:r>
+          </a:p>
+          <a:p>
+            <a:endParaRPr kumimoji="1" lang="en-US" altLang="zh-CN" dirty="0"/>
+          </a:p>
+          <a:p>
+            <a:endParaRPr kumimoji="1" lang="zh-CN" altLang="en-US" dirty="0"/>
+          </a:p>
+        </p:txBody>
+      </p:sp>
+    </p:spTree>
+    <p:extLst>
+      <p:ext uri="{BB962C8B-B14F-4D97-AF65-F5344CB8AC3E}">
+        <p14:creationId xmlns:p14="http://schemas.microsoft.com/office/powerpoint/2010/main" val="967432835"/>
+      </p:ext>
+    </p:extLst>
+  </p:cSld>
+  <p:clrMapOvr>
+    <a:masterClrMapping/>
+  </p:clrMapOvr>
+</p:sld>
+</file>
+
+<file path=ppt/slides/slide18.xml><?xml version="1.0" encoding="utf-8"?>
+<p:sld xmlns:a="http://schemas.openxmlformats.org/drawingml/2006/main" xmlns:r="http://schemas.openxmlformats.org/officeDocument/2006/relationships" xmlns:p="http://schemas.openxmlformats.org/presentationml/2006/main">
+  <p:cSld>
+    <p:spTree>
+      <p:nvGrpSpPr>
+        <p:cNvPr id="1" name=""/>
+        <p:cNvGrpSpPr/>
+        <p:nvPr/>
+      </p:nvGrpSpPr>
+      <p:grpSpPr>
+        <a:xfrm>
+          <a:off x="0" y="0"/>
+          <a:ext cx="0" cy="0"/>
+          <a:chOff x="0" y="0"/>
+          <a:chExt cx="0" cy="0"/>
+        </a:xfrm>
+      </p:grpSpPr>
+      <p:sp>
+        <p:nvSpPr>
+          <p:cNvPr id="2" name="标题 1">
+            <a:extLst>
+              <a:ext uri="{FF2B5EF4-FFF2-40B4-BE49-F238E27FC236}">
                 <a16:creationId xmlns:a16="http://schemas.microsoft.com/office/drawing/2014/main" id="{539AB794-E3A4-9740-977C-66776AE67A28}"/>
               </a:ext>
             </a:extLst>
@@ -9863,9 +9762,10 @@
           <a:lstStyle/>
           <a:p>
             <a:r>
-              <a:rPr kumimoji="1" lang="zh-CN" altLang="en-US" dirty="0"/>
-              <a:t>收集数据</a:t>
-            </a:r>
+              <a:rPr kumimoji="1" lang="en-US" altLang="zh-CN" dirty="0"/>
+              <a:t>Collect</a:t>
+            </a:r>
+            <a:endParaRPr kumimoji="1" lang="zh-CN" altLang="en-US" dirty="0"/>
           </a:p>
         </p:txBody>
       </p:sp>
@@ -9891,17 +9791,39 @@
           <a:lstStyle/>
           <a:p>
             <a:r>
+              <a:rPr kumimoji="1" lang="en-US" altLang="zh-CN" dirty="0"/>
+              <a:t>Path Traces and Address Sets</a:t>
+            </a:r>
+            <a:endParaRPr lang="zh-CN" altLang="en-US" dirty="0"/>
+          </a:p>
+          <a:p>
+            <a:endParaRPr kumimoji="1" lang="en-US" altLang="zh-CN" dirty="0"/>
+          </a:p>
+          <a:p>
+            <a:r>
+              <a:rPr lang="en-US" altLang="zh-CN" dirty="0"/>
+              <a:t>Access samples</a:t>
+            </a:r>
+          </a:p>
+          <a:p>
+            <a:pPr lvl="1"/>
+            <a:r>
+              <a:rPr lang="en-US" altLang="zh-CN" dirty="0"/>
+              <a:t>AMD Instruction Based Sampling (IBS) </a:t>
+            </a:r>
+          </a:p>
+          <a:p>
+            <a:pPr lvl="1"/>
+            <a:endParaRPr kumimoji="1" lang="en-US" altLang="zh-CN" dirty="0"/>
+          </a:p>
+          <a:p>
+            <a:r>
+              <a:rPr lang="en-US" altLang="zh-Hans" dirty="0"/>
+              <a:t>Object access histories</a:t>
+            </a:r>
+            <a:r>
               <a:rPr lang="zh-CN" altLang="en-US" dirty="0"/>
-              <a:t>随机选择一个数据对象集合，并记录每个数据对象从分配到回收的 整个生命周期 </a:t>
-            </a:r>
-          </a:p>
-          <a:p>
-            <a:endParaRPr kumimoji="1" lang="en-US" altLang="zh-CN" dirty="0"/>
-          </a:p>
-          <a:p>
-            <a:r>
-              <a:rPr lang="zh-CN" altLang="en-US" dirty="0"/>
-              <a:t>数据访问样本 </a:t>
+              <a:t> </a:t>
             </a:r>
             <a:endParaRPr lang="en-US" altLang="zh-CN" dirty="0"/>
           </a:p>
@@ -9909,58 +9831,24 @@
             <a:pPr lvl="1"/>
             <a:r>
               <a:rPr lang="en-US" altLang="zh-CN" dirty="0"/>
-              <a:t>AMD </a:t>
-            </a:r>
-            <a:r>
-              <a:rPr lang="zh-CN" altLang="en-US" dirty="0"/>
-              <a:t>基于指令采样的硬件</a:t>
+              <a:t>recording all instruction pointers that access a given object during that object’s lifetime </a:t>
+            </a:r>
+          </a:p>
+          <a:p>
+            <a:pPr lvl="1"/>
+            <a:r>
+              <a:rPr lang="en-US" altLang="zh-CN" dirty="0"/>
+              <a:t>debug registers</a:t>
+            </a:r>
+            <a:r>
+              <a:rPr lang="zh-Hans" altLang="en-US" dirty="0"/>
+              <a:t> </a:t>
+            </a:r>
+            <a:r>
+              <a:rPr lang="en-US" altLang="zh-Hans" dirty="0"/>
+              <a:t>in Intel &amp; AMD</a:t>
             </a:r>
             <a:endParaRPr lang="en-US" altLang="zh-CN" dirty="0"/>
-          </a:p>
-          <a:p>
-            <a:pPr lvl="1"/>
-            <a:r>
-              <a:rPr lang="en-US" altLang="zh-CN" dirty="0"/>
-              <a:t>(instruction-based sampling(IBS) </a:t>
-            </a:r>
-            <a:r>
-              <a:rPr lang="en-US" altLang="zh-CN" dirty="0" err="1"/>
-              <a:t>hareware</a:t>
-            </a:r>
-            <a:r>
-              <a:rPr lang="en-US" altLang="zh-CN" dirty="0"/>
-              <a:t>)</a:t>
-            </a:r>
-            <a:r>
-              <a:rPr lang="zh-Hans" altLang="en-US" dirty="0"/>
-              <a:t>）</a:t>
-            </a:r>
-            <a:endParaRPr lang="zh-CN" altLang="en-US" dirty="0"/>
-          </a:p>
-          <a:p>
-            <a:endParaRPr kumimoji="1" lang="en-US" altLang="zh-CN" dirty="0"/>
-          </a:p>
-          <a:p>
-            <a:r>
-              <a:rPr lang="zh-CN" altLang="en-US" dirty="0"/>
-              <a:t>对象访问历史 </a:t>
-            </a:r>
-            <a:endParaRPr lang="en-US" altLang="zh-CN" dirty="0"/>
-          </a:p>
-          <a:p>
-            <a:pPr lvl="1"/>
-            <a:r>
-              <a:rPr lang="en-US" altLang="zh-CN" dirty="0"/>
-              <a:t>x86 </a:t>
-            </a:r>
-            <a:r>
-              <a:rPr lang="zh-CN" altLang="en-US" dirty="0"/>
-              <a:t>调试寄存处</a:t>
-            </a:r>
-            <a:r>
-              <a:rPr lang="en-US" altLang="zh-CN" dirty="0"/>
-              <a:t>(debug registers) </a:t>
-            </a:r>
           </a:p>
           <a:p>
             <a:endParaRPr lang="zh-CN" altLang="en-US" dirty="0"/>
@@ -9985,7 +9873,7 @@
           <p:nvPr/>
         </p:nvPicPr>
         <p:blipFill>
-          <a:blip r:embed="rId2"/>
+          <a:blip r:embed="rId3"/>
           <a:stretch>
             <a:fillRect/>
           </a:stretch>
@@ -10015,7 +9903,7 @@
           <p:nvPr/>
         </p:nvPicPr>
         <p:blipFill>
-          <a:blip r:embed="rId3"/>
+          <a:blip r:embed="rId4"/>
           <a:stretch>
             <a:fillRect/>
           </a:stretch>
@@ -10043,7 +9931,7 @@
 </p:sld>
 </file>
 
-<file path=ppt/slides/slide13.xml><?xml version="1.0" encoding="utf-8"?>
+<file path=ppt/slides/slide19.xml><?xml version="1.0" encoding="utf-8"?>
 <p:sld xmlns:a="http://schemas.openxmlformats.org/drawingml/2006/main" xmlns:r="http://schemas.openxmlformats.org/officeDocument/2006/relationships" xmlns:p="http://schemas.openxmlformats.org/presentationml/2006/main">
   <p:cSld>
     <p:spTree>
@@ -10082,9 +9970,10 @@
           <a:lstStyle/>
           <a:p>
             <a:r>
-              <a:rPr kumimoji="1" lang="zh-CN" altLang="en-US" dirty="0"/>
-              <a:t>数据整合重点过程</a:t>
-            </a:r>
+              <a:rPr kumimoji="1" lang="en-US" altLang="zh-Hans" dirty="0"/>
+              <a:t>Path Traces</a:t>
+            </a:r>
+            <a:endParaRPr kumimoji="1" lang="zh-CN" altLang="en-US" dirty="0"/>
           </a:p>
         </p:txBody>
       </p:sp>
@@ -10111,11 +10000,7 @@
           <a:p>
             <a:r>
               <a:rPr lang="en-US" altLang="zh-Hans" sz="2400" dirty="0"/>
-              <a:t>Cache</a:t>
-            </a:r>
-            <a:r>
-              <a:rPr lang="zh-CN" altLang="en-US" sz="2400" dirty="0"/>
-              <a:t>模拟</a:t>
+              <a:t>Cache simulation</a:t>
             </a:r>
             <a:endParaRPr lang="en-US" altLang="zh-CN" sz="2400" dirty="0"/>
           </a:p>
@@ -10124,26 +10009,28 @@
           </a:p>
           <a:p>
             <a:r>
-              <a:rPr lang="zh-CN" altLang="en-US" sz="2400" dirty="0"/>
-              <a:t>访问地址解析 </a:t>
-            </a:r>
-            <a:endParaRPr lang="en-US" altLang="zh-CN" sz="2400" dirty="0"/>
+              <a:rPr lang="en-US" altLang="zh-CN" sz="2400" dirty="0"/>
+              <a:t>Address to Type Resolution </a:t>
+            </a:r>
           </a:p>
           <a:p>
             <a:pPr lvl="1"/>
             <a:r>
+              <a:rPr lang="en-US" altLang="zh-CN" sz="2000" dirty="0"/>
+              <a:t>statically-allocated memory </a:t>
+            </a:r>
+            <a:r>
               <a:rPr lang="zh-CN" altLang="en-US" sz="2000" dirty="0"/>
-              <a:t>静态分配 </a:t>
+              <a:t> </a:t>
             </a:r>
             <a:endParaRPr lang="en-US" altLang="zh-CN" sz="2000" dirty="0"/>
           </a:p>
           <a:p>
             <a:pPr lvl="1"/>
             <a:r>
-              <a:rPr lang="zh-CN" altLang="en-US" sz="2000" dirty="0"/>
-              <a:t>动态分配 </a:t>
-            </a:r>
-            <a:endParaRPr lang="en-US" altLang="zh-CN" sz="2000" dirty="0"/>
+              <a:rPr lang="en-US" altLang="zh-CN" sz="2000" dirty="0"/>
+              <a:t>dynamically- allocated </a:t>
+            </a:r>
           </a:p>
           <a:p>
             <a:pPr lvl="1"/>
@@ -10151,9 +10038,11 @@
           </a:p>
           <a:p>
             <a:r>
-              <a:rPr lang="zh-CN" altLang="en-US" sz="2400" dirty="0"/>
-              <a:t>数据类型、路径信息整合</a:t>
-            </a:r>
+              <a:rPr lang="en-US" altLang="zh-CN" sz="2400" dirty="0"/>
+              <a:t>Path Trace Generation </a:t>
+            </a:r>
+          </a:p>
+          <a:p>
             <a:endParaRPr lang="en-US" altLang="zh-CN" sz="2400" dirty="0"/>
           </a:p>
           <a:p>
@@ -10184,7 +10073,7 @@
 </p:sld>
 </file>
 
-<file path=ppt/slides/slide14.xml><?xml version="1.0" encoding="utf-8"?>
+<file path=ppt/slides/slide2.xml><?xml version="1.0" encoding="utf-8"?>
 <p:sld xmlns:a="http://schemas.openxmlformats.org/drawingml/2006/main" xmlns:r="http://schemas.openxmlformats.org/officeDocument/2006/relationships" xmlns:p="http://schemas.openxmlformats.org/presentationml/2006/main">
   <p:cSld>
     <p:spTree>
@@ -10206,7 +10095,7 @@
           <p:cNvPr id="2" name="标题 1">
             <a:extLst>
               <a:ext uri="{FF2B5EF4-FFF2-40B4-BE49-F238E27FC236}">
-                <a16:creationId xmlns:a16="http://schemas.microsoft.com/office/drawing/2014/main" id="{B3D71501-0C8A-104C-BAE6-DE76DA535688}"/>
+                <a16:creationId xmlns:a16="http://schemas.microsoft.com/office/drawing/2014/main" id="{D3A4DDC2-EE27-594F-B8A9-4D368C0270C4}"/>
               </a:ext>
             </a:extLst>
           </p:cNvPr>
@@ -10223,9 +10112,10 @@
           <a:lstStyle/>
           <a:p>
             <a:r>
-              <a:rPr kumimoji="1" lang="zh-CN" altLang="en-US" dirty="0"/>
-              <a:t>视图</a:t>
-            </a:r>
+              <a:rPr kumimoji="1" lang="en-US" altLang="zh-CN" dirty="0"/>
+              <a:t>Papers</a:t>
+            </a:r>
+            <a:endParaRPr kumimoji="1" lang="zh-CN" altLang="en-US" dirty="0"/>
           </a:p>
         </p:txBody>
       </p:sp>
@@ -10234,7 +10124,7 @@
           <p:cNvPr id="3" name="内容占位符 2">
             <a:extLst>
               <a:ext uri="{FF2B5EF4-FFF2-40B4-BE49-F238E27FC236}">
-                <a16:creationId xmlns:a16="http://schemas.microsoft.com/office/drawing/2014/main" id="{10C9CFD6-D939-C240-8BE7-13F713087014}"/>
+                <a16:creationId xmlns:a16="http://schemas.microsoft.com/office/drawing/2014/main" id="{AE82EFC9-DE37-ED45-8734-EEA4719A2A0E}"/>
               </a:ext>
             </a:extLst>
           </p:cNvPr>
@@ -10247,73 +10137,81 @@
         </p:nvSpPr>
         <p:spPr/>
         <p:txBody>
-          <a:bodyPr>
-            <a:normAutofit/>
-          </a:bodyPr>
-          <a:lstStyle/>
-          <a:p>
-            <a:r>
-              <a:rPr lang="zh-CN" altLang="en-US" sz="2800" dirty="0"/>
-              <a:t>数据概况</a:t>
-            </a:r>
-            <a:endParaRPr lang="en-US" altLang="zh-CN" sz="2800" dirty="0"/>
-          </a:p>
-          <a:p>
-            <a:pPr lvl="1"/>
-            <a:r>
-              <a:rPr lang="zh-CN" altLang="en-US" sz="1800" dirty="0"/>
-              <a:t>数据类型列 表 </a:t>
-            </a:r>
-            <a:r>
-              <a:rPr lang="zh-CN" altLang="en-US" sz="2400" dirty="0"/>
-              <a:t> </a:t>
-            </a:r>
-          </a:p>
-          <a:p>
-            <a:r>
-              <a:rPr lang="zh-CN" altLang="en-US" sz="2800" dirty="0"/>
-              <a:t>缺失分类 </a:t>
-            </a:r>
-            <a:endParaRPr lang="en-US" altLang="zh-CN" sz="2800" dirty="0"/>
-          </a:p>
-          <a:p>
-            <a:pPr lvl="1"/>
-            <a:r>
-              <a:rPr lang="zh-CN" altLang="en-US" sz="1800" dirty="0"/>
-              <a:t>每种数据类型的主要缺失原因 </a:t>
-            </a:r>
-            <a:endParaRPr lang="zh-CN" altLang="en-US" sz="2400" dirty="0"/>
-          </a:p>
-          <a:p>
-            <a:r>
-              <a:rPr lang="zh-CN" altLang="en-US" sz="2800" dirty="0"/>
-              <a:t>工作集 </a:t>
-            </a:r>
-            <a:endParaRPr lang="en-US" altLang="zh-CN" sz="2800" dirty="0"/>
-          </a:p>
-          <a:p>
-            <a:pPr lvl="1"/>
-            <a:r>
-              <a:rPr lang="zh-CN" altLang="en-US" sz="1800" dirty="0"/>
-              <a:t>活跃数据类型，</a:t>
-            </a:r>
-            <a:r>
-              <a:rPr lang="en-US" altLang="zh-CN" sz="1800" dirty="0"/>
-              <a:t> cache </a:t>
-            </a:r>
-            <a:r>
-              <a:rPr lang="zh-CN" altLang="en-US" sz="1800" dirty="0"/>
-              <a:t>关联组 </a:t>
-            </a:r>
-            <a:endParaRPr lang="zh-CN" altLang="en-US" sz="2400" dirty="0"/>
-          </a:p>
-          <a:p>
-            <a:r>
-              <a:rPr lang="zh-CN" altLang="en-US" sz="2800" dirty="0"/>
-              <a:t>数据流</a:t>
-            </a:r>
-          </a:p>
-          <a:p>
+          <a:bodyPr/>
+          <a:lstStyle/>
+          <a:p>
+            <a:pPr>
+              <a:lnSpc>
+                <a:spcPct val="150000"/>
+              </a:lnSpc>
+            </a:pPr>
+            <a:r>
+              <a:rPr kumimoji="1" lang="en-US" altLang="zh-CN" dirty="0" err="1"/>
+              <a:t>Hyperkernel</a:t>
+            </a:r>
+            <a:r>
+              <a:rPr kumimoji="1" lang="en-US" altLang="zh-CN" dirty="0"/>
+              <a:t>: Push-Button Verification of an OS Kernel</a:t>
+            </a:r>
+          </a:p>
+          <a:p>
+            <a:pPr>
+              <a:lnSpc>
+                <a:spcPct val="150000"/>
+              </a:lnSpc>
+            </a:pPr>
+            <a:r>
+              <a:rPr kumimoji="1" lang="en-US" altLang="zh-CN" dirty="0"/>
+              <a:t>The Scalable Commutativity Rule Designing Scalable Software for Multicore Processors</a:t>
+            </a:r>
+          </a:p>
+          <a:p>
+            <a:pPr>
+              <a:lnSpc>
+                <a:spcPct val="150000"/>
+              </a:lnSpc>
+            </a:pPr>
+            <a:r>
+              <a:rPr kumimoji="1" lang="en-US" altLang="zh-CN" dirty="0" err="1"/>
+              <a:t>GPUvm</a:t>
+            </a:r>
+            <a:r>
+              <a:rPr kumimoji="1" lang="en-US" altLang="zh-CN" dirty="0"/>
+              <a:t>: Why Not Virtualizing GPUs at the Hypervisor</a:t>
+            </a:r>
+          </a:p>
+          <a:p>
+            <a:pPr>
+              <a:lnSpc>
+                <a:spcPct val="150000"/>
+              </a:lnSpc>
+            </a:pPr>
+            <a:r>
+              <a:rPr kumimoji="1" lang="en-US" altLang="zh-CN" dirty="0"/>
+              <a:t>Locating Cache Performance Bottlenecks Using Data Profiling</a:t>
+            </a:r>
+          </a:p>
+          <a:p>
+            <a:pPr>
+              <a:lnSpc>
+                <a:spcPct val="150000"/>
+              </a:lnSpc>
+            </a:pPr>
+            <a:r>
+              <a:rPr kumimoji="1" lang="en-US" altLang="zh-CN" dirty="0"/>
+              <a:t>My VM is Lighter (and Safer) than your Container</a:t>
+            </a:r>
+          </a:p>
+          <a:p>
+            <a:pPr>
+              <a:lnSpc>
+                <a:spcPct val="150000"/>
+              </a:lnSpc>
+            </a:pPr>
+            <a:r>
+              <a:rPr kumimoji="1" lang="en-US" altLang="zh-CN" dirty="0"/>
+              <a:t>RID Finding Reference Count Bugs with Inconsistent Path Pair Checking</a:t>
+            </a:r>
             <a:endParaRPr kumimoji="1" lang="zh-CN" altLang="en-US" dirty="0"/>
           </a:p>
         </p:txBody>
@@ -10321,7 +10219,7 @@
     </p:spTree>
     <p:extLst>
       <p:ext uri="{BB962C8B-B14F-4D97-AF65-F5344CB8AC3E}">
-        <p14:creationId xmlns:p14="http://schemas.microsoft.com/office/powerpoint/2010/main" val="3714208945"/>
+        <p14:creationId xmlns:p14="http://schemas.microsoft.com/office/powerpoint/2010/main" val="1139779815"/>
       </p:ext>
     </p:extLst>
   </p:cSld>
@@ -10331,7 +10229,7 @@
 </p:sld>
 </file>
 
-<file path=ppt/slides/slide15.xml><?xml version="1.0" encoding="utf-8"?>
+<file path=ppt/slides/slide20.xml><?xml version="1.0" encoding="utf-8"?>
 <p:sld xmlns:a="http://schemas.openxmlformats.org/drawingml/2006/main" xmlns:r="http://schemas.openxmlformats.org/officeDocument/2006/relationships" xmlns:p="http://schemas.openxmlformats.org/presentationml/2006/main">
   <p:cSld>
     <p:spTree>
@@ -10353,7 +10251,7 @@
           <p:cNvPr id="2" name="标题 1">
             <a:extLst>
               <a:ext uri="{FF2B5EF4-FFF2-40B4-BE49-F238E27FC236}">
-                <a16:creationId xmlns:a16="http://schemas.microsoft.com/office/drawing/2014/main" id="{A9C1B38C-F075-5A41-9710-07E571614075}"/>
+                <a16:creationId xmlns:a16="http://schemas.microsoft.com/office/drawing/2014/main" id="{B3D71501-0C8A-104C-BAE6-DE76DA535688}"/>
               </a:ext>
             </a:extLst>
           </p:cNvPr>
@@ -10370,9 +10268,14 @@
           <a:lstStyle/>
           <a:p>
             <a:r>
-              <a:rPr kumimoji="1" lang="zh-CN" altLang="en-US" dirty="0"/>
-              <a:t>实验</a:t>
-            </a:r>
+              <a:rPr kumimoji="1" lang="en-US" altLang="zh-CN" dirty="0" err="1"/>
+              <a:t>DProf</a:t>
+            </a:r>
+            <a:r>
+              <a:rPr kumimoji="1" lang="en-US" altLang="zh-CN" dirty="0"/>
+              <a:t> Views</a:t>
+            </a:r>
+            <a:endParaRPr kumimoji="1" lang="zh-CN" altLang="en-US" dirty="0"/>
           </a:p>
         </p:txBody>
       </p:sp>
@@ -10381,7 +10284,7 @@
           <p:cNvPr id="3" name="内容占位符 2">
             <a:extLst>
               <a:ext uri="{FF2B5EF4-FFF2-40B4-BE49-F238E27FC236}">
-                <a16:creationId xmlns:a16="http://schemas.microsoft.com/office/drawing/2014/main" id="{2D194BC0-2CA9-354B-B9BE-DA02D1366157}"/>
+                <a16:creationId xmlns:a16="http://schemas.microsoft.com/office/drawing/2014/main" id="{10C9CFD6-D939-C240-8BE7-13F713087014}"/>
               </a:ext>
             </a:extLst>
           </p:cNvPr>
@@ -10394,88 +10297,77 @@
         </p:nvSpPr>
         <p:spPr/>
         <p:txBody>
-          <a:bodyPr/>
-          <a:lstStyle/>
-          <a:p>
-            <a:r>
-              <a:rPr lang="en-US" altLang="zh-CN" dirty="0" err="1"/>
-              <a:t>memcached</a:t>
-            </a:r>
-            <a:r>
-              <a:rPr lang="en-US" altLang="zh-CN" dirty="0"/>
+          <a:bodyPr>
+            <a:normAutofit lnSpcReduction="10000"/>
+          </a:bodyPr>
+          <a:lstStyle/>
+          <a:p>
+            <a:r>
+              <a:rPr lang="en-US" altLang="zh-CN" sz="2800" dirty="0"/>
+              <a:t>Data profile</a:t>
+            </a:r>
+          </a:p>
+          <a:p>
+            <a:pPr lvl="1"/>
+            <a:r>
+              <a:rPr lang="en-US" altLang="zh-CN" sz="2400" dirty="0"/>
+              <a:t>a list of data type names, “bounce” between cores </a:t>
+            </a:r>
+            <a:endParaRPr lang="zh-CN" altLang="en-US" sz="2400" dirty="0"/>
+          </a:p>
+          <a:p>
+            <a:r>
+              <a:rPr lang="en-US" altLang="zh-CN" sz="2800" dirty="0"/>
+              <a:t>Miss classification</a:t>
+            </a:r>
+          </a:p>
+          <a:p>
+            <a:pPr lvl="1"/>
+            <a:r>
+              <a:rPr lang="en-US" altLang="zh-CN" sz="2400" dirty="0"/>
+              <a:t>what types of misses are most common for each data type </a:t>
+            </a:r>
+            <a:endParaRPr lang="zh-CN" altLang="en-US" sz="2400" dirty="0"/>
+          </a:p>
+          <a:p>
+            <a:r>
+              <a:rPr lang="en-US" altLang="zh-CN" sz="2800" dirty="0"/>
+              <a:t>Working Set</a:t>
+            </a:r>
+            <a:r>
+              <a:rPr lang="zh-CN" altLang="en-US" sz="2800" dirty="0"/>
               <a:t> </a:t>
             </a:r>
-          </a:p>
-          <a:p>
-            <a:endParaRPr kumimoji="1" lang="en-US" altLang="zh-CN" dirty="0"/>
+            <a:endParaRPr lang="en-US" altLang="zh-CN" sz="2800" dirty="0"/>
           </a:p>
           <a:p>
             <a:pPr lvl="1"/>
             <a:r>
-              <a:rPr lang="en-US" altLang="zh-CN" dirty="0"/>
-              <a:t>dev queue </a:t>
-            </a:r>
-            <a:r>
-              <a:rPr lang="en-US" altLang="zh-CN" dirty="0" err="1"/>
-              <a:t>xmit</a:t>
-            </a:r>
-            <a:r>
-              <a:rPr lang="en-US" altLang="zh-CN" dirty="0"/>
+              <a:rPr lang="en-US" altLang="zh-CN" sz="1800" dirty="0"/>
+              <a:t>Active data types</a:t>
+            </a:r>
+            <a:r>
+              <a:rPr lang="zh-CN" altLang="en-US" sz="1800" dirty="0"/>
+              <a:t>，</a:t>
+            </a:r>
+            <a:r>
+              <a:rPr lang="en-US" altLang="zh-CN" sz="1800" dirty="0"/>
+              <a:t> cache associativity sets </a:t>
+            </a:r>
+            <a:r>
+              <a:rPr lang="zh-CN" altLang="en-US" sz="1800" dirty="0"/>
               <a:t> </a:t>
             </a:r>
-            <a:r>
-              <a:rPr lang="en-US" altLang="zh-Hans" dirty="0"/>
-              <a:t>&amp;</a:t>
-            </a:r>
-            <a:r>
-              <a:rPr lang="zh-Hans" altLang="en-US" dirty="0"/>
-              <a:t> </a:t>
-            </a:r>
-            <a:r>
-              <a:rPr lang="en-US" altLang="zh-CN" dirty="0"/>
-              <a:t>dev hard start </a:t>
-            </a:r>
-            <a:r>
-              <a:rPr lang="en-US" altLang="zh-CN" dirty="0" err="1"/>
-              <a:t>xmit</a:t>
-            </a:r>
-            <a:r>
-              <a:rPr lang="en-US" altLang="zh-CN" dirty="0"/>
-              <a:t> </a:t>
-            </a:r>
-          </a:p>
-          <a:p>
-            <a:pPr lvl="1"/>
-            <a:endParaRPr lang="en-US" altLang="zh-CN" dirty="0"/>
-          </a:p>
-          <a:p>
-            <a:pPr lvl="1"/>
-            <a:r>
-              <a:rPr lang="en-US" altLang="zh-CN" dirty="0" err="1"/>
-              <a:t>skbuffs</a:t>
-            </a:r>
-            <a:r>
-              <a:rPr lang="en-US" altLang="zh-CN" dirty="0"/>
-              <a:t> </a:t>
-            </a:r>
-          </a:p>
-          <a:p>
-            <a:pPr lvl="1"/>
-            <a:endParaRPr lang="en-US" altLang="zh-CN" dirty="0"/>
-          </a:p>
-          <a:p>
-            <a:pPr lvl="1"/>
-            <a:r>
-              <a:rPr lang="zh-CN" altLang="en-US" dirty="0"/>
-              <a:t>性能提高</a:t>
-            </a:r>
-            <a:r>
-              <a:rPr lang="en-US" altLang="zh-CN" dirty="0"/>
-              <a:t>57%</a:t>
-            </a:r>
-          </a:p>
-          <a:p>
-            <a:pPr lvl="1"/>
+            <a:endParaRPr lang="zh-CN" altLang="en-US" sz="2400" dirty="0"/>
+          </a:p>
+          <a:p>
+            <a:r>
+              <a:rPr lang="en-US" altLang="zh-CN" sz="2800" dirty="0"/>
+              <a:t>Data flow</a:t>
+            </a:r>
+            <a:endParaRPr lang="zh-CN" altLang="en-US" sz="2800" dirty="0"/>
+          </a:p>
+          <a:p>
             <a:endParaRPr kumimoji="1" lang="zh-CN" altLang="en-US" dirty="0"/>
           </a:p>
         </p:txBody>
@@ -10483,7 +10375,7 @@
     </p:spTree>
     <p:extLst>
       <p:ext uri="{BB962C8B-B14F-4D97-AF65-F5344CB8AC3E}">
-        <p14:creationId xmlns:p14="http://schemas.microsoft.com/office/powerpoint/2010/main" val="4262602767"/>
+        <p14:creationId xmlns:p14="http://schemas.microsoft.com/office/powerpoint/2010/main" val="3714208945"/>
       </p:ext>
     </p:extLst>
   </p:cSld>
@@ -10493,7 +10385,7 @@
 </p:sld>
 </file>
 
-<file path=ppt/slides/slide16.xml><?xml version="1.0" encoding="utf-8"?>
+<file path=ppt/slides/slide21.xml><?xml version="1.0" encoding="utf-8"?>
 <p:sld xmlns:a="http://schemas.openxmlformats.org/drawingml/2006/main" xmlns:r="http://schemas.openxmlformats.org/officeDocument/2006/relationships" xmlns:p="http://schemas.openxmlformats.org/presentationml/2006/main">
   <p:cSld>
     <p:spTree>
@@ -10515,7 +10407,7 @@
           <p:cNvPr id="2" name="标题 1">
             <a:extLst>
               <a:ext uri="{FF2B5EF4-FFF2-40B4-BE49-F238E27FC236}">
-                <a16:creationId xmlns:a16="http://schemas.microsoft.com/office/drawing/2014/main" id="{C2A7891E-8EBC-A347-B38D-CF9D49751422}"/>
+                <a16:creationId xmlns:a16="http://schemas.microsoft.com/office/drawing/2014/main" id="{A9C1B38C-F075-5A41-9710-07E571614075}"/>
               </a:ext>
             </a:extLst>
           </p:cNvPr>
@@ -10532,9 +10424,10 @@
           <a:lstStyle/>
           <a:p>
             <a:r>
-              <a:rPr kumimoji="1" lang="zh-CN" altLang="en-US" dirty="0"/>
-              <a:t>局限性</a:t>
-            </a:r>
+              <a:rPr kumimoji="1" lang="en-US" altLang="zh-CN" dirty="0"/>
+              <a:t>Experiments</a:t>
+            </a:r>
+            <a:endParaRPr kumimoji="1" lang="zh-CN" altLang="en-US" dirty="0"/>
           </a:p>
         </p:txBody>
       </p:sp>
@@ -10543,7 +10436,7 @@
           <p:cNvPr id="3" name="内容占位符 2">
             <a:extLst>
               <a:ext uri="{FF2B5EF4-FFF2-40B4-BE49-F238E27FC236}">
-                <a16:creationId xmlns:a16="http://schemas.microsoft.com/office/drawing/2014/main" id="{54958881-04E3-7449-AE2E-67B76E9A7E8E}"/>
+                <a16:creationId xmlns:a16="http://schemas.microsoft.com/office/drawing/2014/main" id="{2D194BC0-2CA9-354B-B9BE-DA02D1366157}"/>
               </a:ext>
             </a:extLst>
           </p:cNvPr>
@@ -10560,45 +10453,76 @@
           <a:lstStyle/>
           <a:p>
             <a:r>
-              <a:rPr lang="en-US" altLang="zh-CN" dirty="0" err="1"/>
-              <a:t>DProf</a:t>
-            </a:r>
-            <a:r>
-              <a:rPr lang="en-US" altLang="zh-CN" dirty="0"/>
+              <a:rPr lang="en-US" altLang="zh-CN" sz="2800" dirty="0" err="1"/>
+              <a:t>memcached</a:t>
+            </a:r>
+            <a:r>
+              <a:rPr lang="en-US" altLang="zh-CN" sz="2800" dirty="0"/>
               <a:t> </a:t>
             </a:r>
-            <a:r>
-              <a:rPr lang="zh-CN" altLang="en-US" dirty="0"/>
-              <a:t>受限于 </a:t>
-            </a:r>
-            <a:r>
-              <a:rPr lang="en-US" altLang="zh-CN" dirty="0"/>
-              <a:t>AMD </a:t>
-            </a:r>
-            <a:r>
-              <a:rPr lang="zh-CN" altLang="en-US" dirty="0"/>
-              <a:t>和 </a:t>
-            </a:r>
-            <a:r>
-              <a:rPr lang="en-US" altLang="zh-CN" dirty="0"/>
-              <a:t>Intel </a:t>
-            </a:r>
-            <a:r>
-              <a:rPr lang="zh-CN" altLang="en-US" dirty="0"/>
-              <a:t>的性能检测硬件的数据情况</a:t>
-            </a:r>
-            <a:endParaRPr lang="en-US" altLang="zh-CN" dirty="0"/>
-          </a:p>
-          <a:p>
-            <a:endParaRPr lang="en-US" altLang="zh-CN" dirty="0"/>
-          </a:p>
-          <a:p>
-            <a:r>
-              <a:rPr lang="zh-CN" altLang="en-US" dirty="0"/>
-              <a:t>调试寄存器的数目</a:t>
-            </a:r>
-          </a:p>
-          <a:p>
+          </a:p>
+          <a:p>
+            <a:endParaRPr kumimoji="1" lang="en-US" altLang="zh-CN" sz="2800" dirty="0"/>
+          </a:p>
+          <a:p>
+            <a:pPr lvl="1"/>
+            <a:r>
+              <a:rPr lang="en-US" altLang="zh-CN" sz="2400" dirty="0"/>
+              <a:t>dev queue </a:t>
+            </a:r>
+            <a:r>
+              <a:rPr lang="en-US" altLang="zh-CN" sz="2400" dirty="0" err="1"/>
+              <a:t>xmit</a:t>
+            </a:r>
+            <a:r>
+              <a:rPr lang="en-US" altLang="zh-CN" sz="2400" dirty="0"/>
+              <a:t> </a:t>
+            </a:r>
+            <a:r>
+              <a:rPr lang="en-US" altLang="zh-Hans" sz="2400" dirty="0"/>
+              <a:t>&amp;</a:t>
+            </a:r>
+            <a:r>
+              <a:rPr lang="zh-Hans" altLang="en-US" sz="2400" dirty="0"/>
+              <a:t> </a:t>
+            </a:r>
+            <a:r>
+              <a:rPr lang="en-US" altLang="zh-CN" sz="2400" dirty="0"/>
+              <a:t>dev hard start </a:t>
+            </a:r>
+            <a:r>
+              <a:rPr lang="en-US" altLang="zh-CN" sz="2400" dirty="0" err="1"/>
+              <a:t>xmit</a:t>
+            </a:r>
+            <a:r>
+              <a:rPr lang="en-US" altLang="zh-CN" sz="2400" dirty="0"/>
+              <a:t> </a:t>
+            </a:r>
+          </a:p>
+          <a:p>
+            <a:pPr lvl="1"/>
+            <a:endParaRPr lang="en-US" altLang="zh-CN" sz="2400" dirty="0"/>
+          </a:p>
+          <a:p>
+            <a:pPr lvl="1"/>
+            <a:r>
+              <a:rPr lang="en-US" altLang="zh-CN" sz="2400" dirty="0"/>
+              <a:t>Bounce between cores</a:t>
+            </a:r>
+          </a:p>
+          <a:p>
+            <a:pPr lvl="1"/>
+            <a:endParaRPr lang="en-US" altLang="zh-CN" sz="2400" dirty="0"/>
+          </a:p>
+          <a:p>
+            <a:pPr lvl="1"/>
+            <a:r>
+              <a:rPr lang="en-US" altLang="zh-CN" sz="2400" dirty="0"/>
+              <a:t>Improvement 57%</a:t>
+            </a:r>
+          </a:p>
+          <a:p>
+            <a:pPr lvl="1"/>
             <a:endParaRPr kumimoji="1" lang="zh-CN" altLang="en-US" dirty="0"/>
           </a:p>
         </p:txBody>
@@ -10606,7 +10530,7 @@
     </p:spTree>
     <p:extLst>
       <p:ext uri="{BB962C8B-B14F-4D97-AF65-F5344CB8AC3E}">
-        <p14:creationId xmlns:p14="http://schemas.microsoft.com/office/powerpoint/2010/main" val="926449799"/>
+        <p14:creationId xmlns:p14="http://schemas.microsoft.com/office/powerpoint/2010/main" val="4262602767"/>
       </p:ext>
     </p:extLst>
   </p:cSld>
@@ -10616,7 +10540,7 @@
 </p:sld>
 </file>
 
-<file path=ppt/slides/slide17.xml><?xml version="1.0" encoding="utf-8"?>
+<file path=ppt/slides/slide22.xml><?xml version="1.0" encoding="utf-8"?>
 <p:sld xmlns:a="http://schemas.openxmlformats.org/drawingml/2006/main" xmlns:r="http://schemas.openxmlformats.org/officeDocument/2006/relationships" xmlns:p="http://schemas.openxmlformats.org/presentationml/2006/main">
   <p:cSld>
     <p:spTree>
@@ -10638,7 +10562,7 @@
           <p:cNvPr id="2" name="标题 1">
             <a:extLst>
               <a:ext uri="{FF2B5EF4-FFF2-40B4-BE49-F238E27FC236}">
-                <a16:creationId xmlns:a16="http://schemas.microsoft.com/office/drawing/2014/main" id="{7BB617B5-742D-A441-8C23-3D32883DDBF8}"/>
+                <a16:creationId xmlns:a16="http://schemas.microsoft.com/office/drawing/2014/main" id="{C2A7891E-8EBC-A347-B38D-CF9D49751422}"/>
               </a:ext>
             </a:extLst>
           </p:cNvPr>
@@ -10656,15 +10580,7 @@
           <a:p>
             <a:r>
               <a:rPr kumimoji="1" lang="en-US" altLang="zh-CN" dirty="0"/>
-              <a:t>Lab of </a:t>
-            </a:r>
-            <a:r>
-              <a:rPr kumimoji="1" lang="en-US" altLang="zh-CN" dirty="0" err="1"/>
-              <a:t>HyperKernel</a:t>
-            </a:r>
-            <a:r>
-              <a:rPr kumimoji="1" lang="en-US" altLang="zh-CN" dirty="0"/>
-              <a:t> And Commuter </a:t>
+              <a:t>Limitation</a:t>
             </a:r>
             <a:endParaRPr kumimoji="1" lang="zh-CN" altLang="en-US" dirty="0"/>
           </a:p>
@@ -10675,7 +10591,7 @@
           <p:cNvPr id="3" name="内容占位符 2">
             <a:extLst>
               <a:ext uri="{FF2B5EF4-FFF2-40B4-BE49-F238E27FC236}">
-                <a16:creationId xmlns:a16="http://schemas.microsoft.com/office/drawing/2014/main" id="{CC390280-3C10-4A46-BA20-4F469DA16FC7}"/>
+                <a16:creationId xmlns:a16="http://schemas.microsoft.com/office/drawing/2014/main" id="{54958881-04E3-7449-AE2E-67B76E9A7E8E}"/>
               </a:ext>
             </a:extLst>
           </p:cNvPr>
@@ -10688,31 +10604,33 @@
         </p:nvSpPr>
         <p:spPr/>
         <p:txBody>
-          <a:bodyPr>
-            <a:normAutofit/>
-          </a:bodyPr>
-          <a:lstStyle/>
-          <a:p>
-            <a:r>
-              <a:rPr kumimoji="1" lang="en-US" altLang="zh-CN" sz="2400" dirty="0"/>
-              <a:t>Install and bugs</a:t>
-            </a:r>
-          </a:p>
-          <a:p>
-            <a:endParaRPr kumimoji="1" lang="en-US" altLang="zh-CN" sz="2400" dirty="0"/>
-          </a:p>
-          <a:p>
-            <a:r>
-              <a:rPr kumimoji="1" lang="en-US" altLang="zh-CN" sz="2400" dirty="0"/>
-              <a:t>run</a:t>
-            </a:r>
+          <a:bodyPr/>
+          <a:lstStyle/>
+          <a:p>
+            <a:r>
+              <a:rPr lang="en-US" altLang="zh-CN" sz="2400" dirty="0"/>
+              <a:t>Only AMD Processor</a:t>
+            </a:r>
+          </a:p>
+          <a:p>
+            <a:endParaRPr lang="en-US" altLang="zh-CN" sz="2400" dirty="0"/>
+          </a:p>
+          <a:p>
+            <a:r>
+              <a:rPr lang="en-US" altLang="zh-CN" sz="2400" dirty="0"/>
+              <a:t>Limitation of debug registers</a:t>
+            </a:r>
+            <a:endParaRPr lang="zh-CN" altLang="en-US" sz="2400" dirty="0"/>
+          </a:p>
+          <a:p>
+            <a:endParaRPr kumimoji="1" lang="zh-CN" altLang="en-US" dirty="0"/>
           </a:p>
         </p:txBody>
       </p:sp>
     </p:spTree>
     <p:extLst>
       <p:ext uri="{BB962C8B-B14F-4D97-AF65-F5344CB8AC3E}">
-        <p14:creationId xmlns:p14="http://schemas.microsoft.com/office/powerpoint/2010/main" val="1651792514"/>
+        <p14:creationId xmlns:p14="http://schemas.microsoft.com/office/powerpoint/2010/main" val="926449799"/>
       </p:ext>
     </p:extLst>
   </p:cSld>
@@ -10722,7 +10640,7 @@
 </p:sld>
 </file>
 
-<file path=ppt/slides/slide18.xml><?xml version="1.0" encoding="utf-8"?>
+<file path=ppt/slides/slide23.xml><?xml version="1.0" encoding="utf-8"?>
 <p:sld xmlns:a="http://schemas.openxmlformats.org/drawingml/2006/main" xmlns:r="http://schemas.openxmlformats.org/officeDocument/2006/relationships" xmlns:p="http://schemas.openxmlformats.org/presentationml/2006/main">
   <p:cSld>
     <p:spTree>
@@ -10744,6 +10662,630 @@
           <p:cNvPr id="2" name="标题 1">
             <a:extLst>
               <a:ext uri="{FF2B5EF4-FFF2-40B4-BE49-F238E27FC236}">
+                <a16:creationId xmlns:a16="http://schemas.microsoft.com/office/drawing/2014/main" id="{7BB617B5-742D-A441-8C23-3D32883DDBF8}"/>
+              </a:ext>
+            </a:extLst>
+          </p:cNvPr>
+          <p:cNvSpPr>
+            <a:spLocks noGrp="1"/>
+          </p:cNvSpPr>
+          <p:nvPr>
+            <p:ph type="title"/>
+          </p:nvPr>
+        </p:nvSpPr>
+        <p:spPr/>
+        <p:txBody>
+          <a:bodyPr/>
+          <a:lstStyle/>
+          <a:p>
+            <a:r>
+              <a:rPr kumimoji="1" lang="en-US" altLang="zh-CN" dirty="0"/>
+              <a:t>Lab of </a:t>
+            </a:r>
+            <a:r>
+              <a:rPr kumimoji="1" lang="en-US" altLang="zh-CN" dirty="0" err="1"/>
+              <a:t>HyperKernel</a:t>
+            </a:r>
+            <a:r>
+              <a:rPr kumimoji="1" lang="en-US" altLang="zh-CN" dirty="0"/>
+              <a:t> And Commuter </a:t>
+            </a:r>
+            <a:endParaRPr kumimoji="1" lang="zh-CN" altLang="en-US" dirty="0"/>
+          </a:p>
+        </p:txBody>
+      </p:sp>
+      <p:sp>
+        <p:nvSpPr>
+          <p:cNvPr id="3" name="内容占位符 2">
+            <a:extLst>
+              <a:ext uri="{FF2B5EF4-FFF2-40B4-BE49-F238E27FC236}">
+                <a16:creationId xmlns:a16="http://schemas.microsoft.com/office/drawing/2014/main" id="{CC390280-3C10-4A46-BA20-4F469DA16FC7}"/>
+              </a:ext>
+            </a:extLst>
+          </p:cNvPr>
+          <p:cNvSpPr>
+            <a:spLocks noGrp="1"/>
+          </p:cNvSpPr>
+          <p:nvPr>
+            <p:ph idx="1"/>
+          </p:nvPr>
+        </p:nvSpPr>
+        <p:spPr/>
+        <p:txBody>
+          <a:bodyPr>
+            <a:normAutofit/>
+          </a:bodyPr>
+          <a:lstStyle/>
+          <a:p>
+            <a:r>
+              <a:rPr kumimoji="1" lang="en-US" altLang="zh-CN" sz="2400" dirty="0"/>
+              <a:t>Install and bugs</a:t>
+            </a:r>
+          </a:p>
+          <a:p>
+            <a:endParaRPr kumimoji="1" lang="en-US" altLang="zh-CN" sz="2400" dirty="0"/>
+          </a:p>
+          <a:p>
+            <a:r>
+              <a:rPr kumimoji="1" lang="en-US" altLang="zh-CN" sz="2400" dirty="0"/>
+              <a:t>run</a:t>
+            </a:r>
+          </a:p>
+        </p:txBody>
+      </p:sp>
+    </p:spTree>
+    <p:extLst>
+      <p:ext uri="{BB962C8B-B14F-4D97-AF65-F5344CB8AC3E}">
+        <p14:creationId xmlns:p14="http://schemas.microsoft.com/office/powerpoint/2010/main" val="1651792514"/>
+      </p:ext>
+    </p:extLst>
+  </p:cSld>
+  <p:clrMapOvr>
+    <a:masterClrMapping/>
+  </p:clrMapOvr>
+</p:sld>
+</file>
+
+<file path=ppt/slides/slide24.xml><?xml version="1.0" encoding="utf-8"?>
+<p:sld xmlns:a="http://schemas.openxmlformats.org/drawingml/2006/main" xmlns:r="http://schemas.openxmlformats.org/officeDocument/2006/relationships" xmlns:p="http://schemas.openxmlformats.org/presentationml/2006/main">
+  <p:cSld>
+    <p:spTree>
+      <p:nvGrpSpPr>
+        <p:cNvPr id="1" name=""/>
+        <p:cNvGrpSpPr/>
+        <p:nvPr/>
+      </p:nvGrpSpPr>
+      <p:grpSpPr>
+        <a:xfrm>
+          <a:off x="0" y="0"/>
+          <a:ext cx="0" cy="0"/>
+          <a:chOff x="0" y="0"/>
+          <a:chExt cx="0" cy="0"/>
+        </a:xfrm>
+      </p:grpSpPr>
+      <p:sp>
+        <p:nvSpPr>
+          <p:cNvPr id="2" name="标题 1">
+            <a:extLst>
+              <a:ext uri="{FF2B5EF4-FFF2-40B4-BE49-F238E27FC236}">
+                <a16:creationId xmlns:a16="http://schemas.microsoft.com/office/drawing/2014/main" id="{E28C3F06-E54E-3242-BEEC-37AABD5BF5CC}"/>
+              </a:ext>
+            </a:extLst>
+          </p:cNvPr>
+          <p:cNvSpPr>
+            <a:spLocks noGrp="1"/>
+          </p:cNvSpPr>
+          <p:nvPr>
+            <p:ph type="title"/>
+          </p:nvPr>
+        </p:nvSpPr>
+        <p:spPr/>
+        <p:txBody>
+          <a:bodyPr/>
+          <a:lstStyle/>
+          <a:p>
+            <a:r>
+              <a:rPr kumimoji="1" lang="en-US" altLang="zh-CN" dirty="0"/>
+              <a:t>Commuter</a:t>
+            </a:r>
+            <a:endParaRPr kumimoji="1" lang="zh-CN" altLang="en-US" dirty="0"/>
+          </a:p>
+        </p:txBody>
+      </p:sp>
+      <p:pic>
+        <p:nvPicPr>
+          <p:cNvPr id="4" name="图片 3">
+            <a:extLst>
+              <a:ext uri="{FF2B5EF4-FFF2-40B4-BE49-F238E27FC236}">
+                <a16:creationId xmlns:a16="http://schemas.microsoft.com/office/drawing/2014/main" id="{14459CE8-D819-EB41-8A60-4230157CB7AB}"/>
+              </a:ext>
+            </a:extLst>
+          </p:cNvPr>
+          <p:cNvPicPr>
+            <a:picLocks noChangeAspect="1"/>
+          </p:cNvPicPr>
+          <p:nvPr/>
+        </p:nvPicPr>
+        <p:blipFill>
+          <a:blip r:embed="rId2"/>
+          <a:stretch>
+            <a:fillRect/>
+          </a:stretch>
+        </p:blipFill>
+        <p:spPr>
+          <a:xfrm>
+            <a:off x="692264" y="2676525"/>
+            <a:ext cx="10942524" cy="2281238"/>
+          </a:xfrm>
+          <a:prstGeom prst="rect">
+            <a:avLst/>
+          </a:prstGeom>
+        </p:spPr>
+      </p:pic>
+    </p:spTree>
+    <p:extLst>
+      <p:ext uri="{BB962C8B-B14F-4D97-AF65-F5344CB8AC3E}">
+        <p14:creationId xmlns:p14="http://schemas.microsoft.com/office/powerpoint/2010/main" val="1500780410"/>
+      </p:ext>
+    </p:extLst>
+  </p:cSld>
+  <p:clrMapOvr>
+    <a:masterClrMapping/>
+  </p:clrMapOvr>
+</p:sld>
+</file>
+
+<file path=ppt/slides/slide25.xml><?xml version="1.0" encoding="utf-8"?>
+<p:sld xmlns:a="http://schemas.openxmlformats.org/drawingml/2006/main" xmlns:r="http://schemas.openxmlformats.org/officeDocument/2006/relationships" xmlns:p="http://schemas.openxmlformats.org/presentationml/2006/main">
+  <p:cSld>
+    <p:spTree>
+      <p:nvGrpSpPr>
+        <p:cNvPr id="1" name=""/>
+        <p:cNvGrpSpPr/>
+        <p:nvPr/>
+      </p:nvGrpSpPr>
+      <p:grpSpPr>
+        <a:xfrm>
+          <a:off x="0" y="0"/>
+          <a:ext cx="0" cy="0"/>
+          <a:chOff x="0" y="0"/>
+          <a:chExt cx="0" cy="0"/>
+        </a:xfrm>
+      </p:grpSpPr>
+      <p:sp>
+        <p:nvSpPr>
+          <p:cNvPr id="2" name="标题 1">
+            <a:extLst>
+              <a:ext uri="{FF2B5EF4-FFF2-40B4-BE49-F238E27FC236}">
+                <a16:creationId xmlns:a16="http://schemas.microsoft.com/office/drawing/2014/main" id="{A8F09AC6-13F7-2A4E-8884-B399F9E6ABEE}"/>
+              </a:ext>
+            </a:extLst>
+          </p:cNvPr>
+          <p:cNvSpPr>
+            <a:spLocks noGrp="1"/>
+          </p:cNvSpPr>
+          <p:nvPr>
+            <p:ph type="title"/>
+          </p:nvPr>
+        </p:nvSpPr>
+        <p:spPr/>
+        <p:txBody>
+          <a:bodyPr/>
+          <a:lstStyle/>
+          <a:p>
+            <a:r>
+              <a:rPr kumimoji="1" lang="en-US" altLang="zh-CN" dirty="0"/>
+              <a:t>Commuter</a:t>
+            </a:r>
+            <a:endParaRPr kumimoji="1" lang="zh-CN" altLang="en-US" dirty="0"/>
+          </a:p>
+        </p:txBody>
+      </p:sp>
+      <p:sp>
+        <p:nvSpPr>
+          <p:cNvPr id="3" name="内容占位符 2">
+            <a:extLst>
+              <a:ext uri="{FF2B5EF4-FFF2-40B4-BE49-F238E27FC236}">
+                <a16:creationId xmlns:a16="http://schemas.microsoft.com/office/drawing/2014/main" id="{BB66AAED-D0C3-0E44-831C-17D30E6EDEBF}"/>
+              </a:ext>
+            </a:extLst>
+          </p:cNvPr>
+          <p:cNvSpPr>
+            <a:spLocks noGrp="1"/>
+          </p:cNvSpPr>
+          <p:nvPr>
+            <p:ph idx="1"/>
+          </p:nvPr>
+        </p:nvSpPr>
+        <p:spPr/>
+        <p:txBody>
+          <a:bodyPr/>
+          <a:lstStyle/>
+          <a:p>
+            <a:r>
+              <a:rPr lang="en-US" altLang="zh-CN" dirty="0"/>
+              <a:t>Install &amp; bugs</a:t>
+            </a:r>
+          </a:p>
+          <a:p>
+            <a:pPr lvl="1"/>
+            <a:r>
+              <a:rPr lang="en-US" altLang="zh-CN" dirty="0"/>
+              <a:t>17.10 pic bug</a:t>
+            </a:r>
+          </a:p>
+          <a:p>
+            <a:pPr lvl="1"/>
+            <a:r>
+              <a:rPr lang="en-US" altLang="zh-CN" dirty="0"/>
+              <a:t>Z3</a:t>
+            </a:r>
+          </a:p>
+          <a:p>
+            <a:pPr lvl="2"/>
+            <a:r>
+              <a:rPr lang="en-US" altLang="zh-CN" dirty="0"/>
+              <a:t>--z3-commit add8d26</a:t>
+            </a:r>
+          </a:p>
+          <a:p>
+            <a:pPr lvl="1"/>
+            <a:r>
+              <a:rPr lang="en-US" altLang="zh-CN" dirty="0" err="1"/>
+              <a:t>mtrace</a:t>
+            </a:r>
+            <a:endParaRPr lang="en-US" altLang="zh-CN" dirty="0"/>
+          </a:p>
+          <a:p>
+            <a:pPr lvl="2"/>
+            <a:r>
+              <a:rPr lang="en-US" altLang="zh-CN" dirty="0" err="1"/>
+              <a:t>Pkg-config</a:t>
+            </a:r>
+            <a:r>
+              <a:rPr lang="zh-CN" altLang="zh-CN" dirty="0"/>
+              <a:t> </a:t>
+            </a:r>
+            <a:endParaRPr lang="en-US" altLang="zh-CN" dirty="0"/>
+          </a:p>
+          <a:p>
+            <a:pPr lvl="1"/>
+            <a:r>
+              <a:rPr lang="en-US" altLang="zh-CN" dirty="0" err="1"/>
+              <a:t>linux</a:t>
+            </a:r>
+            <a:r>
+              <a:rPr lang="en-US" altLang="zh-CN" dirty="0"/>
+              <a:t> -</a:t>
+            </a:r>
+            <a:r>
+              <a:rPr lang="en-US" altLang="zh-CN" dirty="0" err="1"/>
+              <a:t>mtrace</a:t>
+            </a:r>
+            <a:endParaRPr lang="en-US" altLang="zh-CN" dirty="0"/>
+          </a:p>
+          <a:p>
+            <a:pPr lvl="2"/>
+            <a:r>
+              <a:rPr kumimoji="1" lang="en-US" altLang="zh-CN" dirty="0" err="1"/>
+              <a:t>Gcc</a:t>
+            </a:r>
+            <a:r>
+              <a:rPr kumimoji="1" lang="en-US" altLang="zh-CN" dirty="0"/>
+              <a:t> 5.4</a:t>
+            </a:r>
+          </a:p>
+          <a:p>
+            <a:pPr lvl="1"/>
+            <a:r>
+              <a:rPr kumimoji="1" lang="en-US" altLang="zh-CN" dirty="0"/>
+              <a:t>Sv6</a:t>
+            </a:r>
+          </a:p>
+          <a:p>
+            <a:pPr lvl="2"/>
+            <a:r>
+              <a:rPr kumimoji="1" lang="en-US" altLang="zh-CN" dirty="0"/>
+              <a:t>Fellow Tan</a:t>
+            </a:r>
+            <a:endParaRPr kumimoji="1" lang="zh-CN" altLang="en-US" dirty="0"/>
+          </a:p>
+        </p:txBody>
+      </p:sp>
+    </p:spTree>
+    <p:extLst>
+      <p:ext uri="{BB962C8B-B14F-4D97-AF65-F5344CB8AC3E}">
+        <p14:creationId xmlns:p14="http://schemas.microsoft.com/office/powerpoint/2010/main" val="406358712"/>
+      </p:ext>
+    </p:extLst>
+  </p:cSld>
+  <p:clrMapOvr>
+    <a:masterClrMapping/>
+  </p:clrMapOvr>
+</p:sld>
+</file>
+
+<file path=ppt/slides/slide26.xml><?xml version="1.0" encoding="utf-8"?>
+<p:sld xmlns:a="http://schemas.openxmlformats.org/drawingml/2006/main" xmlns:r="http://schemas.openxmlformats.org/officeDocument/2006/relationships" xmlns:p="http://schemas.openxmlformats.org/presentationml/2006/main">
+  <p:cSld>
+    <p:spTree>
+      <p:nvGrpSpPr>
+        <p:cNvPr id="1" name=""/>
+        <p:cNvGrpSpPr/>
+        <p:nvPr/>
+      </p:nvGrpSpPr>
+      <p:grpSpPr>
+        <a:xfrm>
+          <a:off x="0" y="0"/>
+          <a:ext cx="0" cy="0"/>
+          <a:chOff x="0" y="0"/>
+          <a:chExt cx="0" cy="0"/>
+        </a:xfrm>
+      </p:grpSpPr>
+      <p:sp>
+        <p:nvSpPr>
+          <p:cNvPr id="2" name="标题 1">
+            <a:extLst>
+              <a:ext uri="{FF2B5EF4-FFF2-40B4-BE49-F238E27FC236}">
+                <a16:creationId xmlns:a16="http://schemas.microsoft.com/office/drawing/2014/main" id="{5853BEE6-F50D-F946-9A50-8521379769CE}"/>
+              </a:ext>
+            </a:extLst>
+          </p:cNvPr>
+          <p:cNvSpPr>
+            <a:spLocks noGrp="1"/>
+          </p:cNvSpPr>
+          <p:nvPr>
+            <p:ph type="title"/>
+          </p:nvPr>
+        </p:nvSpPr>
+        <p:spPr/>
+        <p:txBody>
+          <a:bodyPr/>
+          <a:lstStyle/>
+          <a:p>
+            <a:r>
+              <a:rPr kumimoji="1" lang="en-US" altLang="zh-CN" dirty="0"/>
+              <a:t>Test 10 </a:t>
+            </a:r>
+            <a:r>
+              <a:rPr kumimoji="1" lang="en-US" altLang="zh-CN" dirty="0" err="1"/>
+              <a:t>syscalls</a:t>
+            </a:r>
+            <a:endParaRPr kumimoji="1" lang="zh-CN" altLang="en-US" dirty="0"/>
+          </a:p>
+        </p:txBody>
+      </p:sp>
+      <p:sp>
+        <p:nvSpPr>
+          <p:cNvPr id="5" name="内容占位符 4">
+            <a:extLst>
+              <a:ext uri="{FF2B5EF4-FFF2-40B4-BE49-F238E27FC236}">
+                <a16:creationId xmlns:a16="http://schemas.microsoft.com/office/drawing/2014/main" id="{057BD0E7-71C7-F540-824B-9078ABE8ED8B}"/>
+              </a:ext>
+            </a:extLst>
+          </p:cNvPr>
+          <p:cNvSpPr>
+            <a:spLocks noGrp="1"/>
+          </p:cNvSpPr>
+          <p:nvPr>
+            <p:ph idx="1"/>
+          </p:nvPr>
+        </p:nvSpPr>
+        <p:spPr/>
+        <p:txBody>
+          <a:bodyPr/>
+          <a:lstStyle/>
+          <a:p>
+            <a:endParaRPr lang="zh-CN" altLang="en-US"/>
+          </a:p>
+        </p:txBody>
+      </p:sp>
+      <p:pic>
+        <p:nvPicPr>
+          <p:cNvPr id="6" name="图片 5">
+            <a:extLst>
+              <a:ext uri="{FF2B5EF4-FFF2-40B4-BE49-F238E27FC236}">
+                <a16:creationId xmlns:a16="http://schemas.microsoft.com/office/drawing/2014/main" id="{ABC5452F-3F80-384A-BA7C-C08812831AA0}"/>
+              </a:ext>
+            </a:extLst>
+          </p:cNvPr>
+          <p:cNvPicPr>
+            <a:picLocks noChangeAspect="1"/>
+          </p:cNvPicPr>
+          <p:nvPr/>
+        </p:nvPicPr>
+        <p:blipFill>
+          <a:blip r:embed="rId2"/>
+          <a:stretch>
+            <a:fillRect/>
+          </a:stretch>
+        </p:blipFill>
+        <p:spPr>
+          <a:xfrm>
+            <a:off x="2460625" y="1905000"/>
+            <a:ext cx="8928100" cy="4432300"/>
+          </a:xfrm>
+          <a:prstGeom prst="rect">
+            <a:avLst/>
+          </a:prstGeom>
+        </p:spPr>
+      </p:pic>
+    </p:spTree>
+    <p:extLst>
+      <p:ext uri="{BB962C8B-B14F-4D97-AF65-F5344CB8AC3E}">
+        <p14:creationId xmlns:p14="http://schemas.microsoft.com/office/powerpoint/2010/main" val="685167523"/>
+      </p:ext>
+    </p:extLst>
+  </p:cSld>
+  <p:clrMapOvr>
+    <a:masterClrMapping/>
+  </p:clrMapOvr>
+</p:sld>
+</file>
+
+<file path=ppt/slides/slide27.xml><?xml version="1.0" encoding="utf-8"?>
+<p:sld xmlns:a="http://schemas.openxmlformats.org/drawingml/2006/main" xmlns:r="http://schemas.openxmlformats.org/officeDocument/2006/relationships" xmlns:p="http://schemas.openxmlformats.org/presentationml/2006/main">
+  <p:cSld>
+    <p:spTree>
+      <p:nvGrpSpPr>
+        <p:cNvPr id="1" name=""/>
+        <p:cNvGrpSpPr/>
+        <p:nvPr/>
+      </p:nvGrpSpPr>
+      <p:grpSpPr>
+        <a:xfrm>
+          <a:off x="0" y="0"/>
+          <a:ext cx="0" cy="0"/>
+          <a:chOff x="0" y="0"/>
+          <a:chExt cx="0" cy="0"/>
+        </a:xfrm>
+      </p:grpSpPr>
+      <p:sp>
+        <p:nvSpPr>
+          <p:cNvPr id="2" name="标题 1">
+            <a:extLst>
+              <a:ext uri="{FF2B5EF4-FFF2-40B4-BE49-F238E27FC236}">
+                <a16:creationId xmlns:a16="http://schemas.microsoft.com/office/drawing/2014/main" id="{5D365943-0477-8149-AD52-87E5C9CAD23F}"/>
+              </a:ext>
+            </a:extLst>
+          </p:cNvPr>
+          <p:cNvSpPr>
+            <a:spLocks noGrp="1"/>
+          </p:cNvSpPr>
+          <p:nvPr>
+            <p:ph type="title"/>
+          </p:nvPr>
+        </p:nvSpPr>
+        <p:spPr/>
+        <p:txBody>
+          <a:bodyPr/>
+          <a:lstStyle/>
+          <a:p>
+            <a:r>
+              <a:rPr kumimoji="1" lang="en-US" altLang="zh-CN" dirty="0" err="1"/>
+              <a:t>HyperKernel</a:t>
+            </a:r>
+            <a:endParaRPr kumimoji="1" lang="zh-CN" altLang="en-US" dirty="0"/>
+          </a:p>
+        </p:txBody>
+      </p:sp>
+      <p:sp>
+        <p:nvSpPr>
+          <p:cNvPr id="3" name="内容占位符 2">
+            <a:extLst>
+              <a:ext uri="{FF2B5EF4-FFF2-40B4-BE49-F238E27FC236}">
+                <a16:creationId xmlns:a16="http://schemas.microsoft.com/office/drawing/2014/main" id="{0FADAFAD-585C-FA4D-A13A-3931CBA8C435}"/>
+              </a:ext>
+            </a:extLst>
+          </p:cNvPr>
+          <p:cNvSpPr>
+            <a:spLocks noGrp="1"/>
+          </p:cNvSpPr>
+          <p:nvPr>
+            <p:ph idx="1"/>
+          </p:nvPr>
+        </p:nvSpPr>
+        <p:spPr/>
+        <p:txBody>
+          <a:bodyPr/>
+          <a:lstStyle/>
+          <a:p>
+            <a:pPr>
+              <a:lnSpc>
+                <a:spcPct val="150000"/>
+              </a:lnSpc>
+            </a:pPr>
+            <a:r>
+              <a:rPr kumimoji="1" lang="en-US" altLang="zh-CN" sz="2400" dirty="0"/>
+              <a:t>Theorem 1 (Refinement). The kernel implementation is a refinement of the state-machine specification. </a:t>
+            </a:r>
+          </a:p>
+          <a:p>
+            <a:pPr>
+              <a:lnSpc>
+                <a:spcPct val="150000"/>
+              </a:lnSpc>
+            </a:pPr>
+            <a:r>
+              <a:rPr kumimoji="1" lang="en-US" altLang="zh-CN" sz="2400" dirty="0"/>
+              <a:t>Theorem 2 (Crosscutting). The state-machine </a:t>
+            </a:r>
+            <a:r>
+              <a:rPr kumimoji="1" lang="en-US" altLang="zh-CN" sz="2400" dirty="0" err="1"/>
+              <a:t>specifica</a:t>
+            </a:r>
+            <a:r>
+              <a:rPr kumimoji="1" lang="en-US" altLang="zh-CN" sz="2400" dirty="0"/>
+              <a:t>- </a:t>
+            </a:r>
+            <a:r>
+              <a:rPr kumimoji="1" lang="en-US" altLang="zh-CN" sz="2400" dirty="0" err="1"/>
+              <a:t>tion</a:t>
+            </a:r>
+            <a:r>
+              <a:rPr kumimoji="1" lang="en-US" altLang="zh-CN" sz="2400" dirty="0"/>
+              <a:t> satisfies the declarative specification </a:t>
+            </a:r>
+          </a:p>
+          <a:p>
+            <a:pPr>
+              <a:lnSpc>
+                <a:spcPct val="150000"/>
+              </a:lnSpc>
+            </a:pPr>
+            <a:endParaRPr kumimoji="1" lang="en-US" altLang="zh-CN" sz="2400" dirty="0"/>
+          </a:p>
+          <a:p>
+            <a:pPr>
+              <a:lnSpc>
+                <a:spcPct val="150000"/>
+              </a:lnSpc>
+            </a:pPr>
+            <a:r>
+              <a:rPr kumimoji="1" lang="en-US" altLang="zh-CN" sz="2400" dirty="0"/>
+              <a:t>Z3 Solver, LLVM IR</a:t>
+            </a:r>
+          </a:p>
+          <a:p>
+            <a:endParaRPr kumimoji="1" lang="zh-CN" altLang="en-US" dirty="0"/>
+          </a:p>
+        </p:txBody>
+      </p:sp>
+    </p:spTree>
+    <p:extLst>
+      <p:ext uri="{BB962C8B-B14F-4D97-AF65-F5344CB8AC3E}">
+        <p14:creationId xmlns:p14="http://schemas.microsoft.com/office/powerpoint/2010/main" val="3301991726"/>
+      </p:ext>
+    </p:extLst>
+  </p:cSld>
+  <p:clrMapOvr>
+    <a:masterClrMapping/>
+  </p:clrMapOvr>
+</p:sld>
+</file>
+
+<file path=ppt/slides/slide28.xml><?xml version="1.0" encoding="utf-8"?>
+<p:sld xmlns:a="http://schemas.openxmlformats.org/drawingml/2006/main" xmlns:r="http://schemas.openxmlformats.org/officeDocument/2006/relationships" xmlns:p="http://schemas.openxmlformats.org/presentationml/2006/main">
+  <p:cSld>
+    <p:spTree>
+      <p:nvGrpSpPr>
+        <p:cNvPr id="1" name=""/>
+        <p:cNvGrpSpPr/>
+        <p:nvPr/>
+      </p:nvGrpSpPr>
+      <p:grpSpPr>
+        <a:xfrm>
+          <a:off x="0" y="0"/>
+          <a:ext cx="0" cy="0"/>
+          <a:chOff x="0" y="0"/>
+          <a:chExt cx="0" cy="0"/>
+        </a:xfrm>
+      </p:grpSpPr>
+      <p:sp>
+        <p:nvSpPr>
+          <p:cNvPr id="2" name="标题 1">
+            <a:extLst>
+              <a:ext uri="{FF2B5EF4-FFF2-40B4-BE49-F238E27FC236}">
                 <a16:creationId xmlns:a16="http://schemas.microsoft.com/office/drawing/2014/main" id="{5E083148-C831-FD44-AEBE-A1A7B334BFAC}"/>
               </a:ext>
             </a:extLst>
@@ -10953,7 +11495,7 @@
 </p:sld>
 </file>
 
-<file path=ppt/slides/slide19.xml><?xml version="1.0" encoding="utf-8"?>
+<file path=ppt/slides/slide29.xml><?xml version="1.0" encoding="utf-8"?>
 <p:sld xmlns:a="http://schemas.openxmlformats.org/drawingml/2006/main" xmlns:r="http://schemas.openxmlformats.org/officeDocument/2006/relationships" xmlns:p="http://schemas.openxmlformats.org/presentationml/2006/main">
   <p:cSld>
     <p:spTree>
@@ -11077,885 +11619,6 @@
 </p:sld>
 </file>
 
-<file path=ppt/slides/slide2.xml><?xml version="1.0" encoding="utf-8"?>
-<p:sld xmlns:a="http://schemas.openxmlformats.org/drawingml/2006/main" xmlns:r="http://schemas.openxmlformats.org/officeDocument/2006/relationships" xmlns:p="http://schemas.openxmlformats.org/presentationml/2006/main">
-  <p:cSld>
-    <p:spTree>
-      <p:nvGrpSpPr>
-        <p:cNvPr id="1" name=""/>
-        <p:cNvGrpSpPr/>
-        <p:nvPr/>
-      </p:nvGrpSpPr>
-      <p:grpSpPr>
-        <a:xfrm>
-          <a:off x="0" y="0"/>
-          <a:ext cx="0" cy="0"/>
-          <a:chOff x="0" y="0"/>
-          <a:chExt cx="0" cy="0"/>
-        </a:xfrm>
-      </p:grpSpPr>
-      <p:sp>
-        <p:nvSpPr>
-          <p:cNvPr id="2" name="标题 1">
-            <a:extLst>
-              <a:ext uri="{FF2B5EF4-FFF2-40B4-BE49-F238E27FC236}">
-                <a16:creationId xmlns:a16="http://schemas.microsoft.com/office/drawing/2014/main" id="{D3A4DDC2-EE27-594F-B8A9-4D368C0270C4}"/>
-              </a:ext>
-            </a:extLst>
-          </p:cNvPr>
-          <p:cNvSpPr>
-            <a:spLocks noGrp="1"/>
-          </p:cNvSpPr>
-          <p:nvPr>
-            <p:ph type="title"/>
-          </p:nvPr>
-        </p:nvSpPr>
-        <p:spPr/>
-        <p:txBody>
-          <a:bodyPr/>
-          <a:lstStyle/>
-          <a:p>
-            <a:r>
-              <a:rPr kumimoji="1" lang="en-US" altLang="zh-CN" dirty="0"/>
-              <a:t>Papers</a:t>
-            </a:r>
-            <a:endParaRPr kumimoji="1" lang="zh-CN" altLang="en-US" dirty="0"/>
-          </a:p>
-        </p:txBody>
-      </p:sp>
-      <p:sp>
-        <p:nvSpPr>
-          <p:cNvPr id="3" name="内容占位符 2">
-            <a:extLst>
-              <a:ext uri="{FF2B5EF4-FFF2-40B4-BE49-F238E27FC236}">
-                <a16:creationId xmlns:a16="http://schemas.microsoft.com/office/drawing/2014/main" id="{AE82EFC9-DE37-ED45-8734-EEA4719A2A0E}"/>
-              </a:ext>
-            </a:extLst>
-          </p:cNvPr>
-          <p:cNvSpPr>
-            <a:spLocks noGrp="1"/>
-          </p:cNvSpPr>
-          <p:nvPr>
-            <p:ph idx="1"/>
-          </p:nvPr>
-        </p:nvSpPr>
-        <p:spPr/>
-        <p:txBody>
-          <a:bodyPr/>
-          <a:lstStyle/>
-          <a:p>
-            <a:r>
-              <a:rPr kumimoji="1" lang="en-US" altLang="zh-CN" dirty="0" err="1"/>
-              <a:t>Hyperkernel</a:t>
-            </a:r>
-            <a:r>
-              <a:rPr kumimoji="1" lang="en-US" altLang="zh-CN" dirty="0"/>
-              <a:t>: Push-Button Verification of an OS Kernel</a:t>
-            </a:r>
-          </a:p>
-          <a:p>
-            <a:r>
-              <a:rPr kumimoji="1" lang="en-US" altLang="zh-CN" dirty="0"/>
-              <a:t>The Scalable Commutativity Rule Designing Scalable Software for Multicore Processors</a:t>
-            </a:r>
-          </a:p>
-          <a:p>
-            <a:r>
-              <a:rPr kumimoji="1" lang="en-US" altLang="zh-CN" dirty="0" err="1"/>
-              <a:t>GPUvm</a:t>
-            </a:r>
-            <a:r>
-              <a:rPr kumimoji="1" lang="en-US" altLang="zh-CN" dirty="0"/>
-              <a:t>: Why Not Virtualizing GPUs at the Hypervisor</a:t>
-            </a:r>
-          </a:p>
-          <a:p>
-            <a:r>
-              <a:rPr kumimoji="1" lang="en-US" altLang="zh-CN" dirty="0"/>
-              <a:t>Locating Cache Performance Bottlenecks Using Data Profiling</a:t>
-            </a:r>
-          </a:p>
-          <a:p>
-            <a:r>
-              <a:rPr kumimoji="1" lang="en-US" altLang="zh-CN" dirty="0"/>
-              <a:t>My VM is Lighter (and Safer) than your Container</a:t>
-            </a:r>
-          </a:p>
-          <a:p>
-            <a:r>
-              <a:rPr kumimoji="1" lang="en-US" altLang="zh-CN" dirty="0"/>
-              <a:t>RID Finding Reference Count Bugs with Inconsistent Path Pair Checking</a:t>
-            </a:r>
-            <a:endParaRPr kumimoji="1" lang="zh-CN" altLang="en-US" dirty="0"/>
-          </a:p>
-        </p:txBody>
-      </p:sp>
-    </p:spTree>
-    <p:extLst>
-      <p:ext uri="{BB962C8B-B14F-4D97-AF65-F5344CB8AC3E}">
-        <p14:creationId xmlns:p14="http://schemas.microsoft.com/office/powerpoint/2010/main" val="1139779815"/>
-      </p:ext>
-    </p:extLst>
-  </p:cSld>
-  <p:clrMapOvr>
-    <a:masterClrMapping/>
-  </p:clrMapOvr>
-</p:sld>
-</file>
-
-<file path=ppt/slides/slide20.xml><?xml version="1.0" encoding="utf-8"?>
-<p:sld xmlns:a="http://schemas.openxmlformats.org/drawingml/2006/main" xmlns:r="http://schemas.openxmlformats.org/officeDocument/2006/relationships" xmlns:p="http://schemas.openxmlformats.org/presentationml/2006/main">
-  <p:cSld>
-    <p:spTree>
-      <p:nvGrpSpPr>
-        <p:cNvPr id="1" name=""/>
-        <p:cNvGrpSpPr/>
-        <p:nvPr/>
-      </p:nvGrpSpPr>
-      <p:grpSpPr>
-        <a:xfrm>
-          <a:off x="0" y="0"/>
-          <a:ext cx="0" cy="0"/>
-          <a:chOff x="0" y="0"/>
-          <a:chExt cx="0" cy="0"/>
-        </a:xfrm>
-      </p:grpSpPr>
-      <p:sp>
-        <p:nvSpPr>
-          <p:cNvPr id="2" name="标题 1">
-            <a:extLst>
-              <a:ext uri="{FF2B5EF4-FFF2-40B4-BE49-F238E27FC236}">
-                <a16:creationId xmlns:a16="http://schemas.microsoft.com/office/drawing/2014/main" id="{A8F09AC6-13F7-2A4E-8884-B399F9E6ABEE}"/>
-              </a:ext>
-            </a:extLst>
-          </p:cNvPr>
-          <p:cNvSpPr>
-            <a:spLocks noGrp="1"/>
-          </p:cNvSpPr>
-          <p:nvPr>
-            <p:ph type="title"/>
-          </p:nvPr>
-        </p:nvSpPr>
-        <p:spPr/>
-        <p:txBody>
-          <a:bodyPr/>
-          <a:lstStyle/>
-          <a:p>
-            <a:r>
-              <a:rPr kumimoji="1" lang="en-US" altLang="zh-CN" dirty="0"/>
-              <a:t>Commuter</a:t>
-            </a:r>
-            <a:endParaRPr kumimoji="1" lang="zh-CN" altLang="en-US" dirty="0"/>
-          </a:p>
-        </p:txBody>
-      </p:sp>
-      <p:sp>
-        <p:nvSpPr>
-          <p:cNvPr id="3" name="内容占位符 2">
-            <a:extLst>
-              <a:ext uri="{FF2B5EF4-FFF2-40B4-BE49-F238E27FC236}">
-                <a16:creationId xmlns:a16="http://schemas.microsoft.com/office/drawing/2014/main" id="{BB66AAED-D0C3-0E44-831C-17D30E6EDEBF}"/>
-              </a:ext>
-            </a:extLst>
-          </p:cNvPr>
-          <p:cNvSpPr>
-            <a:spLocks noGrp="1"/>
-          </p:cNvSpPr>
-          <p:nvPr>
-            <p:ph idx="1"/>
-          </p:nvPr>
-        </p:nvSpPr>
-        <p:spPr/>
-        <p:txBody>
-          <a:bodyPr/>
-          <a:lstStyle/>
-          <a:p>
-            <a:r>
-              <a:rPr lang="en-US" altLang="zh-CN" dirty="0"/>
-              <a:t>Install &amp; bugs</a:t>
-            </a:r>
-          </a:p>
-          <a:p>
-            <a:pPr lvl="1"/>
-            <a:r>
-              <a:rPr lang="en-US" altLang="zh-CN" dirty="0"/>
-              <a:t>17.10 pic bug</a:t>
-            </a:r>
-          </a:p>
-          <a:p>
-            <a:pPr lvl="1"/>
-            <a:r>
-              <a:rPr lang="en-US" altLang="zh-CN" dirty="0"/>
-              <a:t>Z3</a:t>
-            </a:r>
-          </a:p>
-          <a:p>
-            <a:pPr lvl="2"/>
-            <a:r>
-              <a:rPr lang="en-US" altLang="zh-CN" dirty="0"/>
-              <a:t>--z3-commit add8d26</a:t>
-            </a:r>
-          </a:p>
-          <a:p>
-            <a:pPr lvl="1"/>
-            <a:r>
-              <a:rPr lang="en-US" altLang="zh-CN" dirty="0" err="1"/>
-              <a:t>mtrace</a:t>
-            </a:r>
-            <a:endParaRPr lang="en-US" altLang="zh-CN" dirty="0"/>
-          </a:p>
-          <a:p>
-            <a:pPr lvl="2"/>
-            <a:r>
-              <a:rPr lang="en-US" altLang="zh-CN" dirty="0" err="1"/>
-              <a:t>Pkg-config</a:t>
-            </a:r>
-            <a:r>
-              <a:rPr lang="zh-CN" altLang="zh-CN" dirty="0"/>
-              <a:t> </a:t>
-            </a:r>
-            <a:endParaRPr lang="en-US" altLang="zh-CN" dirty="0"/>
-          </a:p>
-          <a:p>
-            <a:pPr lvl="1"/>
-            <a:r>
-              <a:rPr lang="en-US" altLang="zh-CN" dirty="0" err="1"/>
-              <a:t>linux</a:t>
-            </a:r>
-            <a:r>
-              <a:rPr lang="en-US" altLang="zh-CN" dirty="0"/>
-              <a:t> -</a:t>
-            </a:r>
-            <a:r>
-              <a:rPr lang="en-US" altLang="zh-CN" dirty="0" err="1"/>
-              <a:t>mtrace</a:t>
-            </a:r>
-            <a:endParaRPr lang="en-US" altLang="zh-CN" dirty="0"/>
-          </a:p>
-          <a:p>
-            <a:pPr lvl="2"/>
-            <a:r>
-              <a:rPr kumimoji="1" lang="en-US" altLang="zh-CN" dirty="0" err="1"/>
-              <a:t>Gcc</a:t>
-            </a:r>
-            <a:r>
-              <a:rPr kumimoji="1" lang="en-US" altLang="zh-CN" dirty="0"/>
-              <a:t> 5.4</a:t>
-            </a:r>
-          </a:p>
-          <a:p>
-            <a:pPr lvl="1"/>
-            <a:r>
-              <a:rPr kumimoji="1" lang="en-US" altLang="zh-CN" dirty="0"/>
-              <a:t>Sv6</a:t>
-            </a:r>
-          </a:p>
-          <a:p>
-            <a:pPr lvl="2"/>
-            <a:r>
-              <a:rPr kumimoji="1" lang="en-US" altLang="zh-CN" dirty="0"/>
-              <a:t>Fellow Tan</a:t>
-            </a:r>
-            <a:endParaRPr kumimoji="1" lang="zh-CN" altLang="en-US" dirty="0"/>
-          </a:p>
-        </p:txBody>
-      </p:sp>
-    </p:spTree>
-    <p:extLst>
-      <p:ext uri="{BB962C8B-B14F-4D97-AF65-F5344CB8AC3E}">
-        <p14:creationId xmlns:p14="http://schemas.microsoft.com/office/powerpoint/2010/main" val="4199960117"/>
-      </p:ext>
-    </p:extLst>
-  </p:cSld>
-  <p:clrMapOvr>
-    <a:masterClrMapping/>
-  </p:clrMapOvr>
-</p:sld>
-</file>
-
-<file path=ppt/slides/slide21.xml><?xml version="1.0" encoding="utf-8"?>
-<p:sld xmlns:a="http://schemas.openxmlformats.org/drawingml/2006/main" xmlns:r="http://schemas.openxmlformats.org/officeDocument/2006/relationships" xmlns:p="http://schemas.openxmlformats.org/presentationml/2006/main">
-  <p:cSld>
-    <p:spTree>
-      <p:nvGrpSpPr>
-        <p:cNvPr id="1" name=""/>
-        <p:cNvGrpSpPr/>
-        <p:nvPr/>
-      </p:nvGrpSpPr>
-      <p:grpSpPr>
-        <a:xfrm>
-          <a:off x="0" y="0"/>
-          <a:ext cx="0" cy="0"/>
-          <a:chOff x="0" y="0"/>
-          <a:chExt cx="0" cy="0"/>
-        </a:xfrm>
-      </p:grpSpPr>
-      <p:sp>
-        <p:nvSpPr>
-          <p:cNvPr id="2" name="标题 1">
-            <a:extLst>
-              <a:ext uri="{FF2B5EF4-FFF2-40B4-BE49-F238E27FC236}">
-                <a16:creationId xmlns:a16="http://schemas.microsoft.com/office/drawing/2014/main" id="{1308217C-1C8F-7C41-B5D6-7BB40C06B4EC}"/>
-              </a:ext>
-            </a:extLst>
-          </p:cNvPr>
-          <p:cNvSpPr>
-            <a:spLocks noGrp="1"/>
-          </p:cNvSpPr>
-          <p:nvPr>
-            <p:ph type="title"/>
-          </p:nvPr>
-        </p:nvSpPr>
-        <p:spPr/>
-        <p:txBody>
-          <a:bodyPr/>
-          <a:lstStyle/>
-          <a:p>
-            <a:r>
-              <a:rPr kumimoji="1" lang="en-US" altLang="zh-CN" dirty="0"/>
-              <a:t>Run</a:t>
-            </a:r>
-            <a:endParaRPr kumimoji="1" lang="zh-CN" altLang="en-US" dirty="0"/>
-          </a:p>
-        </p:txBody>
-      </p:sp>
-      <p:sp>
-        <p:nvSpPr>
-          <p:cNvPr id="3" name="内容占位符 2">
-            <a:extLst>
-              <a:ext uri="{FF2B5EF4-FFF2-40B4-BE49-F238E27FC236}">
-                <a16:creationId xmlns:a16="http://schemas.microsoft.com/office/drawing/2014/main" id="{EFF5C94D-1253-2241-AA14-357B303D943F}"/>
-              </a:ext>
-            </a:extLst>
-          </p:cNvPr>
-          <p:cNvSpPr>
-            <a:spLocks noGrp="1"/>
-          </p:cNvSpPr>
-          <p:nvPr>
-            <p:ph idx="1"/>
-          </p:nvPr>
-        </p:nvSpPr>
-        <p:spPr/>
-        <p:txBody>
-          <a:bodyPr/>
-          <a:lstStyle/>
-          <a:p>
-            <a:endParaRPr kumimoji="1" lang="zh-CN" altLang="en-US" dirty="0"/>
-          </a:p>
-        </p:txBody>
-      </p:sp>
-      <p:pic>
-        <p:nvPicPr>
-          <p:cNvPr id="4" name="图片 3">
-            <a:extLst>
-              <a:ext uri="{FF2B5EF4-FFF2-40B4-BE49-F238E27FC236}">
-                <a16:creationId xmlns:a16="http://schemas.microsoft.com/office/drawing/2014/main" id="{038C7404-EADF-054E-B329-E49144033D85}"/>
-              </a:ext>
-            </a:extLst>
-          </p:cNvPr>
-          <p:cNvPicPr/>
-          <p:nvPr/>
-        </p:nvPicPr>
-        <p:blipFill>
-          <a:blip r:embed="rId2"/>
-          <a:stretch>
-            <a:fillRect/>
-          </a:stretch>
-        </p:blipFill>
-        <p:spPr>
-          <a:xfrm>
-            <a:off x="2589212" y="2133600"/>
-            <a:ext cx="9026526" cy="3995738"/>
-          </a:xfrm>
-          <a:prstGeom prst="rect">
-            <a:avLst/>
-          </a:prstGeom>
-        </p:spPr>
-      </p:pic>
-    </p:spTree>
-    <p:extLst>
-      <p:ext uri="{BB962C8B-B14F-4D97-AF65-F5344CB8AC3E}">
-        <p14:creationId xmlns:p14="http://schemas.microsoft.com/office/powerpoint/2010/main" val="2408513885"/>
-      </p:ext>
-    </p:extLst>
-  </p:cSld>
-  <p:clrMapOvr>
-    <a:masterClrMapping/>
-  </p:clrMapOvr>
-</p:sld>
-</file>
-
-<file path=ppt/slides/slide22.xml><?xml version="1.0" encoding="utf-8"?>
-<p:sld xmlns:a="http://schemas.openxmlformats.org/drawingml/2006/main" xmlns:r="http://schemas.openxmlformats.org/officeDocument/2006/relationships" xmlns:p="http://schemas.openxmlformats.org/presentationml/2006/main">
-  <p:cSld>
-    <p:spTree>
-      <p:nvGrpSpPr>
-        <p:cNvPr id="1" name=""/>
-        <p:cNvGrpSpPr/>
-        <p:nvPr/>
-      </p:nvGrpSpPr>
-      <p:grpSpPr>
-        <a:xfrm>
-          <a:off x="0" y="0"/>
-          <a:ext cx="0" cy="0"/>
-          <a:chOff x="0" y="0"/>
-          <a:chExt cx="0" cy="0"/>
-        </a:xfrm>
-      </p:grpSpPr>
-      <p:sp>
-        <p:nvSpPr>
-          <p:cNvPr id="2" name="标题 1">
-            <a:extLst>
-              <a:ext uri="{FF2B5EF4-FFF2-40B4-BE49-F238E27FC236}">
-                <a16:creationId xmlns:a16="http://schemas.microsoft.com/office/drawing/2014/main" id="{5853BEE6-F50D-F946-9A50-8521379769CE}"/>
-              </a:ext>
-            </a:extLst>
-          </p:cNvPr>
-          <p:cNvSpPr>
-            <a:spLocks noGrp="1"/>
-          </p:cNvSpPr>
-          <p:nvPr>
-            <p:ph type="title"/>
-          </p:nvPr>
-        </p:nvSpPr>
-        <p:spPr/>
-        <p:txBody>
-          <a:bodyPr/>
-          <a:lstStyle/>
-          <a:p>
-            <a:r>
-              <a:rPr kumimoji="1" lang="en-US" altLang="zh-CN" dirty="0"/>
-              <a:t>Test six </a:t>
-            </a:r>
-            <a:r>
-              <a:rPr kumimoji="1" lang="en-US" altLang="zh-CN" dirty="0" err="1"/>
-              <a:t>syscalls</a:t>
-            </a:r>
-            <a:endParaRPr kumimoji="1" lang="zh-CN" altLang="en-US" dirty="0"/>
-          </a:p>
-        </p:txBody>
-      </p:sp>
-      <p:sp>
-        <p:nvSpPr>
-          <p:cNvPr id="5" name="内容占位符 4">
-            <a:extLst>
-              <a:ext uri="{FF2B5EF4-FFF2-40B4-BE49-F238E27FC236}">
-                <a16:creationId xmlns:a16="http://schemas.microsoft.com/office/drawing/2014/main" id="{49E452CC-AFB9-E442-B3AC-EBFE4DD546F2}"/>
-              </a:ext>
-            </a:extLst>
-          </p:cNvPr>
-          <p:cNvSpPr>
-            <a:spLocks noGrp="1"/>
-          </p:cNvSpPr>
-          <p:nvPr>
-            <p:ph idx="1"/>
-          </p:nvPr>
-        </p:nvSpPr>
-        <p:spPr/>
-        <p:txBody>
-          <a:bodyPr/>
-          <a:lstStyle/>
-          <a:p>
-            <a:endParaRPr lang="zh-CN" altLang="en-US"/>
-          </a:p>
-        </p:txBody>
-      </p:sp>
-      <p:pic>
-        <p:nvPicPr>
-          <p:cNvPr id="6" name="图片 5">
-            <a:extLst>
-              <a:ext uri="{FF2B5EF4-FFF2-40B4-BE49-F238E27FC236}">
-                <a16:creationId xmlns:a16="http://schemas.microsoft.com/office/drawing/2014/main" id="{EC59BEF2-6E9E-A945-9767-B32B2B55AC65}"/>
-              </a:ext>
-            </a:extLst>
-          </p:cNvPr>
-          <p:cNvPicPr/>
-          <p:nvPr/>
-        </p:nvPicPr>
-        <p:blipFill rotWithShape="1">
-          <a:blip r:embed="rId2"/>
-          <a:srcRect b="47238"/>
-          <a:stretch/>
-        </p:blipFill>
-        <p:spPr>
-          <a:xfrm>
-            <a:off x="1417636" y="1516698"/>
-            <a:ext cx="10086975" cy="4869815"/>
-          </a:xfrm>
-          <a:prstGeom prst="rect">
-            <a:avLst/>
-          </a:prstGeom>
-        </p:spPr>
-      </p:pic>
-    </p:spTree>
-    <p:extLst>
-      <p:ext uri="{BB962C8B-B14F-4D97-AF65-F5344CB8AC3E}">
-        <p14:creationId xmlns:p14="http://schemas.microsoft.com/office/powerpoint/2010/main" val="1408336618"/>
-      </p:ext>
-    </p:extLst>
-  </p:cSld>
-  <p:clrMapOvr>
-    <a:masterClrMapping/>
-  </p:clrMapOvr>
-</p:sld>
-</file>
-
-<file path=ppt/slides/slide23.xml><?xml version="1.0" encoding="utf-8"?>
-<p:sld xmlns:a="http://schemas.openxmlformats.org/drawingml/2006/main" xmlns:r="http://schemas.openxmlformats.org/officeDocument/2006/relationships" xmlns:p="http://schemas.openxmlformats.org/presentationml/2006/main">
-  <p:cSld>
-    <p:spTree>
-      <p:nvGrpSpPr>
-        <p:cNvPr id="1" name=""/>
-        <p:cNvGrpSpPr/>
-        <p:nvPr/>
-      </p:nvGrpSpPr>
-      <p:grpSpPr>
-        <a:xfrm>
-          <a:off x="0" y="0"/>
-          <a:ext cx="0" cy="0"/>
-          <a:chOff x="0" y="0"/>
-          <a:chExt cx="0" cy="0"/>
-        </a:xfrm>
-      </p:grpSpPr>
-      <p:sp>
-        <p:nvSpPr>
-          <p:cNvPr id="3" name="内容占位符 2">
-            <a:extLst>
-              <a:ext uri="{FF2B5EF4-FFF2-40B4-BE49-F238E27FC236}">
-                <a16:creationId xmlns:a16="http://schemas.microsoft.com/office/drawing/2014/main" id="{D7BF1A31-278F-0748-A4C2-24A90AE49376}"/>
-              </a:ext>
-            </a:extLst>
-          </p:cNvPr>
-          <p:cNvSpPr>
-            <a:spLocks noGrp="1"/>
-          </p:cNvSpPr>
-          <p:nvPr>
-            <p:ph idx="1"/>
-          </p:nvPr>
-        </p:nvSpPr>
-        <p:spPr>
-          <a:xfrm>
-            <a:off x="1517649" y="2762250"/>
-            <a:ext cx="8915400" cy="3777622"/>
-          </a:xfrm>
-        </p:spPr>
-        <p:txBody>
-          <a:bodyPr>
-            <a:normAutofit/>
-          </a:bodyPr>
-          <a:lstStyle/>
-          <a:p>
-            <a:pPr marL="0" indent="0" algn="ctr">
-              <a:buNone/>
-            </a:pPr>
-            <a:r>
-              <a:rPr kumimoji="1" lang="en-US" altLang="zh-CN" sz="8000" dirty="0"/>
-              <a:t>THANKS</a:t>
-            </a:r>
-            <a:endParaRPr kumimoji="1" lang="zh-CN" altLang="en-US" sz="8000" dirty="0"/>
-          </a:p>
-        </p:txBody>
-      </p:sp>
-      <p:sp>
-        <p:nvSpPr>
-          <p:cNvPr id="4" name="副标题 2">
-            <a:extLst>
-              <a:ext uri="{FF2B5EF4-FFF2-40B4-BE49-F238E27FC236}">
-                <a16:creationId xmlns:a16="http://schemas.microsoft.com/office/drawing/2014/main" id="{1C21C055-1812-3949-BBFE-76BC21AD181F}"/>
-              </a:ext>
-            </a:extLst>
-          </p:cNvPr>
-          <p:cNvSpPr txBox="1">
-            <a:spLocks/>
-          </p:cNvSpPr>
-          <p:nvPr/>
-        </p:nvSpPr>
-        <p:spPr>
-          <a:xfrm>
-            <a:off x="2589213" y="4320179"/>
-            <a:ext cx="8915399" cy="1126283"/>
-          </a:xfrm>
-          <a:prstGeom prst="rect">
-            <a:avLst/>
-          </a:prstGeom>
-        </p:spPr>
-        <p:txBody>
-          <a:bodyPr vert="horz" lIns="91440" tIns="45720" rIns="91440" bIns="45720" rtlCol="0">
-            <a:normAutofit lnSpcReduction="10000"/>
-          </a:bodyPr>
-          <a:lstStyle>
-            <a:lvl1pPr marL="342900" indent="-342900" algn="l" defTabSz="457200" rtl="0" eaLnBrk="1" latinLnBrk="0" hangingPunct="1">
-              <a:spcBef>
-                <a:spcPts val="1000"/>
-              </a:spcBef>
-              <a:spcAft>
-                <a:spcPts val="0"/>
-              </a:spcAft>
-              <a:buClr>
-                <a:schemeClr val="accent1"/>
-              </a:buClr>
-              <a:buFont typeface="Wingdings 3" charset="2"/>
-              <a:buChar char=""/>
-              <a:defRPr sz="1800" kern="1200">
-                <a:solidFill>
-                  <a:schemeClr val="tx1">
-                    <a:lumMod val="75000"/>
-                    <a:lumOff val="25000"/>
-                  </a:schemeClr>
-                </a:solidFill>
-                <a:latin typeface="+mn-lt"/>
-                <a:ea typeface="+mn-ea"/>
-                <a:cs typeface="+mn-cs"/>
-              </a:defRPr>
-            </a:lvl1pPr>
-            <a:lvl2pPr marL="742950" indent="-285750" algn="l" defTabSz="457200" rtl="0" eaLnBrk="1" latinLnBrk="0" hangingPunct="1">
-              <a:spcBef>
-                <a:spcPts val="1000"/>
-              </a:spcBef>
-              <a:spcAft>
-                <a:spcPts val="0"/>
-              </a:spcAft>
-              <a:buClr>
-                <a:schemeClr val="accent1"/>
-              </a:buClr>
-              <a:buFont typeface="Wingdings 3" charset="2"/>
-              <a:buChar char=""/>
-              <a:defRPr sz="1600" kern="1200">
-                <a:solidFill>
-                  <a:schemeClr val="tx1">
-                    <a:lumMod val="75000"/>
-                    <a:lumOff val="25000"/>
-                  </a:schemeClr>
-                </a:solidFill>
-                <a:latin typeface="+mn-lt"/>
-                <a:ea typeface="+mn-ea"/>
-                <a:cs typeface="+mn-cs"/>
-              </a:defRPr>
-            </a:lvl2pPr>
-            <a:lvl3pPr marL="1143000" indent="-228600" algn="l" defTabSz="457200" rtl="0" eaLnBrk="1" latinLnBrk="0" hangingPunct="1">
-              <a:spcBef>
-                <a:spcPts val="1000"/>
-              </a:spcBef>
-              <a:spcAft>
-                <a:spcPts val="0"/>
-              </a:spcAft>
-              <a:buClr>
-                <a:schemeClr val="accent1"/>
-              </a:buClr>
-              <a:buFont typeface="Wingdings 3" charset="2"/>
-              <a:buChar char=""/>
-              <a:defRPr sz="1400" kern="1200">
-                <a:solidFill>
-                  <a:schemeClr val="tx1">
-                    <a:lumMod val="75000"/>
-                    <a:lumOff val="25000"/>
-                  </a:schemeClr>
-                </a:solidFill>
-                <a:latin typeface="+mn-lt"/>
-                <a:ea typeface="+mn-ea"/>
-                <a:cs typeface="+mn-cs"/>
-              </a:defRPr>
-            </a:lvl3pPr>
-            <a:lvl4pPr marL="1600200" indent="-228600" algn="l" defTabSz="457200" rtl="0" eaLnBrk="1" latinLnBrk="0" hangingPunct="1">
-              <a:spcBef>
-                <a:spcPts val="1000"/>
-              </a:spcBef>
-              <a:spcAft>
-                <a:spcPts val="0"/>
-              </a:spcAft>
-              <a:buClr>
-                <a:schemeClr val="accent1"/>
-              </a:buClr>
-              <a:buFont typeface="Wingdings 3" charset="2"/>
-              <a:buChar char=""/>
-              <a:defRPr sz="1200" kern="1200">
-                <a:solidFill>
-                  <a:schemeClr val="tx1">
-                    <a:lumMod val="75000"/>
-                    <a:lumOff val="25000"/>
-                  </a:schemeClr>
-                </a:solidFill>
-                <a:latin typeface="+mn-lt"/>
-                <a:ea typeface="+mn-ea"/>
-                <a:cs typeface="+mn-cs"/>
-              </a:defRPr>
-            </a:lvl4pPr>
-            <a:lvl5pPr marL="2057400" indent="-228600" algn="l" defTabSz="457200" rtl="0" eaLnBrk="1" latinLnBrk="0" hangingPunct="1">
-              <a:spcBef>
-                <a:spcPts val="1000"/>
-              </a:spcBef>
-              <a:spcAft>
-                <a:spcPts val="0"/>
-              </a:spcAft>
-              <a:buClr>
-                <a:schemeClr val="accent1"/>
-              </a:buClr>
-              <a:buFont typeface="Wingdings 3" charset="2"/>
-              <a:buChar char=""/>
-              <a:defRPr sz="1200" kern="1200">
-                <a:solidFill>
-                  <a:schemeClr val="tx1">
-                    <a:lumMod val="75000"/>
-                    <a:lumOff val="25000"/>
-                  </a:schemeClr>
-                </a:solidFill>
-                <a:latin typeface="+mn-lt"/>
-                <a:ea typeface="+mn-ea"/>
-                <a:cs typeface="+mn-cs"/>
-              </a:defRPr>
-            </a:lvl5pPr>
-            <a:lvl6pPr marL="2514600" indent="-228600" algn="l" defTabSz="457200" rtl="0" eaLnBrk="1" latinLnBrk="0" hangingPunct="1">
-              <a:spcBef>
-                <a:spcPts val="1000"/>
-              </a:spcBef>
-              <a:spcAft>
-                <a:spcPts val="0"/>
-              </a:spcAft>
-              <a:buClr>
-                <a:schemeClr val="accent1"/>
-              </a:buClr>
-              <a:buFont typeface="Wingdings 3" charset="2"/>
-              <a:buChar char=""/>
-              <a:defRPr sz="1200" kern="1200">
-                <a:solidFill>
-                  <a:schemeClr val="tx1">
-                    <a:lumMod val="75000"/>
-                    <a:lumOff val="25000"/>
-                  </a:schemeClr>
-                </a:solidFill>
-                <a:latin typeface="+mn-lt"/>
-                <a:ea typeface="+mn-ea"/>
-                <a:cs typeface="+mn-cs"/>
-              </a:defRPr>
-            </a:lvl6pPr>
-            <a:lvl7pPr marL="2971800" indent="-228600" algn="l" defTabSz="457200" rtl="0" eaLnBrk="1" latinLnBrk="0" hangingPunct="1">
-              <a:spcBef>
-                <a:spcPts val="1000"/>
-              </a:spcBef>
-              <a:spcAft>
-                <a:spcPts val="0"/>
-              </a:spcAft>
-              <a:buClr>
-                <a:schemeClr val="accent1"/>
-              </a:buClr>
-              <a:buFont typeface="Wingdings 3" charset="2"/>
-              <a:buChar char=""/>
-              <a:defRPr sz="1200" kern="1200">
-                <a:solidFill>
-                  <a:schemeClr val="tx1">
-                    <a:lumMod val="75000"/>
-                    <a:lumOff val="25000"/>
-                  </a:schemeClr>
-                </a:solidFill>
-                <a:latin typeface="+mn-lt"/>
-                <a:ea typeface="+mn-ea"/>
-                <a:cs typeface="+mn-cs"/>
-              </a:defRPr>
-            </a:lvl7pPr>
-            <a:lvl8pPr marL="3429000" indent="-228600" algn="l" defTabSz="457200" rtl="0" eaLnBrk="1" latinLnBrk="0" hangingPunct="1">
-              <a:spcBef>
-                <a:spcPts val="1000"/>
-              </a:spcBef>
-              <a:spcAft>
-                <a:spcPts val="0"/>
-              </a:spcAft>
-              <a:buClr>
-                <a:schemeClr val="accent1"/>
-              </a:buClr>
-              <a:buFont typeface="Wingdings 3" charset="2"/>
-              <a:buChar char=""/>
-              <a:defRPr sz="1200" kern="1200">
-                <a:solidFill>
-                  <a:schemeClr val="tx1">
-                    <a:lumMod val="75000"/>
-                    <a:lumOff val="25000"/>
-                  </a:schemeClr>
-                </a:solidFill>
-                <a:latin typeface="+mn-lt"/>
-                <a:ea typeface="+mn-ea"/>
-                <a:cs typeface="+mn-cs"/>
-              </a:defRPr>
-            </a:lvl8pPr>
-            <a:lvl9pPr marL="3886200" indent="-228600" algn="l" defTabSz="457200" rtl="0" eaLnBrk="1" latinLnBrk="0" hangingPunct="1">
-              <a:spcBef>
-                <a:spcPts val="1000"/>
-              </a:spcBef>
-              <a:spcAft>
-                <a:spcPts val="0"/>
-              </a:spcAft>
-              <a:buClr>
-                <a:schemeClr val="accent1"/>
-              </a:buClr>
-              <a:buFont typeface="Wingdings 3" charset="2"/>
-              <a:buChar char=""/>
-              <a:defRPr sz="1200" kern="1200">
-                <a:solidFill>
-                  <a:schemeClr val="tx1">
-                    <a:lumMod val="75000"/>
-                    <a:lumOff val="25000"/>
-                  </a:schemeClr>
-                </a:solidFill>
-                <a:latin typeface="+mn-lt"/>
-                <a:ea typeface="+mn-ea"/>
-                <a:cs typeface="+mn-cs"/>
-              </a:defRPr>
-            </a:lvl9pPr>
-          </a:lstStyle>
-          <a:p>
-            <a:pPr marL="0" indent="0">
-              <a:buNone/>
-            </a:pPr>
-            <a:r>
-              <a:rPr kumimoji="1" lang="en-US" altLang="zh-CN" dirty="0"/>
-              <a:t>														</a:t>
-            </a:r>
-          </a:p>
-          <a:p>
-            <a:pPr marL="0" indent="0">
-              <a:buNone/>
-            </a:pPr>
-            <a:r>
-              <a:rPr kumimoji="1" lang="en-US" altLang="zh-Hans" dirty="0"/>
-              <a:t>												</a:t>
-            </a:r>
-            <a:r>
-              <a:rPr kumimoji="1" lang="en-US" altLang="zh-CN" dirty="0"/>
-              <a:t>2015310652</a:t>
-            </a:r>
-            <a:r>
-              <a:rPr kumimoji="1" lang="zh-Hans" altLang="en-US" dirty="0"/>
-              <a:t>  </a:t>
-            </a:r>
-            <a:r>
-              <a:rPr kumimoji="1" lang="zh-CN" altLang="en-US" dirty="0"/>
-              <a:t>高伟</a:t>
-            </a:r>
-            <a:endParaRPr kumimoji="1" lang="en-US" altLang="zh-CN" dirty="0"/>
-          </a:p>
-          <a:p>
-            <a:pPr marL="0" indent="0">
-              <a:buNone/>
-            </a:pPr>
-            <a:r>
-              <a:rPr kumimoji="1" lang="en-US" altLang="zh-Hans" dirty="0"/>
-              <a:t>											</a:t>
-            </a:r>
-          </a:p>
-        </p:txBody>
-      </p:sp>
-    </p:spTree>
-    <p:extLst>
-      <p:ext uri="{BB962C8B-B14F-4D97-AF65-F5344CB8AC3E}">
-        <p14:creationId xmlns:p14="http://schemas.microsoft.com/office/powerpoint/2010/main" val="1297025894"/>
-      </p:ext>
-    </p:extLst>
-  </p:cSld>
-  <p:clrMapOvr>
-    <a:masterClrMapping/>
-  </p:clrMapOvr>
-</p:sld>
-</file>
-
 <file path=ppt/slides/slide3.xml><?xml version="1.0" encoding="utf-8"?>
 <p:sld xmlns:a="http://schemas.openxmlformats.org/drawingml/2006/main" xmlns:r="http://schemas.openxmlformats.org/officeDocument/2006/relationships" xmlns:p="http://schemas.openxmlformats.org/presentationml/2006/main">
   <p:cSld>
@@ -12050,6 +11713,75 @@
     <p:extLst>
       <p:ext uri="{BB962C8B-B14F-4D97-AF65-F5344CB8AC3E}">
         <p14:creationId xmlns:p14="http://schemas.microsoft.com/office/powerpoint/2010/main" val="42864808"/>
+      </p:ext>
+    </p:extLst>
+  </p:cSld>
+  <p:clrMapOvr>
+    <a:masterClrMapping/>
+  </p:clrMapOvr>
+</p:sld>
+</file>
+
+<file path=ppt/slides/slide30.xml><?xml version="1.0" encoding="utf-8"?>
+<p:sld xmlns:a="http://schemas.openxmlformats.org/drawingml/2006/main" xmlns:r="http://schemas.openxmlformats.org/officeDocument/2006/relationships" xmlns:p="http://schemas.openxmlformats.org/presentationml/2006/main">
+  <p:cSld>
+    <p:spTree>
+      <p:nvGrpSpPr>
+        <p:cNvPr id="1" name=""/>
+        <p:cNvGrpSpPr/>
+        <p:nvPr/>
+      </p:nvGrpSpPr>
+      <p:grpSpPr>
+        <a:xfrm>
+          <a:off x="0" y="0"/>
+          <a:ext cx="0" cy="0"/>
+          <a:chOff x="0" y="0"/>
+          <a:chExt cx="0" cy="0"/>
+        </a:xfrm>
+      </p:grpSpPr>
+      <p:sp>
+        <p:nvSpPr>
+          <p:cNvPr id="3" name="内容占位符 2">
+            <a:extLst>
+              <a:ext uri="{FF2B5EF4-FFF2-40B4-BE49-F238E27FC236}">
+                <a16:creationId xmlns:a16="http://schemas.microsoft.com/office/drawing/2014/main" id="{D7BF1A31-278F-0748-A4C2-24A90AE49376}"/>
+              </a:ext>
+            </a:extLst>
+          </p:cNvPr>
+          <p:cNvSpPr>
+            <a:spLocks noGrp="1"/>
+          </p:cNvSpPr>
+          <p:nvPr>
+            <p:ph idx="1"/>
+          </p:nvPr>
+        </p:nvSpPr>
+        <p:spPr>
+          <a:xfrm>
+            <a:off x="1517649" y="2762250"/>
+            <a:ext cx="8915400" cy="3777622"/>
+          </a:xfrm>
+        </p:spPr>
+        <p:txBody>
+          <a:bodyPr>
+            <a:normAutofit/>
+          </a:bodyPr>
+          <a:lstStyle/>
+          <a:p>
+            <a:pPr marL="0" indent="0" algn="ctr">
+              <a:buNone/>
+            </a:pPr>
+            <a:r>
+              <a:rPr kumimoji="1" lang="en-US" altLang="zh-CN" sz="8000" dirty="0"/>
+              <a:t>THANKS</a:t>
+            </a:r>
+            <a:endParaRPr kumimoji="1" lang="zh-CN" altLang="en-US" sz="8000" dirty="0"/>
+          </a:p>
+        </p:txBody>
+      </p:sp>
+    </p:spTree>
+    <p:extLst>
+      <p:ext uri="{BB962C8B-B14F-4D97-AF65-F5344CB8AC3E}">
+        <p14:creationId xmlns:p14="http://schemas.microsoft.com/office/powerpoint/2010/main" val="1297025894"/>
       </p:ext>
     </p:extLst>
   </p:cSld>
@@ -12111,6 +11843,10 @@
               <a:rPr kumimoji="1" lang="zh-Hans" altLang="en-US" dirty="0"/>
               <a:t> </a:t>
             </a:r>
+            <a:r>
+              <a:rPr kumimoji="1" lang="en-US" altLang="zh-Hans" dirty="0"/>
+              <a:t>(USENIX ATC 2014)</a:t>
+            </a:r>
             <a:br>
               <a:rPr kumimoji="1" lang="en-US" altLang="zh-CN" dirty="0"/>
             </a:br>
@@ -12148,13 +11884,24 @@
             </a:pPr>
             <a:r>
               <a:rPr lang="en-US" altLang="zh-CN" sz="2000" dirty="0"/>
-              <a:t>USENIX ATC 2014 </a:t>
-            </a:r>
-            <a:r>
-              <a:rPr lang="zh-CN" altLang="en-US" sz="2000" dirty="0"/>
-              <a:t>，</a:t>
-            </a:r>
-            <a:endParaRPr lang="en-US" altLang="zh-CN" sz="2000" dirty="0"/>
+              <a:t>Yusuke Suzuki , </a:t>
+            </a:r>
+            <a:r>
+              <a:rPr lang="en-US" altLang="zh-CN" sz="2000" dirty="0" err="1"/>
+              <a:t>Shinpei</a:t>
+            </a:r>
+            <a:r>
+              <a:rPr lang="en-US" altLang="zh-CN" sz="2000" dirty="0"/>
+              <a:t> Kato, Hiroshi Yamada , Kenji </a:t>
+            </a:r>
+            <a:r>
+              <a:rPr lang="en-US" altLang="zh-CN" sz="2000" dirty="0" err="1"/>
+              <a:t>Kono</a:t>
+            </a:r>
+            <a:r>
+              <a:rPr lang="en-US" altLang="zh-CN" sz="2000" dirty="0"/>
+              <a:t> </a:t>
+            </a:r>
           </a:p>
           <a:p>
             <a:pPr>
@@ -12170,10 +11917,6 @@
               <a:rPr lang="zh-Hans" altLang="en-US" sz="2000" dirty="0"/>
               <a:t> </a:t>
             </a:r>
-            <a:r>
-              <a:rPr lang="zh-CN" altLang="en-US" sz="2000" dirty="0"/>
-              <a:t>第一作者</a:t>
-            </a:r>
             <a:endParaRPr lang="en-US" altLang="zh-CN" sz="2000" dirty="0"/>
           </a:p>
           <a:p>
@@ -12183,8 +11926,16 @@
               </a:lnSpc>
             </a:pPr>
             <a:r>
-              <a:rPr lang="zh-CN" altLang="en-US" sz="1800" dirty="0"/>
-              <a:t>主要研究 浏览器、操作系统、加速器等。</a:t>
+              <a:rPr lang="en-US" altLang="zh-CN" dirty="0"/>
+              <a:t>Web Browsers </a:t>
+            </a:r>
+            <a:r>
+              <a:rPr lang="en-US" altLang="zh-CN" sz="1800" dirty="0"/>
+              <a:t>,</a:t>
+            </a:r>
+            <a:r>
+              <a:rPr lang="en-US" altLang="zh-CN" dirty="0"/>
+              <a:t> System Software, Accelerators: GPU, FPGA, Intel Xeon Phi</a:t>
             </a:r>
             <a:endParaRPr lang="en-US" altLang="zh-CN" sz="1800" dirty="0"/>
           </a:p>
@@ -12211,9 +11962,18 @@
               </a:lnSpc>
             </a:pPr>
             <a:r>
-              <a:rPr lang="zh-CN" altLang="en-US" sz="1800" dirty="0"/>
-              <a:t>研究方向涉及操作系统、网络安全、分布式和并行系统、编程语言系统等。 </a:t>
-            </a:r>
+              <a:rPr lang="en-US" altLang="zh-CN" dirty="0"/>
+              <a:t>Operating systems </a:t>
+            </a:r>
+            <a:r>
+              <a:rPr lang="en-US" altLang="zh-CN" sz="1800" dirty="0"/>
+              <a:t>,</a:t>
+            </a:r>
+            <a:r>
+              <a:rPr lang="en-US" altLang="zh-CN" dirty="0"/>
+              <a:t> Internet security, distributed and parallel systems,  programming language systems</a:t>
+            </a:r>
+            <a:endParaRPr lang="zh-CN" altLang="en-US" sz="1800" dirty="0"/>
           </a:p>
           <a:p>
             <a:pPr marL="457200" lvl="1" indent="0">
@@ -12275,9 +12035,10 @@
           <a:lstStyle/>
           <a:p>
             <a:r>
-              <a:rPr kumimoji="1" lang="zh-CN" altLang="en-US" dirty="0"/>
-              <a:t>背景</a:t>
-            </a:r>
+              <a:rPr kumimoji="1" lang="en-US" altLang="zh-CN" dirty="0"/>
+              <a:t>Background</a:t>
+            </a:r>
+            <a:endParaRPr kumimoji="1" lang="zh-CN" altLang="en-US" dirty="0"/>
           </a:p>
         </p:txBody>
       </p:sp>
@@ -12299,7 +12060,9 @@
         </p:nvSpPr>
         <p:spPr/>
         <p:txBody>
-          <a:bodyPr/>
+          <a:bodyPr>
+            <a:normAutofit/>
+          </a:bodyPr>
           <a:lstStyle/>
           <a:p>
             <a:pPr>
@@ -12308,24 +12071,16 @@
               </a:lnSpc>
             </a:pPr>
             <a:r>
-              <a:rPr lang="zh-CN" altLang="en-US" sz="2000" dirty="0"/>
-              <a:t>大多数的 </a:t>
-            </a:r>
-            <a:r>
-              <a:rPr lang="en-US" altLang="zh-CN" sz="2000" dirty="0"/>
-              <a:t>GPGPU </a:t>
-            </a:r>
-            <a:r>
-              <a:rPr lang="zh-CN" altLang="en-US" sz="2000" dirty="0"/>
-              <a:t>应用也停留在研究层面。其原因主要是 </a:t>
-            </a:r>
-            <a:r>
-              <a:rPr lang="en-US" altLang="zh-CN" sz="2000" dirty="0"/>
-              <a:t>GPU </a:t>
-            </a:r>
-            <a:r>
-              <a:rPr lang="zh-CN" altLang="en-US" sz="2000" dirty="0"/>
-              <a:t>及其 相关的软件系统不支持虚拟化，无法为多个用户提供资源隔离。 </a:t>
+              <a:rPr lang="en-US" altLang="zh-CN" sz="2400" dirty="0"/>
+              <a:t>GPU is not the first-class ci</a:t>
+            </a:r>
+            <a:r>
+              <a:rPr lang="en-US" altLang="zh-Hans" sz="2400" dirty="0"/>
+              <a:t>ti</a:t>
+            </a:r>
+            <a:r>
+              <a:rPr lang="en-US" altLang="zh-CN" sz="2400" dirty="0"/>
+              <a:t>zen of cloud computing environment and enterprise servers</a:t>
             </a:r>
           </a:p>
           <a:p>
@@ -12335,8 +12090,8 @@
               </a:lnSpc>
             </a:pPr>
             <a:r>
-              <a:rPr lang="en-US" altLang="zh-CN" sz="1800" dirty="0"/>
-              <a:t>I/O Pass-through </a:t>
+              <a:rPr lang="en-US" altLang="zh-CN" sz="2000" dirty="0"/>
+              <a:t>Can not multiplex GPGPU among virtual machines</a:t>
             </a:r>
           </a:p>
           <a:p>
@@ -12346,68 +12101,29 @@
               </a:lnSpc>
             </a:pPr>
             <a:r>
-              <a:rPr lang="en-US" altLang="zh-CN" sz="1800" dirty="0"/>
-              <a:t>API remoting </a:t>
-            </a:r>
-          </a:p>
-          <a:p>
-            <a:pPr lvl="1">
+              <a:rPr lang="en-US" altLang="zh-CN" sz="2000" dirty="0"/>
+              <a:t>Can not consolidate VMs that run GPGPU applications</a:t>
+            </a:r>
+          </a:p>
+          <a:p>
+            <a:pPr>
               <a:lnSpc>
                 <a:spcPct val="150000"/>
               </a:lnSpc>
             </a:pPr>
             <a:r>
-              <a:rPr lang="en-US" altLang="zh-CN" sz="1800" dirty="0"/>
-              <a:t>Para-virtualization </a:t>
-            </a:r>
-          </a:p>
-          <a:p>
-            <a:pPr marL="457200" lvl="1" indent="0">
-              <a:lnSpc>
-                <a:spcPct val="150000"/>
-              </a:lnSpc>
-              <a:buNone/>
-            </a:pPr>
-            <a:r>
-              <a:rPr lang="zh-CN" altLang="en-US" sz="1800" dirty="0">
+              <a:rPr lang="en-US" altLang="zh-CN" sz="2400" dirty="0">
                 <a:solidFill>
                   <a:srgbClr val="FF0000"/>
                 </a:solidFill>
               </a:rPr>
-              <a:t>不能为多个 </a:t>
-            </a:r>
-            <a:r>
-              <a:rPr lang="en-US" altLang="zh-CN" sz="1800" dirty="0">
-                <a:solidFill>
-                  <a:srgbClr val="FF0000"/>
-                </a:solidFill>
-              </a:rPr>
-              <a:t>VM </a:t>
-            </a:r>
-            <a:r>
-              <a:rPr lang="zh-CN" altLang="en-US" sz="1800" dirty="0">
-                <a:solidFill>
-                  <a:srgbClr val="FF0000"/>
-                </a:solidFill>
-              </a:rPr>
-              <a:t>提供 </a:t>
-            </a:r>
-            <a:r>
-              <a:rPr lang="en-US" altLang="zh-CN" sz="1800" dirty="0">
-                <a:solidFill>
-                  <a:srgbClr val="FF0000"/>
-                </a:solidFill>
-              </a:rPr>
-              <a:t>GPU </a:t>
-            </a:r>
-            <a:r>
-              <a:rPr lang="zh-CN" altLang="en-US" sz="1800" dirty="0">
-                <a:solidFill>
-                  <a:srgbClr val="FF0000"/>
-                </a:solidFill>
-              </a:rPr>
-              <a:t>资源隔离，并且需要修改驱动 </a:t>
-            </a:r>
+              <a:t>GPU virtualization</a:t>
+            </a:r>
+            <a:endParaRPr lang="zh-CN" altLang="en-US" sz="2400" dirty="0">
+              <a:solidFill>
+                <a:srgbClr val="FF0000"/>
+              </a:solidFill>
+            </a:endParaRPr>
           </a:p>
           <a:p>
             <a:endParaRPr kumimoji="1" lang="zh-CN" altLang="en-US" dirty="0"/>
@@ -12424,6 +12140,97 @@
   <p:clrMapOvr>
     <a:masterClrMapping/>
   </p:clrMapOvr>
+  <p:timing>
+    <p:tnLst>
+      <p:par>
+        <p:cTn id="1" dur="indefinite" restart="never" nodeType="tmRoot">
+          <p:childTnLst>
+            <p:seq concurrent="1" nextAc="seek">
+              <p:cTn id="2" dur="indefinite" nodeType="mainSeq">
+                <p:childTnLst>
+                  <p:par>
+                    <p:cTn id="3" fill="hold">
+                      <p:stCondLst>
+                        <p:cond delay="indefinite"/>
+                      </p:stCondLst>
+                      <p:childTnLst>
+                        <p:par>
+                          <p:cTn id="4" fill="hold">
+                            <p:stCondLst>
+                              <p:cond delay="0"/>
+                            </p:stCondLst>
+                            <p:childTnLst>
+                              <p:par>
+                                <p:cTn id="5" presetID="3" presetClass="entr" presetSubtype="10" fill="hold" nodeType="clickEffect">
+                                  <p:stCondLst>
+                                    <p:cond delay="0"/>
+                                  </p:stCondLst>
+                                  <p:childTnLst>
+                                    <p:set>
+                                      <p:cBhvr>
+                                        <p:cTn id="6" dur="1" fill="hold">
+                                          <p:stCondLst>
+                                            <p:cond delay="0"/>
+                                          </p:stCondLst>
+                                        </p:cTn>
+                                        <p:tgtEl>
+                                          <p:spTgt spid="3">
+                                            <p:txEl>
+                                              <p:pRg st="3" end="3"/>
+                                            </p:txEl>
+                                          </p:spTgt>
+                                        </p:tgtEl>
+                                        <p:attrNameLst>
+                                          <p:attrName>style.visibility</p:attrName>
+                                        </p:attrNameLst>
+                                      </p:cBhvr>
+                                      <p:to>
+                                        <p:strVal val="visible"/>
+                                      </p:to>
+                                    </p:set>
+                                    <p:animEffect transition="in" filter="blinds(horizontal)">
+                                      <p:cBhvr>
+                                        <p:cTn id="7" dur="500"/>
+                                        <p:tgtEl>
+                                          <p:spTgt spid="3">
+                                            <p:txEl>
+                                              <p:pRg st="3" end="3"/>
+                                            </p:txEl>
+                                          </p:spTgt>
+                                        </p:tgtEl>
+                                      </p:cBhvr>
+                                    </p:animEffect>
+                                  </p:childTnLst>
+                                </p:cTn>
+                              </p:par>
+                            </p:childTnLst>
+                          </p:cTn>
+                        </p:par>
+                      </p:childTnLst>
+                    </p:cTn>
+                  </p:par>
+                </p:childTnLst>
+              </p:cTn>
+              <p:prevCondLst>
+                <p:cond evt="onPrev" delay="0">
+                  <p:tgtEl>
+                    <p:sldTgt/>
+                  </p:tgtEl>
+                </p:cond>
+              </p:prevCondLst>
+              <p:nextCondLst>
+                <p:cond evt="onNext" delay="0">
+                  <p:tgtEl>
+                    <p:sldTgt/>
+                  </p:tgtEl>
+                </p:cond>
+              </p:nextCondLst>
+            </p:seq>
+          </p:childTnLst>
+        </p:cTn>
+      </p:par>
+    </p:tnLst>
+  </p:timing>
 </p:sld>
 </file>
 
@@ -12449,7 +12256,7 @@
           <p:cNvPr id="2" name="标题 1">
             <a:extLst>
               <a:ext uri="{FF2B5EF4-FFF2-40B4-BE49-F238E27FC236}">
-                <a16:creationId xmlns:a16="http://schemas.microsoft.com/office/drawing/2014/main" id="{ACDB0E9F-7537-B742-9D9D-DCB0078C7A1C}"/>
+                <a16:creationId xmlns:a16="http://schemas.microsoft.com/office/drawing/2014/main" id="{C51B4F44-3A90-7740-863C-E4FEFAE4C057}"/>
               </a:ext>
             </a:extLst>
           </p:cNvPr>
@@ -12467,11 +12274,7 @@
           <a:p>
             <a:r>
               <a:rPr kumimoji="1" lang="en-US" altLang="zh-CN" dirty="0"/>
-              <a:t>GPU </a:t>
-            </a:r>
-            <a:r>
-              <a:rPr kumimoji="1" lang="zh-Hans" altLang="en-US" dirty="0"/>
-              <a:t>架构</a:t>
+              <a:t>Relative Works</a:t>
             </a:r>
             <a:endParaRPr kumimoji="1" lang="zh-CN" altLang="en-US" dirty="0"/>
           </a:p>
@@ -12482,7 +12285,7 @@
           <p:cNvPr id="3" name="内容占位符 2">
             <a:extLst>
               <a:ext uri="{FF2B5EF4-FFF2-40B4-BE49-F238E27FC236}">
-                <a16:creationId xmlns:a16="http://schemas.microsoft.com/office/drawing/2014/main" id="{A9D829C0-B8C3-E642-8965-6325ADC2F032}"/>
+                <a16:creationId xmlns:a16="http://schemas.microsoft.com/office/drawing/2014/main" id="{7F2D3BD5-5879-BA41-8C1F-8377C676BBF9}"/>
               </a:ext>
             </a:extLst>
           </p:cNvPr>
@@ -12495,47 +12298,94 @@
         </p:nvSpPr>
         <p:spPr/>
         <p:txBody>
-          <a:bodyPr/>
-          <a:lstStyle/>
+          <a:bodyPr>
+            <a:normAutofit fontScale="92500" lnSpcReduction="20000"/>
+          </a:bodyPr>
+          <a:lstStyle/>
+          <a:p>
+            <a:pPr>
+              <a:lnSpc>
+                <a:spcPct val="150000"/>
+              </a:lnSpc>
+            </a:pPr>
+            <a:r>
+              <a:rPr kumimoji="1" lang="en-US" altLang="zh-CN" sz="2800" dirty="0"/>
+              <a:t>I/O Pass-through </a:t>
+            </a:r>
+          </a:p>
+          <a:p>
+            <a:pPr lvl="1">
+              <a:lnSpc>
+                <a:spcPct val="150000"/>
+              </a:lnSpc>
+            </a:pPr>
+            <a:r>
+              <a:rPr kumimoji="1" lang="en-US" altLang="zh-CN" sz="2600" dirty="0"/>
+              <a:t>minimize overhead of virtualization </a:t>
+            </a:r>
+          </a:p>
+          <a:p>
+            <a:pPr>
+              <a:lnSpc>
+                <a:spcPct val="150000"/>
+              </a:lnSpc>
+            </a:pPr>
+            <a:r>
+              <a:rPr kumimoji="1" lang="en-US" altLang="zh-CN" sz="2800" dirty="0"/>
+              <a:t>Para-virtualization </a:t>
+            </a:r>
+          </a:p>
+          <a:p>
+            <a:pPr lvl="1">
+              <a:lnSpc>
+                <a:spcPct val="150000"/>
+              </a:lnSpc>
+            </a:pPr>
+            <a:r>
+              <a:rPr kumimoji="1" lang="en-US" altLang="zh-CN" sz="2600" dirty="0"/>
+              <a:t>Expose an ideal GPU device model to VMs</a:t>
+            </a:r>
+          </a:p>
+          <a:p>
+            <a:pPr lvl="1">
+              <a:lnSpc>
+                <a:spcPct val="150000"/>
+              </a:lnSpc>
+            </a:pPr>
+            <a:r>
+              <a:rPr kumimoji="1" lang="en-US" altLang="zh-CN" sz="2600" dirty="0"/>
+              <a:t>Guest device driver must be modified or </a:t>
+            </a:r>
+            <a:r>
+              <a:rPr kumimoji="1" lang="en-US" altLang="zh-CN" sz="2600" dirty="0" err="1"/>
+              <a:t>rewriten</a:t>
+            </a:r>
+            <a:r>
+              <a:rPr kumimoji="1" lang="en-US" altLang="zh-CN" sz="2600" dirty="0"/>
+              <a:t> </a:t>
+            </a:r>
+            <a:br>
+              <a:rPr kumimoji="1" lang="en-US" altLang="zh-CN" sz="2800" dirty="0"/>
+            </a:br>
+            <a:endParaRPr kumimoji="1" lang="en-US" altLang="zh-CN" sz="2800" dirty="0"/>
+          </a:p>
+          <a:p>
+            <a:pPr lvl="1">
+              <a:lnSpc>
+                <a:spcPct val="150000"/>
+              </a:lnSpc>
+            </a:pPr>
+            <a:endParaRPr kumimoji="1" lang="en-US" altLang="zh-CN" sz="2600" dirty="0"/>
+          </a:p>
           <a:p>
             <a:endParaRPr kumimoji="1" lang="zh-CN" altLang="en-US" dirty="0"/>
           </a:p>
         </p:txBody>
       </p:sp>
-      <p:pic>
-        <p:nvPicPr>
-          <p:cNvPr id="4" name="图片 3">
-            <a:extLst>
-              <a:ext uri="{FF2B5EF4-FFF2-40B4-BE49-F238E27FC236}">
-                <a16:creationId xmlns:a16="http://schemas.microsoft.com/office/drawing/2014/main" id="{166CD4DC-374B-8940-97ED-3F5D63583FF6}"/>
-              </a:ext>
-            </a:extLst>
-          </p:cNvPr>
-          <p:cNvPicPr>
-            <a:picLocks noChangeAspect="1"/>
-          </p:cNvPicPr>
-          <p:nvPr/>
-        </p:nvPicPr>
-        <p:blipFill>
-          <a:blip r:embed="rId2"/>
-          <a:stretch>
-            <a:fillRect/>
-          </a:stretch>
-        </p:blipFill>
-        <p:spPr>
-          <a:xfrm>
-            <a:off x="2589212" y="2133600"/>
-            <a:ext cx="6870700" cy="3111500"/>
-          </a:xfrm>
-          <a:prstGeom prst="rect">
-            <a:avLst/>
-          </a:prstGeom>
-        </p:spPr>
-      </p:pic>
     </p:spTree>
     <p:extLst>
       <p:ext uri="{BB962C8B-B14F-4D97-AF65-F5344CB8AC3E}">
-        <p14:creationId xmlns:p14="http://schemas.microsoft.com/office/powerpoint/2010/main" val="1207348400"/>
+        <p14:creationId xmlns:p14="http://schemas.microsoft.com/office/powerpoint/2010/main" val="462613852"/>
       </p:ext>
     </p:extLst>
   </p:cSld>
@@ -12567,7 +12417,7 @@
           <p:cNvPr id="2" name="标题 1">
             <a:extLst>
               <a:ext uri="{FF2B5EF4-FFF2-40B4-BE49-F238E27FC236}">
-                <a16:creationId xmlns:a16="http://schemas.microsoft.com/office/drawing/2014/main" id="{F7CC8D94-482B-D642-AC9F-0352CD7F0BC6}"/>
+                <a16:creationId xmlns:a16="http://schemas.microsoft.com/office/drawing/2014/main" id="{ACDB0E9F-7537-B742-9D9D-DCB0078C7A1C}"/>
               </a:ext>
             </a:extLst>
           </p:cNvPr>
@@ -12584,8 +12434,8 @@
           <a:lstStyle/>
           <a:p>
             <a:r>
-              <a:rPr kumimoji="1" lang="en-US" altLang="zh-Hans" dirty="0" err="1"/>
-              <a:t>GPUvm</a:t>
+              <a:rPr kumimoji="1" lang="en-US" altLang="zh-CN" dirty="0"/>
+              <a:t>GPU</a:t>
             </a:r>
             <a:endParaRPr kumimoji="1" lang="zh-CN" altLang="en-US" dirty="0"/>
           </a:p>
@@ -12596,7 +12446,7 @@
           <p:cNvPr id="3" name="内容占位符 2">
             <a:extLst>
               <a:ext uri="{FF2B5EF4-FFF2-40B4-BE49-F238E27FC236}">
-                <a16:creationId xmlns:a16="http://schemas.microsoft.com/office/drawing/2014/main" id="{A13B0DD9-3A7E-5849-8FA8-6192E707BEDA}"/>
+                <a16:creationId xmlns:a16="http://schemas.microsoft.com/office/drawing/2014/main" id="{A9D829C0-B8C3-E642-8965-6325ADC2F032}"/>
               </a:ext>
             </a:extLst>
           </p:cNvPr>
@@ -12607,79 +12457,10 @@
             <p:ph idx="1"/>
           </p:nvPr>
         </p:nvSpPr>
-        <p:spPr>
-          <a:xfrm>
-            <a:off x="1131887" y="2333625"/>
-            <a:ext cx="8915400" cy="3777622"/>
-          </a:xfrm>
-        </p:spPr>
+        <p:spPr/>
         <p:txBody>
           <a:bodyPr/>
           <a:lstStyle/>
-          <a:p>
-            <a:r>
-              <a:rPr lang="en-US" altLang="zh-CN" sz="2400" dirty="0"/>
-              <a:t>Resource </a:t>
-            </a:r>
-            <a:r>
-              <a:rPr lang="en-US" altLang="zh-CN" sz="2400" dirty="0" err="1"/>
-              <a:t>Patitioning</a:t>
-            </a:r>
-            <a:r>
-              <a:rPr lang="en-US" altLang="zh-CN" sz="2400" dirty="0"/>
-              <a:t> </a:t>
-            </a:r>
-          </a:p>
-          <a:p>
-            <a:pPr lvl="1"/>
-            <a:r>
-              <a:rPr lang="en-US" altLang="zh-CN" sz="2200" dirty="0"/>
-              <a:t>memory</a:t>
-            </a:r>
-          </a:p>
-          <a:p>
-            <a:r>
-              <a:rPr lang="en-US" altLang="zh-CN" sz="2400" dirty="0"/>
-              <a:t>GPU Shadow Page Tables </a:t>
-            </a:r>
-            <a:endParaRPr lang="en-US" altLang="zh-CN" sz="2200" dirty="0"/>
-          </a:p>
-          <a:p>
-            <a:r>
-              <a:rPr lang="en-US" altLang="zh-CN" sz="2400" dirty="0"/>
-              <a:t>GPU Shadow Channel </a:t>
-            </a:r>
-          </a:p>
-          <a:p>
-            <a:r>
-              <a:rPr lang="en-US" altLang="zh-CN" sz="2400" dirty="0"/>
-              <a:t>GPU Fair-Share Scheduler</a:t>
-            </a:r>
-          </a:p>
-          <a:p>
-            <a:pPr lvl="1"/>
-            <a:r>
-              <a:rPr lang="en-US" altLang="zh-CN" dirty="0"/>
-              <a:t>non-preemp</a:t>
-            </a:r>
-            <a:r>
-              <a:rPr lang="en-US" altLang="zh-Hans" dirty="0"/>
-              <a:t>ti</a:t>
-            </a:r>
-            <a:r>
-              <a:rPr lang="en-US" altLang="zh-CN" dirty="0"/>
-              <a:t>ve </a:t>
-            </a:r>
-            <a:endParaRPr lang="en-US" altLang="zh-CN" sz="2400" dirty="0"/>
-          </a:p>
-          <a:p>
-            <a:pPr lvl="1"/>
-            <a:endParaRPr lang="en-US" altLang="zh-CN" sz="2200" dirty="0"/>
-          </a:p>
-          <a:p>
-            <a:pPr lvl="1"/>
-            <a:endParaRPr lang="en-US" altLang="zh-CN" sz="2200" dirty="0"/>
-          </a:p>
           <a:p>
             <a:endParaRPr kumimoji="1" lang="zh-CN" altLang="en-US" dirty="0"/>
           </a:p>
@@ -12690,7 +12471,7 @@
           <p:cNvPr id="4" name="图片 3">
             <a:extLst>
               <a:ext uri="{FF2B5EF4-FFF2-40B4-BE49-F238E27FC236}">
-                <a16:creationId xmlns:a16="http://schemas.microsoft.com/office/drawing/2014/main" id="{1DF0F3B4-B051-8C40-B7A0-7DEF204B959B}"/>
+                <a16:creationId xmlns:a16="http://schemas.microsoft.com/office/drawing/2014/main" id="{166CD4DC-374B-8940-97ED-3F5D63583FF6}"/>
               </a:ext>
             </a:extLst>
           </p:cNvPr>
@@ -12707,8 +12488,8 @@
         </p:blipFill>
         <p:spPr>
           <a:xfrm>
-            <a:off x="5895978" y="1590047"/>
-            <a:ext cx="5753100" cy="4521200"/>
+            <a:off x="1931987" y="1686884"/>
+            <a:ext cx="9328028" cy="4224338"/>
           </a:xfrm>
           <a:prstGeom prst="rect">
             <a:avLst/>
@@ -12718,7 +12499,7 @@
     </p:spTree>
     <p:extLst>
       <p:ext uri="{BB962C8B-B14F-4D97-AF65-F5344CB8AC3E}">
-        <p14:creationId xmlns:p14="http://schemas.microsoft.com/office/powerpoint/2010/main" val="3989728892"/>
+        <p14:creationId xmlns:p14="http://schemas.microsoft.com/office/powerpoint/2010/main" val="1207348400"/>
       </p:ext>
     </p:extLst>
   </p:cSld>
@@ -12750,7 +12531,7 @@
           <p:cNvPr id="2" name="标题 1">
             <a:extLst>
               <a:ext uri="{FF2B5EF4-FFF2-40B4-BE49-F238E27FC236}">
-                <a16:creationId xmlns:a16="http://schemas.microsoft.com/office/drawing/2014/main" id="{700290D1-9583-8848-8996-818D7BCA2F85}"/>
+                <a16:creationId xmlns:a16="http://schemas.microsoft.com/office/drawing/2014/main" id="{FC10DD23-9279-1F4D-82A0-DE75D09E78CA}"/>
               </a:ext>
             </a:extLst>
           </p:cNvPr>
@@ -12767,8 +12548,8 @@
           <a:lstStyle/>
           <a:p>
             <a:r>
-              <a:rPr kumimoji="1" lang="zh-Hans" altLang="en-US" dirty="0"/>
-              <a:t>局限性</a:t>
+              <a:rPr kumimoji="1" lang="en-US" altLang="zh-CN" dirty="0" err="1"/>
+              <a:t>GPUvm</a:t>
             </a:r>
             <a:endParaRPr kumimoji="1" lang="zh-CN" altLang="en-US" dirty="0"/>
           </a:p>
@@ -12779,7 +12560,7 @@
           <p:cNvPr id="3" name="内容占位符 2">
             <a:extLst>
               <a:ext uri="{FF2B5EF4-FFF2-40B4-BE49-F238E27FC236}">
-                <a16:creationId xmlns:a16="http://schemas.microsoft.com/office/drawing/2014/main" id="{D25EF003-68BE-2245-9273-10F1DD30783E}"/>
+                <a16:creationId xmlns:a16="http://schemas.microsoft.com/office/drawing/2014/main" id="{FFCE006F-6A5B-E544-B664-B6FD1E69C553}"/>
               </a:ext>
             </a:extLst>
           </p:cNvPr>
@@ -12795,105 +12576,44 @@
           <a:bodyPr/>
           <a:lstStyle/>
           <a:p>
-            <a:pPr>
-              <a:lnSpc>
-                <a:spcPct val="150000"/>
-              </a:lnSpc>
-            </a:pPr>
-            <a:r>
-              <a:rPr lang="zh-CN" altLang="en-US" sz="2000" dirty="0"/>
-              <a:t>通过实验验证，相对于没有虚拟化的情况，</a:t>
-            </a:r>
-            <a:r>
-              <a:rPr lang="en-US" altLang="zh-CN" sz="2000" dirty="0" err="1"/>
-              <a:t>GPUvm</a:t>
-            </a:r>
-            <a:r>
-              <a:rPr lang="en-US" altLang="zh-CN" sz="2000" dirty="0"/>
-              <a:t> </a:t>
-            </a:r>
-            <a:r>
-              <a:rPr lang="zh-CN" altLang="en-US" sz="2000" dirty="0"/>
-              <a:t>带来较大的开销，即使是经过多级 优化，其 </a:t>
-            </a:r>
-            <a:r>
-              <a:rPr lang="en-US" altLang="zh-CN" sz="2000" dirty="0"/>
-              <a:t>Para-virtualization </a:t>
-            </a:r>
-            <a:r>
-              <a:rPr lang="zh-CN" altLang="en-US" sz="2000" dirty="0"/>
-              <a:t>性能降低依然有 </a:t>
-            </a:r>
-            <a:r>
-              <a:rPr lang="en-US" altLang="zh-CN" sz="2000" dirty="0"/>
-              <a:t>2-3 </a:t>
-            </a:r>
-            <a:r>
-              <a:rPr lang="zh-CN" altLang="en-US" sz="2000" dirty="0"/>
-              <a:t>倍，全虚拟化性能降低达到了 </a:t>
-            </a:r>
-            <a:r>
-              <a:rPr lang="en-US" altLang="zh-CN" sz="2000" dirty="0"/>
-              <a:t>40 </a:t>
-            </a:r>
-            <a:r>
-              <a:rPr lang="zh-CN" altLang="en-US" sz="2000" dirty="0"/>
-              <a:t>倍。而 且对于 </a:t>
-            </a:r>
-            <a:r>
-              <a:rPr lang="en-US" altLang="zh-CN" sz="2000" dirty="0"/>
-              <a:t>8 </a:t>
-            </a:r>
-            <a:r>
-              <a:rPr lang="zh-CN" altLang="en-US" sz="2000" dirty="0"/>
-              <a:t>个 </a:t>
-            </a:r>
-            <a:r>
-              <a:rPr lang="en-US" altLang="zh-CN" sz="2000" dirty="0"/>
-              <a:t>VM </a:t>
-            </a:r>
-            <a:r>
-              <a:rPr lang="zh-CN" altLang="en-US" sz="2000" dirty="0"/>
-              <a:t>的情况，其开销增加相对于 </a:t>
-            </a:r>
-            <a:r>
-              <a:rPr lang="en-US" altLang="zh-CN" sz="2000" dirty="0"/>
-              <a:t>4 </a:t>
-            </a:r>
-            <a:r>
-              <a:rPr lang="zh-CN" altLang="en-US" sz="2000" dirty="0"/>
-              <a:t>个 </a:t>
-            </a:r>
-            <a:r>
-              <a:rPr lang="en-US" altLang="zh-CN" sz="2000" dirty="0"/>
-              <a:t>VM </a:t>
-            </a:r>
-            <a:r>
-              <a:rPr lang="zh-CN" altLang="en-US" sz="2000" dirty="0"/>
-              <a:t>十分明显。可见，</a:t>
-            </a:r>
-            <a:r>
-              <a:rPr lang="en-US" altLang="zh-CN" sz="2000" dirty="0" err="1"/>
-              <a:t>GPUvm</a:t>
-            </a:r>
-            <a:r>
-              <a:rPr lang="en-US" altLang="zh-CN" sz="2000" dirty="0"/>
-              <a:t> </a:t>
-            </a:r>
-            <a:r>
-              <a:rPr lang="zh-CN" altLang="en-US" sz="2000" dirty="0"/>
-              <a:t>尚不适合部署使用，而且横向扩展性能也较差 </a:t>
-            </a:r>
-          </a:p>
-          <a:p>
-            <a:endParaRPr kumimoji="1" lang="zh-CN" altLang="en-US" dirty="0"/>
-          </a:p>
-        </p:txBody>
-      </p:sp>
+            <a:endParaRPr kumimoji="1" lang="zh-CN" altLang="en-US"/>
+          </a:p>
+        </p:txBody>
+      </p:sp>
+      <p:pic>
+        <p:nvPicPr>
+          <p:cNvPr id="4" name="图片 3">
+            <a:extLst>
+              <a:ext uri="{FF2B5EF4-FFF2-40B4-BE49-F238E27FC236}">
+                <a16:creationId xmlns:a16="http://schemas.microsoft.com/office/drawing/2014/main" id="{8A695012-9175-574E-8DA7-9DAA85477951}"/>
+              </a:ext>
+            </a:extLst>
+          </p:cNvPr>
+          <p:cNvPicPr>
+            <a:picLocks noChangeAspect="1"/>
+          </p:cNvPicPr>
+          <p:nvPr/>
+        </p:nvPicPr>
+        <p:blipFill>
+          <a:blip r:embed="rId2"/>
+          <a:stretch>
+            <a:fillRect/>
+          </a:stretch>
+        </p:blipFill>
+        <p:spPr>
+          <a:xfrm>
+            <a:off x="2589212" y="2133600"/>
+            <a:ext cx="8701621" cy="3459163"/>
+          </a:xfrm>
+          <a:prstGeom prst="rect">
+            <a:avLst/>
+          </a:prstGeom>
+        </p:spPr>
+      </p:pic>
     </p:spTree>
     <p:extLst>
       <p:ext uri="{BB962C8B-B14F-4D97-AF65-F5344CB8AC3E}">
-        <p14:creationId xmlns:p14="http://schemas.microsoft.com/office/powerpoint/2010/main" val="1195723907"/>
+        <p14:creationId xmlns:p14="http://schemas.microsoft.com/office/powerpoint/2010/main" val="1026909462"/>
       </p:ext>
     </p:extLst>
   </p:cSld>
@@ -12925,7 +12645,7 @@
           <p:cNvPr id="2" name="标题 1">
             <a:extLst>
               <a:ext uri="{FF2B5EF4-FFF2-40B4-BE49-F238E27FC236}">
-                <a16:creationId xmlns:a16="http://schemas.microsoft.com/office/drawing/2014/main" id="{157F6333-FDDA-1041-864D-00951AEE2A8D}"/>
+                <a16:creationId xmlns:a16="http://schemas.microsoft.com/office/drawing/2014/main" id="{AEAB0858-442D-2A48-A26B-D8C6466DFB49}"/>
               </a:ext>
             </a:extLst>
           </p:cNvPr>
@@ -12938,18 +12658,13 @@
         </p:nvSpPr>
         <p:spPr/>
         <p:txBody>
-          <a:bodyPr>
-            <a:normAutofit fontScale="90000"/>
-          </a:bodyPr>
-          <a:lstStyle/>
-          <a:p>
-            <a:r>
-              <a:rPr lang="en-US" altLang="zh-CN" dirty="0"/>
-              <a:t>Locating Cache Performance Bottlenecks Using Data Profiling </a:t>
-            </a:r>
-            <a:br>
-              <a:rPr lang="en-US" altLang="zh-CN" dirty="0"/>
-            </a:br>
+          <a:bodyPr/>
+          <a:lstStyle/>
+          <a:p>
+            <a:r>
+              <a:rPr kumimoji="1" lang="en-US" altLang="zh-CN" dirty="0" err="1"/>
+              <a:t>GPUvm</a:t>
+            </a:r>
             <a:endParaRPr kumimoji="1" lang="zh-CN" altLang="en-US" dirty="0"/>
           </a:p>
         </p:txBody>
@@ -12959,7 +12674,7 @@
           <p:cNvPr id="3" name="内容占位符 2">
             <a:extLst>
               <a:ext uri="{FF2B5EF4-FFF2-40B4-BE49-F238E27FC236}">
-                <a16:creationId xmlns:a16="http://schemas.microsoft.com/office/drawing/2014/main" id="{59A53ADA-A82E-C844-8E5D-D74933CA2EF1}"/>
+                <a16:creationId xmlns:a16="http://schemas.microsoft.com/office/drawing/2014/main" id="{BD03E78E-E580-494D-BE9E-69D002BE2B08}"/>
               </a:ext>
             </a:extLst>
           </p:cNvPr>
@@ -12975,87 +12690,44 @@
           <a:bodyPr/>
           <a:lstStyle/>
           <a:p>
-            <a:r>
-              <a:rPr lang="en-US" altLang="zh-CN" sz="2400" dirty="0" err="1"/>
-              <a:t>EuroSys</a:t>
-            </a:r>
-            <a:r>
-              <a:rPr lang="en-US" altLang="zh-CN" sz="2400" dirty="0"/>
-              <a:t> 2010 </a:t>
-            </a:r>
-          </a:p>
-          <a:p>
-            <a:r>
-              <a:rPr lang="en-US" altLang="zh-CN" sz="2400" dirty="0"/>
-              <a:t>Massachusetts Institute of Technology Computer Science and Artificial Intelligence Lab</a:t>
-            </a:r>
-            <a:r>
-              <a:rPr lang="zh-Hans" altLang="en-US" sz="2400" dirty="0"/>
-              <a:t>  </a:t>
-            </a:r>
-            <a:endParaRPr lang="en-US" altLang="zh-Hans" sz="2400" dirty="0"/>
-          </a:p>
-          <a:p>
-            <a:r>
-              <a:rPr lang="en-US" altLang="zh-CN" sz="2400" dirty="0"/>
-              <a:t>Parallel &amp; Distributed Operating Systems Group</a:t>
-            </a:r>
-          </a:p>
-          <a:p>
-            <a:r>
-              <a:rPr lang="en-US" altLang="zh-CN" sz="2400" dirty="0"/>
-              <a:t>Aleksey </a:t>
-            </a:r>
-            <a:r>
-              <a:rPr lang="en-US" altLang="zh-CN" sz="2400" dirty="0" err="1"/>
-              <a:t>Pesterev</a:t>
-            </a:r>
-            <a:r>
-              <a:rPr lang="zh-Hans" altLang="en-US" sz="2400" dirty="0"/>
-              <a:t> </a:t>
-            </a:r>
-            <a:r>
-              <a:rPr lang="zh-CN" altLang="en-US" sz="2400" dirty="0"/>
-              <a:t>第一作者</a:t>
-            </a:r>
-            <a:endParaRPr lang="en-US" altLang="zh-CN" sz="2400" dirty="0"/>
-          </a:p>
-          <a:p>
-            <a:r>
-              <a:rPr lang="en-US" altLang="zh-CN" sz="2400" dirty="0" err="1"/>
-              <a:t>Nickolai</a:t>
-            </a:r>
-            <a:r>
-              <a:rPr lang="en-US" altLang="zh-CN" sz="2400" dirty="0"/>
-              <a:t> </a:t>
-            </a:r>
-            <a:r>
-              <a:rPr lang="en-US" altLang="zh-CN" sz="2400" dirty="0" err="1"/>
-              <a:t>Zeldovich</a:t>
-            </a:r>
-            <a:r>
-              <a:rPr lang="en-US" altLang="zh-CN" sz="2400" dirty="0"/>
-              <a:t> </a:t>
-            </a:r>
-            <a:r>
-              <a:rPr lang="zh-CN" altLang="en-US" sz="2400" dirty="0"/>
-              <a:t>和 </a:t>
-            </a:r>
-            <a:r>
-              <a:rPr lang="en-US" altLang="zh-CN" sz="2400" dirty="0"/>
-              <a:t>Robert T. Morris </a:t>
-            </a:r>
-            <a:endParaRPr lang="zh-CN" altLang="en-US" sz="2400" dirty="0"/>
-          </a:p>
-          <a:p>
-            <a:endParaRPr kumimoji="1" lang="zh-CN" altLang="en-US" dirty="0"/>
-          </a:p>
-        </p:txBody>
-      </p:sp>
+            <a:endParaRPr kumimoji="1" lang="zh-CN" altLang="en-US"/>
+          </a:p>
+        </p:txBody>
+      </p:sp>
+      <p:pic>
+        <p:nvPicPr>
+          <p:cNvPr id="4" name="图片 3">
+            <a:extLst>
+              <a:ext uri="{FF2B5EF4-FFF2-40B4-BE49-F238E27FC236}">
+                <a16:creationId xmlns:a16="http://schemas.microsoft.com/office/drawing/2014/main" id="{842EDCAE-B2BD-F14D-AE13-819C9547A3CE}"/>
+              </a:ext>
+            </a:extLst>
+          </p:cNvPr>
+          <p:cNvPicPr>
+            <a:picLocks noChangeAspect="1"/>
+          </p:cNvPicPr>
+          <p:nvPr/>
+        </p:nvPicPr>
+        <p:blipFill>
+          <a:blip r:embed="rId2"/>
+          <a:stretch>
+            <a:fillRect/>
+          </a:stretch>
+        </p:blipFill>
+        <p:spPr>
+          <a:xfrm>
+            <a:off x="2634560" y="1782448"/>
+            <a:ext cx="8870052" cy="4479925"/>
+          </a:xfrm>
+          <a:prstGeom prst="rect">
+            <a:avLst/>
+          </a:prstGeom>
+        </p:spPr>
+      </p:pic>
     </p:spTree>
     <p:extLst>
       <p:ext uri="{BB962C8B-B14F-4D97-AF65-F5344CB8AC3E}">
-        <p14:creationId xmlns:p14="http://schemas.microsoft.com/office/powerpoint/2010/main" val="4241339407"/>
+        <p14:creationId xmlns:p14="http://schemas.microsoft.com/office/powerpoint/2010/main" val="392875687"/>
       </p:ext>
     </p:extLst>
   </p:cSld>
